--- a/2021/07/apex/apex101-base.pptx
+++ b/2021/07/apex/apex101-base.pptx
@@ -4,8 +4,16 @@
   <p:sldMasterIdLst>
     <p:sldMasterId id="2147483648" r:id="rId1"/>
   </p:sldMasterIdLst>
+  <p:notesMasterIdLst>
+    <p:notesMasterId r:id="rId8"/>
+  </p:notesMasterIdLst>
   <p:sldIdLst>
     <p:sldId id="257" r:id="rId2"/>
+    <p:sldId id="258" r:id="rId3"/>
+    <p:sldId id="260" r:id="rId4"/>
+    <p:sldId id="261" r:id="rId5"/>
+    <p:sldId id="259" r:id="rId6"/>
+    <p:sldId id="262" r:id="rId7"/>
   </p:sldIdLst>
   <p:sldSz cx="12192000" cy="6858000"/>
   <p:notesSz cx="6858000" cy="9144000"/>
@@ -121,6 +129,776 @@
     </p:ext>
   </p:extLst>
 </p:presentation>
+</file>
+
+<file path=ppt/notesMasters/notesMaster1.xml><?xml version="1.0" encoding="utf-8"?>
+<p:notesMaster xmlns:a="http://schemas.openxmlformats.org/drawingml/2006/main" xmlns:r="http://schemas.openxmlformats.org/officeDocument/2006/relationships" xmlns:p="http://schemas.openxmlformats.org/presentationml/2006/main">
+  <p:cSld>
+    <p:bg>
+      <p:bgRef idx="1001">
+        <a:schemeClr val="bg1"/>
+      </p:bgRef>
+    </p:bg>
+    <p:spTree>
+      <p:nvGrpSpPr>
+        <p:cNvPr id="1" name=""/>
+        <p:cNvGrpSpPr/>
+        <p:nvPr/>
+      </p:nvGrpSpPr>
+      <p:grpSpPr>
+        <a:xfrm>
+          <a:off x="0" y="0"/>
+          <a:ext cx="0" cy="0"/>
+          <a:chOff x="0" y="0"/>
+          <a:chExt cx="0" cy="0"/>
+        </a:xfrm>
+      </p:grpSpPr>
+      <p:sp>
+        <p:nvSpPr>
+          <p:cNvPr id="2" name="머리글 개체 틀 1"/>
+          <p:cNvSpPr>
+            <a:spLocks noGrp="1"/>
+          </p:cNvSpPr>
+          <p:nvPr>
+            <p:ph type="hdr" sz="quarter"/>
+          </p:nvPr>
+        </p:nvSpPr>
+        <p:spPr>
+          <a:xfrm>
+            <a:off x="0" y="0"/>
+            <a:ext cx="2971800" cy="458788"/>
+          </a:xfrm>
+          <a:prstGeom prst="rect">
+            <a:avLst/>
+          </a:prstGeom>
+        </p:spPr>
+        <p:txBody>
+          <a:bodyPr vert="horz" lIns="91440" tIns="45720" rIns="91440" bIns="45720" rtlCol="0"/>
+          <a:lstStyle>
+            <a:lvl1pPr algn="l">
+              <a:defRPr sz="1200"/>
+            </a:lvl1pPr>
+          </a:lstStyle>
+          <a:p>
+            <a:endParaRPr kumimoji="1" lang="ko-Kore-KR" altLang="en-US"/>
+          </a:p>
+        </p:txBody>
+      </p:sp>
+      <p:sp>
+        <p:nvSpPr>
+          <p:cNvPr id="3" name="날짜 개체 틀 2"/>
+          <p:cNvSpPr>
+            <a:spLocks noGrp="1"/>
+          </p:cNvSpPr>
+          <p:nvPr>
+            <p:ph type="dt" idx="1"/>
+          </p:nvPr>
+        </p:nvSpPr>
+        <p:spPr>
+          <a:xfrm>
+            <a:off x="3884613" y="0"/>
+            <a:ext cx="2971800" cy="458788"/>
+          </a:xfrm>
+          <a:prstGeom prst="rect">
+            <a:avLst/>
+          </a:prstGeom>
+        </p:spPr>
+        <p:txBody>
+          <a:bodyPr vert="horz" lIns="91440" tIns="45720" rIns="91440" bIns="45720" rtlCol="0"/>
+          <a:lstStyle>
+            <a:lvl1pPr algn="r">
+              <a:defRPr sz="1200"/>
+            </a:lvl1pPr>
+          </a:lstStyle>
+          <a:p>
+            <a:fld id="{3A294AA0-FB64-234B-931D-F73B122F93F2}" type="datetimeFigureOut">
+              <a:rPr kumimoji="1" lang="ko-Kore-KR" altLang="en-US" smtClean="0"/>
+              <a:t>2021. 7. 25.</a:t>
+            </a:fld>
+            <a:endParaRPr kumimoji="1" lang="ko-Kore-KR" altLang="en-US"/>
+          </a:p>
+        </p:txBody>
+      </p:sp>
+      <p:sp>
+        <p:nvSpPr>
+          <p:cNvPr id="4" name="슬라이드 이미지 개체 틀 3"/>
+          <p:cNvSpPr>
+            <a:spLocks noGrp="1" noRot="1" noChangeAspect="1"/>
+          </p:cNvSpPr>
+          <p:nvPr>
+            <p:ph type="sldImg" idx="2"/>
+          </p:nvPr>
+        </p:nvSpPr>
+        <p:spPr>
+          <a:xfrm>
+            <a:off x="685800" y="1143000"/>
+            <a:ext cx="5486400" cy="3086100"/>
+          </a:xfrm>
+          <a:prstGeom prst="rect">
+            <a:avLst/>
+          </a:prstGeom>
+          <a:noFill/>
+          <a:ln w="12700">
+            <a:solidFill>
+              <a:prstClr val="black"/>
+            </a:solidFill>
+          </a:ln>
+        </p:spPr>
+        <p:txBody>
+          <a:bodyPr vert="horz" lIns="91440" tIns="45720" rIns="91440" bIns="45720" rtlCol="0" anchor="ctr"/>
+          <a:lstStyle/>
+          <a:p>
+            <a:endParaRPr lang="ko-Kore-KR" altLang="en-US"/>
+          </a:p>
+        </p:txBody>
+      </p:sp>
+      <p:sp>
+        <p:nvSpPr>
+          <p:cNvPr id="5" name="슬라이드 노트 개체 틀 4"/>
+          <p:cNvSpPr>
+            <a:spLocks noGrp="1"/>
+          </p:cNvSpPr>
+          <p:nvPr>
+            <p:ph type="body" sz="quarter" idx="3"/>
+          </p:nvPr>
+        </p:nvSpPr>
+        <p:spPr>
+          <a:xfrm>
+            <a:off x="685800" y="4400550"/>
+            <a:ext cx="5486400" cy="3600450"/>
+          </a:xfrm>
+          <a:prstGeom prst="rect">
+            <a:avLst/>
+          </a:prstGeom>
+        </p:spPr>
+        <p:txBody>
+          <a:bodyPr vert="horz" lIns="91440" tIns="45720" rIns="91440" bIns="45720" rtlCol="0"/>
+          <a:lstStyle/>
+          <a:p>
+            <a:pPr lvl="0"/>
+            <a:r>
+              <a:rPr kumimoji="1" lang="ko-KR" altLang="en-US"/>
+              <a:t>마스터 텍스트 스타일을 편집하려면 클릭</a:t>
+            </a:r>
+          </a:p>
+          <a:p>
+            <a:pPr lvl="1"/>
+            <a:r>
+              <a:rPr kumimoji="1" lang="ko-KR" altLang="en-US"/>
+              <a:t>두 번째 수준</a:t>
+            </a:r>
+          </a:p>
+          <a:p>
+            <a:pPr lvl="2"/>
+            <a:r>
+              <a:rPr kumimoji="1" lang="ko-KR" altLang="en-US"/>
+              <a:t>세 번째 수준</a:t>
+            </a:r>
+          </a:p>
+          <a:p>
+            <a:pPr lvl="3"/>
+            <a:r>
+              <a:rPr kumimoji="1" lang="ko-KR" altLang="en-US"/>
+              <a:t>네 번째 수준</a:t>
+            </a:r>
+          </a:p>
+          <a:p>
+            <a:pPr lvl="4"/>
+            <a:r>
+              <a:rPr kumimoji="1" lang="ko-KR" altLang="en-US"/>
+              <a:t>다섯 번째 수준</a:t>
+            </a:r>
+            <a:endParaRPr kumimoji="1" lang="ko-Kore-KR" altLang="en-US"/>
+          </a:p>
+        </p:txBody>
+      </p:sp>
+      <p:sp>
+        <p:nvSpPr>
+          <p:cNvPr id="6" name="바닥글 개체 틀 5"/>
+          <p:cNvSpPr>
+            <a:spLocks noGrp="1"/>
+          </p:cNvSpPr>
+          <p:nvPr>
+            <p:ph type="ftr" sz="quarter" idx="4"/>
+          </p:nvPr>
+        </p:nvSpPr>
+        <p:spPr>
+          <a:xfrm>
+            <a:off x="0" y="8685213"/>
+            <a:ext cx="2971800" cy="458787"/>
+          </a:xfrm>
+          <a:prstGeom prst="rect">
+            <a:avLst/>
+          </a:prstGeom>
+        </p:spPr>
+        <p:txBody>
+          <a:bodyPr vert="horz" lIns="91440" tIns="45720" rIns="91440" bIns="45720" rtlCol="0" anchor="b"/>
+          <a:lstStyle>
+            <a:lvl1pPr algn="l">
+              <a:defRPr sz="1200"/>
+            </a:lvl1pPr>
+          </a:lstStyle>
+          <a:p>
+            <a:endParaRPr kumimoji="1" lang="ko-Kore-KR" altLang="en-US"/>
+          </a:p>
+        </p:txBody>
+      </p:sp>
+      <p:sp>
+        <p:nvSpPr>
+          <p:cNvPr id="7" name="슬라이드 번호 개체 틀 6"/>
+          <p:cNvSpPr>
+            <a:spLocks noGrp="1"/>
+          </p:cNvSpPr>
+          <p:nvPr>
+            <p:ph type="sldNum" sz="quarter" idx="5"/>
+          </p:nvPr>
+        </p:nvSpPr>
+        <p:spPr>
+          <a:xfrm>
+            <a:off x="3884613" y="8685213"/>
+            <a:ext cx="2971800" cy="458787"/>
+          </a:xfrm>
+          <a:prstGeom prst="rect">
+            <a:avLst/>
+          </a:prstGeom>
+        </p:spPr>
+        <p:txBody>
+          <a:bodyPr vert="horz" lIns="91440" tIns="45720" rIns="91440" bIns="45720" rtlCol="0" anchor="b"/>
+          <a:lstStyle>
+            <a:lvl1pPr algn="r">
+              <a:defRPr sz="1200"/>
+            </a:lvl1pPr>
+          </a:lstStyle>
+          <a:p>
+            <a:fld id="{B13A37FD-DB10-F54A-A75A-D461C5064876}" type="slidenum">
+              <a:rPr kumimoji="1" lang="ko-Kore-KR" altLang="en-US" smtClean="0"/>
+              <a:t>‹#›</a:t>
+            </a:fld>
+            <a:endParaRPr kumimoji="1" lang="ko-Kore-KR" altLang="en-US"/>
+          </a:p>
+        </p:txBody>
+      </p:sp>
+    </p:spTree>
+    <p:extLst>
+      <p:ext uri="{BB962C8B-B14F-4D97-AF65-F5344CB8AC3E}">
+        <p14:creationId xmlns:p14="http://schemas.microsoft.com/office/powerpoint/2010/main" val="1967948508"/>
+      </p:ext>
+    </p:extLst>
+  </p:cSld>
+  <p:clrMap bg1="lt1" tx1="dk1" bg2="lt2" tx2="dk2" accent1="accent1" accent2="accent2" accent3="accent3" accent4="accent4" accent5="accent5" accent6="accent6" hlink="hlink" folHlink="folHlink"/>
+  <p:notesStyle>
+    <a:lvl1pPr marL="0" algn="l" defTabSz="914400" rtl="0" eaLnBrk="1" latinLnBrk="0" hangingPunct="1">
+      <a:defRPr sz="1200" kern="1200">
+        <a:solidFill>
+          <a:schemeClr val="tx1"/>
+        </a:solidFill>
+        <a:latin typeface="+mn-lt"/>
+        <a:ea typeface="+mn-ea"/>
+        <a:cs typeface="+mn-cs"/>
+      </a:defRPr>
+    </a:lvl1pPr>
+    <a:lvl2pPr marL="457200" algn="l" defTabSz="914400" rtl="0" eaLnBrk="1" latinLnBrk="0" hangingPunct="1">
+      <a:defRPr sz="1200" kern="1200">
+        <a:solidFill>
+          <a:schemeClr val="tx1"/>
+        </a:solidFill>
+        <a:latin typeface="+mn-lt"/>
+        <a:ea typeface="+mn-ea"/>
+        <a:cs typeface="+mn-cs"/>
+      </a:defRPr>
+    </a:lvl2pPr>
+    <a:lvl3pPr marL="914400" algn="l" defTabSz="914400" rtl="0" eaLnBrk="1" latinLnBrk="0" hangingPunct="1">
+      <a:defRPr sz="1200" kern="1200">
+        <a:solidFill>
+          <a:schemeClr val="tx1"/>
+        </a:solidFill>
+        <a:latin typeface="+mn-lt"/>
+        <a:ea typeface="+mn-ea"/>
+        <a:cs typeface="+mn-cs"/>
+      </a:defRPr>
+    </a:lvl3pPr>
+    <a:lvl4pPr marL="1371600" algn="l" defTabSz="914400" rtl="0" eaLnBrk="1" latinLnBrk="0" hangingPunct="1">
+      <a:defRPr sz="1200" kern="1200">
+        <a:solidFill>
+          <a:schemeClr val="tx1"/>
+        </a:solidFill>
+        <a:latin typeface="+mn-lt"/>
+        <a:ea typeface="+mn-ea"/>
+        <a:cs typeface="+mn-cs"/>
+      </a:defRPr>
+    </a:lvl4pPr>
+    <a:lvl5pPr marL="1828800" algn="l" defTabSz="914400" rtl="0" eaLnBrk="1" latinLnBrk="0" hangingPunct="1">
+      <a:defRPr sz="1200" kern="1200">
+        <a:solidFill>
+          <a:schemeClr val="tx1"/>
+        </a:solidFill>
+        <a:latin typeface="+mn-lt"/>
+        <a:ea typeface="+mn-ea"/>
+        <a:cs typeface="+mn-cs"/>
+      </a:defRPr>
+    </a:lvl5pPr>
+    <a:lvl6pPr marL="2286000" algn="l" defTabSz="914400" rtl="0" eaLnBrk="1" latinLnBrk="0" hangingPunct="1">
+      <a:defRPr sz="1200" kern="1200">
+        <a:solidFill>
+          <a:schemeClr val="tx1"/>
+        </a:solidFill>
+        <a:latin typeface="+mn-lt"/>
+        <a:ea typeface="+mn-ea"/>
+        <a:cs typeface="+mn-cs"/>
+      </a:defRPr>
+    </a:lvl6pPr>
+    <a:lvl7pPr marL="2743200" algn="l" defTabSz="914400" rtl="0" eaLnBrk="1" latinLnBrk="0" hangingPunct="1">
+      <a:defRPr sz="1200" kern="1200">
+        <a:solidFill>
+          <a:schemeClr val="tx1"/>
+        </a:solidFill>
+        <a:latin typeface="+mn-lt"/>
+        <a:ea typeface="+mn-ea"/>
+        <a:cs typeface="+mn-cs"/>
+      </a:defRPr>
+    </a:lvl7pPr>
+    <a:lvl8pPr marL="3200400" algn="l" defTabSz="914400" rtl="0" eaLnBrk="1" latinLnBrk="0" hangingPunct="1">
+      <a:defRPr sz="1200" kern="1200">
+        <a:solidFill>
+          <a:schemeClr val="tx1"/>
+        </a:solidFill>
+        <a:latin typeface="+mn-lt"/>
+        <a:ea typeface="+mn-ea"/>
+        <a:cs typeface="+mn-cs"/>
+      </a:defRPr>
+    </a:lvl8pPr>
+    <a:lvl9pPr marL="3657600" algn="l" defTabSz="914400" rtl="0" eaLnBrk="1" latinLnBrk="0" hangingPunct="1">
+      <a:defRPr sz="1200" kern="1200">
+        <a:solidFill>
+          <a:schemeClr val="tx1"/>
+        </a:solidFill>
+        <a:latin typeface="+mn-lt"/>
+        <a:ea typeface="+mn-ea"/>
+        <a:cs typeface="+mn-cs"/>
+      </a:defRPr>
+    </a:lvl9pPr>
+  </p:notesStyle>
+</p:notesMaster>
+</file>
+
+<file path=ppt/notesSlides/notesSlide1.xml><?xml version="1.0" encoding="utf-8"?>
+<p:notes xmlns:a="http://schemas.openxmlformats.org/drawingml/2006/main" xmlns:r="http://schemas.openxmlformats.org/officeDocument/2006/relationships" xmlns:p="http://schemas.openxmlformats.org/presentationml/2006/main">
+  <p:cSld>
+    <p:spTree>
+      <p:nvGrpSpPr>
+        <p:cNvPr id="1" name=""/>
+        <p:cNvGrpSpPr/>
+        <p:nvPr/>
+      </p:nvGrpSpPr>
+      <p:grpSpPr>
+        <a:xfrm>
+          <a:off x="0" y="0"/>
+          <a:ext cx="0" cy="0"/>
+          <a:chOff x="0" y="0"/>
+          <a:chExt cx="0" cy="0"/>
+        </a:xfrm>
+      </p:grpSpPr>
+      <p:sp>
+        <p:nvSpPr>
+          <p:cNvPr id="2" name="슬라이드 이미지 개체 틀 1"/>
+          <p:cNvSpPr>
+            <a:spLocks noGrp="1" noRot="1" noChangeAspect="1"/>
+          </p:cNvSpPr>
+          <p:nvPr>
+            <p:ph type="sldImg"/>
+          </p:nvPr>
+        </p:nvSpPr>
+        <p:spPr/>
+      </p:sp>
+      <p:sp>
+        <p:nvSpPr>
+          <p:cNvPr id="3" name="슬라이드 노트 개체 틀 2"/>
+          <p:cNvSpPr>
+            <a:spLocks noGrp="1"/>
+          </p:cNvSpPr>
+          <p:nvPr>
+            <p:ph type="body" idx="1"/>
+          </p:nvPr>
+        </p:nvSpPr>
+        <p:spPr/>
+        <p:txBody>
+          <a:bodyPr/>
+          <a:lstStyle/>
+          <a:p>
+            <a:endParaRPr kumimoji="1" lang="ko-Kore-KR" altLang="en-US"/>
+          </a:p>
+        </p:txBody>
+      </p:sp>
+      <p:sp>
+        <p:nvSpPr>
+          <p:cNvPr id="4" name="슬라이드 번호 개체 틀 3"/>
+          <p:cNvSpPr>
+            <a:spLocks noGrp="1"/>
+          </p:cNvSpPr>
+          <p:nvPr>
+            <p:ph type="sldNum" sz="quarter" idx="5"/>
+          </p:nvPr>
+        </p:nvSpPr>
+        <p:spPr/>
+        <p:txBody>
+          <a:bodyPr/>
+          <a:lstStyle/>
+          <a:p>
+            <a:fld id="{B13A37FD-DB10-F54A-A75A-D461C5064876}" type="slidenum">
+              <a:rPr kumimoji="1" lang="ko-Kore-KR" altLang="en-US" smtClean="0"/>
+              <a:t>1</a:t>
+            </a:fld>
+            <a:endParaRPr kumimoji="1" lang="ko-Kore-KR" altLang="en-US"/>
+          </a:p>
+        </p:txBody>
+      </p:sp>
+    </p:spTree>
+    <p:extLst>
+      <p:ext uri="{BB962C8B-B14F-4D97-AF65-F5344CB8AC3E}">
+        <p14:creationId xmlns:p14="http://schemas.microsoft.com/office/powerpoint/2010/main" val="1748397977"/>
+      </p:ext>
+    </p:extLst>
+  </p:cSld>
+  <p:clrMapOvr>
+    <a:masterClrMapping/>
+  </p:clrMapOvr>
+</p:notes>
+</file>
+
+<file path=ppt/notesSlides/notesSlide2.xml><?xml version="1.0" encoding="utf-8"?>
+<p:notes xmlns:a="http://schemas.openxmlformats.org/drawingml/2006/main" xmlns:r="http://schemas.openxmlformats.org/officeDocument/2006/relationships" xmlns:p="http://schemas.openxmlformats.org/presentationml/2006/main">
+  <p:cSld>
+    <p:spTree>
+      <p:nvGrpSpPr>
+        <p:cNvPr id="1" name=""/>
+        <p:cNvGrpSpPr/>
+        <p:nvPr/>
+      </p:nvGrpSpPr>
+      <p:grpSpPr>
+        <a:xfrm>
+          <a:off x="0" y="0"/>
+          <a:ext cx="0" cy="0"/>
+          <a:chOff x="0" y="0"/>
+          <a:chExt cx="0" cy="0"/>
+        </a:xfrm>
+      </p:grpSpPr>
+      <p:sp>
+        <p:nvSpPr>
+          <p:cNvPr id="2" name="슬라이드 이미지 개체 틀 1"/>
+          <p:cNvSpPr>
+            <a:spLocks noGrp="1" noRot="1" noChangeAspect="1"/>
+          </p:cNvSpPr>
+          <p:nvPr>
+            <p:ph type="sldImg"/>
+          </p:nvPr>
+        </p:nvSpPr>
+        <p:spPr/>
+      </p:sp>
+      <p:sp>
+        <p:nvSpPr>
+          <p:cNvPr id="3" name="슬라이드 노트 개체 틀 2"/>
+          <p:cNvSpPr>
+            <a:spLocks noGrp="1"/>
+          </p:cNvSpPr>
+          <p:nvPr>
+            <p:ph type="body" idx="1"/>
+          </p:nvPr>
+        </p:nvSpPr>
+        <p:spPr/>
+        <p:txBody>
+          <a:bodyPr/>
+          <a:lstStyle/>
+          <a:p>
+            <a:endParaRPr kumimoji="1" lang="ko-Kore-KR" altLang="en-US"/>
+          </a:p>
+        </p:txBody>
+      </p:sp>
+      <p:sp>
+        <p:nvSpPr>
+          <p:cNvPr id="4" name="슬라이드 번호 개체 틀 3"/>
+          <p:cNvSpPr>
+            <a:spLocks noGrp="1"/>
+          </p:cNvSpPr>
+          <p:nvPr>
+            <p:ph type="sldNum" sz="quarter" idx="5"/>
+          </p:nvPr>
+        </p:nvSpPr>
+        <p:spPr/>
+        <p:txBody>
+          <a:bodyPr/>
+          <a:lstStyle/>
+          <a:p>
+            <a:fld id="{B13A37FD-DB10-F54A-A75A-D461C5064876}" type="slidenum">
+              <a:rPr kumimoji="1" lang="ko-Kore-KR" altLang="en-US" smtClean="0"/>
+              <a:t>2</a:t>
+            </a:fld>
+            <a:endParaRPr kumimoji="1" lang="ko-Kore-KR" altLang="en-US"/>
+          </a:p>
+        </p:txBody>
+      </p:sp>
+    </p:spTree>
+    <p:extLst>
+      <p:ext uri="{BB962C8B-B14F-4D97-AF65-F5344CB8AC3E}">
+        <p14:creationId xmlns:p14="http://schemas.microsoft.com/office/powerpoint/2010/main" val="1677009458"/>
+      </p:ext>
+    </p:extLst>
+  </p:cSld>
+  <p:clrMapOvr>
+    <a:masterClrMapping/>
+  </p:clrMapOvr>
+</p:notes>
+</file>
+
+<file path=ppt/notesSlides/notesSlide3.xml><?xml version="1.0" encoding="utf-8"?>
+<p:notes xmlns:a="http://schemas.openxmlformats.org/drawingml/2006/main" xmlns:r="http://schemas.openxmlformats.org/officeDocument/2006/relationships" xmlns:p="http://schemas.openxmlformats.org/presentationml/2006/main">
+  <p:cSld>
+    <p:spTree>
+      <p:nvGrpSpPr>
+        <p:cNvPr id="1" name=""/>
+        <p:cNvGrpSpPr/>
+        <p:nvPr/>
+      </p:nvGrpSpPr>
+      <p:grpSpPr>
+        <a:xfrm>
+          <a:off x="0" y="0"/>
+          <a:ext cx="0" cy="0"/>
+          <a:chOff x="0" y="0"/>
+          <a:chExt cx="0" cy="0"/>
+        </a:xfrm>
+      </p:grpSpPr>
+      <p:sp>
+        <p:nvSpPr>
+          <p:cNvPr id="2" name="슬라이드 이미지 개체 틀 1"/>
+          <p:cNvSpPr>
+            <a:spLocks noGrp="1" noRot="1" noChangeAspect="1"/>
+          </p:cNvSpPr>
+          <p:nvPr>
+            <p:ph type="sldImg"/>
+          </p:nvPr>
+        </p:nvSpPr>
+        <p:spPr/>
+      </p:sp>
+      <p:sp>
+        <p:nvSpPr>
+          <p:cNvPr id="3" name="슬라이드 노트 개체 틀 2"/>
+          <p:cNvSpPr>
+            <a:spLocks noGrp="1"/>
+          </p:cNvSpPr>
+          <p:nvPr>
+            <p:ph type="body" idx="1"/>
+          </p:nvPr>
+        </p:nvSpPr>
+        <p:spPr/>
+        <p:txBody>
+          <a:bodyPr/>
+          <a:lstStyle/>
+          <a:p>
+            <a:endParaRPr kumimoji="1" lang="ko-Kore-KR" altLang="en-US"/>
+          </a:p>
+        </p:txBody>
+      </p:sp>
+      <p:sp>
+        <p:nvSpPr>
+          <p:cNvPr id="4" name="슬라이드 번호 개체 틀 3"/>
+          <p:cNvSpPr>
+            <a:spLocks noGrp="1"/>
+          </p:cNvSpPr>
+          <p:nvPr>
+            <p:ph type="sldNum" sz="quarter" idx="5"/>
+          </p:nvPr>
+        </p:nvSpPr>
+        <p:spPr/>
+        <p:txBody>
+          <a:bodyPr/>
+          <a:lstStyle/>
+          <a:p>
+            <a:fld id="{B13A37FD-DB10-F54A-A75A-D461C5064876}" type="slidenum">
+              <a:rPr kumimoji="1" lang="ko-Kore-KR" altLang="en-US" smtClean="0"/>
+              <a:t>3</a:t>
+            </a:fld>
+            <a:endParaRPr kumimoji="1" lang="ko-Kore-KR" altLang="en-US"/>
+          </a:p>
+        </p:txBody>
+      </p:sp>
+    </p:spTree>
+    <p:extLst>
+      <p:ext uri="{BB962C8B-B14F-4D97-AF65-F5344CB8AC3E}">
+        <p14:creationId xmlns:p14="http://schemas.microsoft.com/office/powerpoint/2010/main" val="565464706"/>
+      </p:ext>
+    </p:extLst>
+  </p:cSld>
+  <p:clrMapOvr>
+    <a:masterClrMapping/>
+  </p:clrMapOvr>
+</p:notes>
+</file>
+
+<file path=ppt/notesSlides/notesSlide4.xml><?xml version="1.0" encoding="utf-8"?>
+<p:notes xmlns:a="http://schemas.openxmlformats.org/drawingml/2006/main" xmlns:r="http://schemas.openxmlformats.org/officeDocument/2006/relationships" xmlns:p="http://schemas.openxmlformats.org/presentationml/2006/main">
+  <p:cSld>
+    <p:spTree>
+      <p:nvGrpSpPr>
+        <p:cNvPr id="1" name=""/>
+        <p:cNvGrpSpPr/>
+        <p:nvPr/>
+      </p:nvGrpSpPr>
+      <p:grpSpPr>
+        <a:xfrm>
+          <a:off x="0" y="0"/>
+          <a:ext cx="0" cy="0"/>
+          <a:chOff x="0" y="0"/>
+          <a:chExt cx="0" cy="0"/>
+        </a:xfrm>
+      </p:grpSpPr>
+      <p:sp>
+        <p:nvSpPr>
+          <p:cNvPr id="2" name="슬라이드 이미지 개체 틀 1"/>
+          <p:cNvSpPr>
+            <a:spLocks noGrp="1" noRot="1" noChangeAspect="1"/>
+          </p:cNvSpPr>
+          <p:nvPr>
+            <p:ph type="sldImg"/>
+          </p:nvPr>
+        </p:nvSpPr>
+        <p:spPr/>
+      </p:sp>
+      <p:sp>
+        <p:nvSpPr>
+          <p:cNvPr id="3" name="슬라이드 노트 개체 틀 2"/>
+          <p:cNvSpPr>
+            <a:spLocks noGrp="1"/>
+          </p:cNvSpPr>
+          <p:nvPr>
+            <p:ph type="body" idx="1"/>
+          </p:nvPr>
+        </p:nvSpPr>
+        <p:spPr/>
+        <p:txBody>
+          <a:bodyPr/>
+          <a:lstStyle/>
+          <a:p>
+            <a:endParaRPr kumimoji="1" lang="ko-Kore-KR" altLang="en-US"/>
+          </a:p>
+        </p:txBody>
+      </p:sp>
+      <p:sp>
+        <p:nvSpPr>
+          <p:cNvPr id="4" name="슬라이드 번호 개체 틀 3"/>
+          <p:cNvSpPr>
+            <a:spLocks noGrp="1"/>
+          </p:cNvSpPr>
+          <p:nvPr>
+            <p:ph type="sldNum" sz="quarter" idx="5"/>
+          </p:nvPr>
+        </p:nvSpPr>
+        <p:spPr/>
+        <p:txBody>
+          <a:bodyPr/>
+          <a:lstStyle/>
+          <a:p>
+            <a:fld id="{B13A37FD-DB10-F54A-A75A-D461C5064876}" type="slidenum">
+              <a:rPr kumimoji="1" lang="ko-Kore-KR" altLang="en-US" smtClean="0"/>
+              <a:t>4</a:t>
+            </a:fld>
+            <a:endParaRPr kumimoji="1" lang="ko-Kore-KR" altLang="en-US"/>
+          </a:p>
+        </p:txBody>
+      </p:sp>
+    </p:spTree>
+    <p:extLst>
+      <p:ext uri="{BB962C8B-B14F-4D97-AF65-F5344CB8AC3E}">
+        <p14:creationId xmlns:p14="http://schemas.microsoft.com/office/powerpoint/2010/main" val="820114342"/>
+      </p:ext>
+    </p:extLst>
+  </p:cSld>
+  <p:clrMapOvr>
+    <a:masterClrMapping/>
+  </p:clrMapOvr>
+</p:notes>
+</file>
+
+<file path=ppt/notesSlides/notesSlide5.xml><?xml version="1.0" encoding="utf-8"?>
+<p:notes xmlns:a="http://schemas.openxmlformats.org/drawingml/2006/main" xmlns:r="http://schemas.openxmlformats.org/officeDocument/2006/relationships" xmlns:p="http://schemas.openxmlformats.org/presentationml/2006/main">
+  <p:cSld>
+    <p:spTree>
+      <p:nvGrpSpPr>
+        <p:cNvPr id="1" name=""/>
+        <p:cNvGrpSpPr/>
+        <p:nvPr/>
+      </p:nvGrpSpPr>
+      <p:grpSpPr>
+        <a:xfrm>
+          <a:off x="0" y="0"/>
+          <a:ext cx="0" cy="0"/>
+          <a:chOff x="0" y="0"/>
+          <a:chExt cx="0" cy="0"/>
+        </a:xfrm>
+      </p:grpSpPr>
+      <p:sp>
+        <p:nvSpPr>
+          <p:cNvPr id="2" name="슬라이드 이미지 개체 틀 1"/>
+          <p:cNvSpPr>
+            <a:spLocks noGrp="1" noRot="1" noChangeAspect="1"/>
+          </p:cNvSpPr>
+          <p:nvPr>
+            <p:ph type="sldImg"/>
+          </p:nvPr>
+        </p:nvSpPr>
+        <p:spPr/>
+      </p:sp>
+      <p:sp>
+        <p:nvSpPr>
+          <p:cNvPr id="3" name="슬라이드 노트 개체 틀 2"/>
+          <p:cNvSpPr>
+            <a:spLocks noGrp="1"/>
+          </p:cNvSpPr>
+          <p:nvPr>
+            <p:ph type="body" idx="1"/>
+          </p:nvPr>
+        </p:nvSpPr>
+        <p:spPr/>
+        <p:txBody>
+          <a:bodyPr/>
+          <a:lstStyle/>
+          <a:p>
+            <a:endParaRPr kumimoji="1" lang="ko-Kore-KR" altLang="en-US"/>
+          </a:p>
+        </p:txBody>
+      </p:sp>
+      <p:sp>
+        <p:nvSpPr>
+          <p:cNvPr id="4" name="슬라이드 번호 개체 틀 3"/>
+          <p:cNvSpPr>
+            <a:spLocks noGrp="1"/>
+          </p:cNvSpPr>
+          <p:nvPr>
+            <p:ph type="sldNum" sz="quarter" idx="5"/>
+          </p:nvPr>
+        </p:nvSpPr>
+        <p:spPr/>
+        <p:txBody>
+          <a:bodyPr/>
+          <a:lstStyle/>
+          <a:p>
+            <a:fld id="{B13A37FD-DB10-F54A-A75A-D461C5064876}" type="slidenum">
+              <a:rPr kumimoji="1" lang="ko-Kore-KR" altLang="en-US" smtClean="0"/>
+              <a:t>5</a:t>
+            </a:fld>
+            <a:endParaRPr kumimoji="1" lang="ko-Kore-KR" altLang="en-US"/>
+          </a:p>
+        </p:txBody>
+      </p:sp>
+    </p:spTree>
+    <p:extLst>
+      <p:ext uri="{BB962C8B-B14F-4D97-AF65-F5344CB8AC3E}">
+        <p14:creationId xmlns:p14="http://schemas.microsoft.com/office/powerpoint/2010/main" val="1214367137"/>
+      </p:ext>
+    </p:extLst>
+  </p:cSld>
+  <p:clrMapOvr>
+    <a:masterClrMapping/>
+  </p:clrMapOvr>
+</p:notes>
 </file>
 
 <file path=ppt/slideLayouts/slideLayout1.xml><?xml version="1.0" encoding="utf-8"?>
@@ -6036,7 +6814,7 @@
           </p:nvPr>
         </p:nvPicPr>
         <p:blipFill>
-          <a:blip r:embed="rId2"/>
+          <a:blip r:embed="rId3"/>
           <a:stretch>
             <a:fillRect/>
           </a:stretch>
@@ -6282,6 +7060,3571 @@
     <p:extLst>
       <p:ext uri="{BB962C8B-B14F-4D97-AF65-F5344CB8AC3E}">
         <p14:creationId xmlns:p14="http://schemas.microsoft.com/office/powerpoint/2010/main" val="2687111118"/>
+      </p:ext>
+    </p:extLst>
+  </p:cSld>
+  <p:clrMapOvr>
+    <a:masterClrMapping/>
+  </p:clrMapOvr>
+</p:sld>
+</file>
+
+<file path=ppt/slides/slide2.xml><?xml version="1.0" encoding="utf-8"?>
+<p:sld xmlns:a="http://schemas.openxmlformats.org/drawingml/2006/main" xmlns:r="http://schemas.openxmlformats.org/officeDocument/2006/relationships" xmlns:p="http://schemas.openxmlformats.org/presentationml/2006/main">
+  <p:cSld>
+    <p:bg>
+      <p:bgPr>
+        <a:solidFill>
+          <a:schemeClr val="bg1"/>
+        </a:solidFill>
+        <a:effectLst/>
+      </p:bgPr>
+    </p:bg>
+    <p:spTree>
+      <p:nvGrpSpPr>
+        <p:cNvPr id="1" name=""/>
+        <p:cNvGrpSpPr/>
+        <p:nvPr/>
+      </p:nvGrpSpPr>
+      <p:grpSpPr>
+        <a:xfrm>
+          <a:off x="0" y="0"/>
+          <a:ext cx="0" cy="0"/>
+          <a:chOff x="0" y="0"/>
+          <a:chExt cx="0" cy="0"/>
+        </a:xfrm>
+      </p:grpSpPr>
+      <p:sp useBgFill="1">
+        <p:nvSpPr>
+          <p:cNvPr id="17" name="Rectangle 16">
+            <a:extLst>
+              <a:ext uri="{FF2B5EF4-FFF2-40B4-BE49-F238E27FC236}">
+                <a16:creationId xmlns:a16="http://schemas.microsoft.com/office/drawing/2014/main" id="{C232B152-3720-4D3B-97ED-45CE5483F16F}"/>
+              </a:ext>
+              <a:ext uri="{C183D7F6-B498-43B3-948B-1728B52AA6E4}">
+                <adec:decorative xmlns:adec="http://schemas.microsoft.com/office/drawing/2017/decorative" val="1"/>
+              </a:ext>
+            </a:extLst>
+          </p:cNvPr>
+          <p:cNvSpPr>
+            <a:spLocks noGrp="1" noRot="1" noChangeAspect="1" noMove="1" noResize="1" noEditPoints="1" noAdjustHandles="1" noChangeArrowheads="1" noChangeShapeType="1" noTextEdit="1"/>
+          </p:cNvSpPr>
+          <p:nvPr>
+            <p:extLst>
+              <p:ext uri="{386F3935-93C4-4BCD-93E2-E3B085C9AB24}">
+                <p16:designElem xmlns:p16="http://schemas.microsoft.com/office/powerpoint/2015/main" val="1"/>
+              </p:ext>
+            </p:extLst>
+          </p:nvPr>
+        </p:nvSpPr>
+        <p:spPr>
+          <a:xfrm>
+            <a:off x="0" y="0"/>
+            <a:ext cx="12192000" cy="6858000"/>
+          </a:xfrm>
+          <a:prstGeom prst="rect">
+            <a:avLst/>
+          </a:prstGeom>
+          <a:ln w="12700" cap="flat" cmpd="sng" algn="ctr">
+            <a:noFill/>
+            <a:prstDash val="solid"/>
+            <a:miter lim="800000"/>
+          </a:ln>
+          <a:effectLst/>
+        </p:spPr>
+        <p:style>
+          <a:lnRef idx="2">
+            <a:schemeClr val="accent1">
+              <a:shade val="50000"/>
+            </a:schemeClr>
+          </a:lnRef>
+          <a:fillRef idx="1">
+            <a:schemeClr val="accent1"/>
+          </a:fillRef>
+          <a:effectRef idx="0">
+            <a:schemeClr val="accent1"/>
+          </a:effectRef>
+          <a:fontRef idx="minor">
+            <a:schemeClr val="lt1"/>
+          </a:fontRef>
+        </p:style>
+        <p:txBody>
+          <a:bodyPr rtlCol="0" anchor="ctr"/>
+          <a:lstStyle/>
+          <a:p>
+            <a:pPr algn="ctr"/>
+            <a:endParaRPr lang="en-US"/>
+          </a:p>
+        </p:txBody>
+      </p:sp>
+      <p:sp>
+        <p:nvSpPr>
+          <p:cNvPr id="19" name="Freeform: Shape 18">
+            <a:extLst>
+              <a:ext uri="{FF2B5EF4-FFF2-40B4-BE49-F238E27FC236}">
+                <a16:creationId xmlns:a16="http://schemas.microsoft.com/office/drawing/2014/main" id="{11BAB570-FF10-4E96-8A3F-FA9804702B89}"/>
+              </a:ext>
+              <a:ext uri="{C183D7F6-B498-43B3-948B-1728B52AA6E4}">
+                <adec:decorative xmlns:adec="http://schemas.microsoft.com/office/drawing/2017/decorative" val="1"/>
+              </a:ext>
+            </a:extLst>
+          </p:cNvPr>
+          <p:cNvSpPr>
+            <a:spLocks noGrp="1" noRot="1" noChangeAspect="1" noMove="1" noResize="1" noEditPoints="1" noAdjustHandles="1" noChangeArrowheads="1" noChangeShapeType="1" noTextEdit="1"/>
+          </p:cNvSpPr>
+          <p:nvPr>
+            <p:extLst>
+              <p:ext uri="{386F3935-93C4-4BCD-93E2-E3B085C9AB24}">
+                <p16:designElem xmlns:p16="http://schemas.microsoft.com/office/powerpoint/2015/main" val="1"/>
+              </p:ext>
+            </p:extLst>
+          </p:nvPr>
+        </p:nvSpPr>
+        <p:spPr bwMode="ltGray">
+          <a:xfrm>
+            <a:off x="0" y="0"/>
+            <a:ext cx="4693698" cy="6858000"/>
+          </a:xfrm>
+          <a:custGeom>
+            <a:avLst/>
+            <a:gdLst>
+              <a:gd name="connsiteX0" fmla="*/ 0 w 4693698"/>
+              <a:gd name="connsiteY0" fmla="*/ 0 h 6858000"/>
+              <a:gd name="connsiteX1" fmla="*/ 420914 w 4693698"/>
+              <a:gd name="connsiteY1" fmla="*/ 0 h 6858000"/>
+              <a:gd name="connsiteX2" fmla="*/ 1582057 w 4693698"/>
+              <a:gd name="connsiteY2" fmla="*/ 0 h 6858000"/>
+              <a:gd name="connsiteX3" fmla="*/ 4503903 w 4693698"/>
+              <a:gd name="connsiteY3" fmla="*/ 0 h 6858000"/>
+              <a:gd name="connsiteX4" fmla="*/ 4508943 w 4693698"/>
+              <a:gd name="connsiteY4" fmla="*/ 66675 h 6858000"/>
+              <a:gd name="connsiteX5" fmla="*/ 4517340 w 4693698"/>
+              <a:gd name="connsiteY5" fmla="*/ 122237 h 6858000"/>
+              <a:gd name="connsiteX6" fmla="*/ 4527418 w 4693698"/>
+              <a:gd name="connsiteY6" fmla="*/ 174625 h 6858000"/>
+              <a:gd name="connsiteX7" fmla="*/ 4544214 w 4693698"/>
+              <a:gd name="connsiteY7" fmla="*/ 217487 h 6858000"/>
+              <a:gd name="connsiteX8" fmla="*/ 4561010 w 4693698"/>
+              <a:gd name="connsiteY8" fmla="*/ 260350 h 6858000"/>
+              <a:gd name="connsiteX9" fmla="*/ 4581165 w 4693698"/>
+              <a:gd name="connsiteY9" fmla="*/ 296862 h 6858000"/>
+              <a:gd name="connsiteX10" fmla="*/ 4601320 w 4693698"/>
+              <a:gd name="connsiteY10" fmla="*/ 334962 h 6858000"/>
+              <a:gd name="connsiteX11" fmla="*/ 4619796 w 4693698"/>
+              <a:gd name="connsiteY11" fmla="*/ 369887 h 6858000"/>
+              <a:gd name="connsiteX12" fmla="*/ 4638271 w 4693698"/>
+              <a:gd name="connsiteY12" fmla="*/ 409575 h 6858000"/>
+              <a:gd name="connsiteX13" fmla="*/ 4655067 w 4693698"/>
+              <a:gd name="connsiteY13" fmla="*/ 450850 h 6858000"/>
+              <a:gd name="connsiteX14" fmla="*/ 4670184 w 4693698"/>
+              <a:gd name="connsiteY14" fmla="*/ 496887 h 6858000"/>
+              <a:gd name="connsiteX15" fmla="*/ 4681941 w 4693698"/>
+              <a:gd name="connsiteY15" fmla="*/ 546100 h 6858000"/>
+              <a:gd name="connsiteX16" fmla="*/ 4690339 w 4693698"/>
+              <a:gd name="connsiteY16" fmla="*/ 606425 h 6858000"/>
+              <a:gd name="connsiteX17" fmla="*/ 4693698 w 4693698"/>
+              <a:gd name="connsiteY17" fmla="*/ 673100 h 6858000"/>
+              <a:gd name="connsiteX18" fmla="*/ 4690339 w 4693698"/>
+              <a:gd name="connsiteY18" fmla="*/ 744537 h 6858000"/>
+              <a:gd name="connsiteX19" fmla="*/ 4681941 w 4693698"/>
+              <a:gd name="connsiteY19" fmla="*/ 801687 h 6858000"/>
+              <a:gd name="connsiteX20" fmla="*/ 4670184 w 4693698"/>
+              <a:gd name="connsiteY20" fmla="*/ 854075 h 6858000"/>
+              <a:gd name="connsiteX21" fmla="*/ 4655067 w 4693698"/>
+              <a:gd name="connsiteY21" fmla="*/ 901700 h 6858000"/>
+              <a:gd name="connsiteX22" fmla="*/ 4638271 w 4693698"/>
+              <a:gd name="connsiteY22" fmla="*/ 942975 h 6858000"/>
+              <a:gd name="connsiteX23" fmla="*/ 4618116 w 4693698"/>
+              <a:gd name="connsiteY23" fmla="*/ 981075 h 6858000"/>
+              <a:gd name="connsiteX24" fmla="*/ 4597961 w 4693698"/>
+              <a:gd name="connsiteY24" fmla="*/ 1017587 h 6858000"/>
+              <a:gd name="connsiteX25" fmla="*/ 4577806 w 4693698"/>
+              <a:gd name="connsiteY25" fmla="*/ 1055687 h 6858000"/>
+              <a:gd name="connsiteX26" fmla="*/ 4559330 w 4693698"/>
+              <a:gd name="connsiteY26" fmla="*/ 1095375 h 6858000"/>
+              <a:gd name="connsiteX27" fmla="*/ 4540854 w 4693698"/>
+              <a:gd name="connsiteY27" fmla="*/ 1136650 h 6858000"/>
+              <a:gd name="connsiteX28" fmla="*/ 4525739 w 4693698"/>
+              <a:gd name="connsiteY28" fmla="*/ 1182687 h 6858000"/>
+              <a:gd name="connsiteX29" fmla="*/ 4515661 w 4693698"/>
+              <a:gd name="connsiteY29" fmla="*/ 1235075 h 6858000"/>
+              <a:gd name="connsiteX30" fmla="*/ 4505583 w 4693698"/>
+              <a:gd name="connsiteY30" fmla="*/ 1295400 h 6858000"/>
+              <a:gd name="connsiteX31" fmla="*/ 4503903 w 4693698"/>
+              <a:gd name="connsiteY31" fmla="*/ 1363662 h 6858000"/>
+              <a:gd name="connsiteX32" fmla="*/ 4505583 w 4693698"/>
+              <a:gd name="connsiteY32" fmla="*/ 1431925 h 6858000"/>
+              <a:gd name="connsiteX33" fmla="*/ 4515661 w 4693698"/>
+              <a:gd name="connsiteY33" fmla="*/ 1492250 h 6858000"/>
+              <a:gd name="connsiteX34" fmla="*/ 4525739 w 4693698"/>
+              <a:gd name="connsiteY34" fmla="*/ 1544637 h 6858000"/>
+              <a:gd name="connsiteX35" fmla="*/ 4540854 w 4693698"/>
+              <a:gd name="connsiteY35" fmla="*/ 1589087 h 6858000"/>
+              <a:gd name="connsiteX36" fmla="*/ 4559330 w 4693698"/>
+              <a:gd name="connsiteY36" fmla="*/ 1631950 h 6858000"/>
+              <a:gd name="connsiteX37" fmla="*/ 4577806 w 4693698"/>
+              <a:gd name="connsiteY37" fmla="*/ 1671637 h 6858000"/>
+              <a:gd name="connsiteX38" fmla="*/ 4597961 w 4693698"/>
+              <a:gd name="connsiteY38" fmla="*/ 1708150 h 6858000"/>
+              <a:gd name="connsiteX39" fmla="*/ 4618116 w 4693698"/>
+              <a:gd name="connsiteY39" fmla="*/ 1743075 h 6858000"/>
+              <a:gd name="connsiteX40" fmla="*/ 4638271 w 4693698"/>
+              <a:gd name="connsiteY40" fmla="*/ 1782762 h 6858000"/>
+              <a:gd name="connsiteX41" fmla="*/ 4655067 w 4693698"/>
+              <a:gd name="connsiteY41" fmla="*/ 1824037 h 6858000"/>
+              <a:gd name="connsiteX42" fmla="*/ 4670184 w 4693698"/>
+              <a:gd name="connsiteY42" fmla="*/ 1870075 h 6858000"/>
+              <a:gd name="connsiteX43" fmla="*/ 4681941 w 4693698"/>
+              <a:gd name="connsiteY43" fmla="*/ 1922462 h 6858000"/>
+              <a:gd name="connsiteX44" fmla="*/ 4690339 w 4693698"/>
+              <a:gd name="connsiteY44" fmla="*/ 1982787 h 6858000"/>
+              <a:gd name="connsiteX45" fmla="*/ 4693698 w 4693698"/>
+              <a:gd name="connsiteY45" fmla="*/ 2051050 h 6858000"/>
+              <a:gd name="connsiteX46" fmla="*/ 4690339 w 4693698"/>
+              <a:gd name="connsiteY46" fmla="*/ 2119312 h 6858000"/>
+              <a:gd name="connsiteX47" fmla="*/ 4681941 w 4693698"/>
+              <a:gd name="connsiteY47" fmla="*/ 2179637 h 6858000"/>
+              <a:gd name="connsiteX48" fmla="*/ 4670184 w 4693698"/>
+              <a:gd name="connsiteY48" fmla="*/ 2232025 h 6858000"/>
+              <a:gd name="connsiteX49" fmla="*/ 4655067 w 4693698"/>
+              <a:gd name="connsiteY49" fmla="*/ 2278062 h 6858000"/>
+              <a:gd name="connsiteX50" fmla="*/ 4638271 w 4693698"/>
+              <a:gd name="connsiteY50" fmla="*/ 2319337 h 6858000"/>
+              <a:gd name="connsiteX51" fmla="*/ 4618116 w 4693698"/>
+              <a:gd name="connsiteY51" fmla="*/ 2359025 h 6858000"/>
+              <a:gd name="connsiteX52" fmla="*/ 4597961 w 4693698"/>
+              <a:gd name="connsiteY52" fmla="*/ 2395537 h 6858000"/>
+              <a:gd name="connsiteX53" fmla="*/ 4577806 w 4693698"/>
+              <a:gd name="connsiteY53" fmla="*/ 2433637 h 6858000"/>
+              <a:gd name="connsiteX54" fmla="*/ 4559330 w 4693698"/>
+              <a:gd name="connsiteY54" fmla="*/ 2471737 h 6858000"/>
+              <a:gd name="connsiteX55" fmla="*/ 4540854 w 4693698"/>
+              <a:gd name="connsiteY55" fmla="*/ 2513012 h 6858000"/>
+              <a:gd name="connsiteX56" fmla="*/ 4525739 w 4693698"/>
+              <a:gd name="connsiteY56" fmla="*/ 2560637 h 6858000"/>
+              <a:gd name="connsiteX57" fmla="*/ 4515661 w 4693698"/>
+              <a:gd name="connsiteY57" fmla="*/ 2613025 h 6858000"/>
+              <a:gd name="connsiteX58" fmla="*/ 4505583 w 4693698"/>
+              <a:gd name="connsiteY58" fmla="*/ 2671762 h 6858000"/>
+              <a:gd name="connsiteX59" fmla="*/ 4503903 w 4693698"/>
+              <a:gd name="connsiteY59" fmla="*/ 2741612 h 6858000"/>
+              <a:gd name="connsiteX60" fmla="*/ 4505583 w 4693698"/>
+              <a:gd name="connsiteY60" fmla="*/ 2809875 h 6858000"/>
+              <a:gd name="connsiteX61" fmla="*/ 4515661 w 4693698"/>
+              <a:gd name="connsiteY61" fmla="*/ 2868612 h 6858000"/>
+              <a:gd name="connsiteX62" fmla="*/ 4525739 w 4693698"/>
+              <a:gd name="connsiteY62" fmla="*/ 2922587 h 6858000"/>
+              <a:gd name="connsiteX63" fmla="*/ 4540854 w 4693698"/>
+              <a:gd name="connsiteY63" fmla="*/ 2967037 h 6858000"/>
+              <a:gd name="connsiteX64" fmla="*/ 4559330 w 4693698"/>
+              <a:gd name="connsiteY64" fmla="*/ 3009900 h 6858000"/>
+              <a:gd name="connsiteX65" fmla="*/ 4577806 w 4693698"/>
+              <a:gd name="connsiteY65" fmla="*/ 3046412 h 6858000"/>
+              <a:gd name="connsiteX66" fmla="*/ 4597961 w 4693698"/>
+              <a:gd name="connsiteY66" fmla="*/ 3084512 h 6858000"/>
+              <a:gd name="connsiteX67" fmla="*/ 4618116 w 4693698"/>
+              <a:gd name="connsiteY67" fmla="*/ 3121025 h 6858000"/>
+              <a:gd name="connsiteX68" fmla="*/ 4638271 w 4693698"/>
+              <a:gd name="connsiteY68" fmla="*/ 3160712 h 6858000"/>
+              <a:gd name="connsiteX69" fmla="*/ 4655067 w 4693698"/>
+              <a:gd name="connsiteY69" fmla="*/ 3201987 h 6858000"/>
+              <a:gd name="connsiteX70" fmla="*/ 4670184 w 4693698"/>
+              <a:gd name="connsiteY70" fmla="*/ 3248025 h 6858000"/>
+              <a:gd name="connsiteX71" fmla="*/ 4681941 w 4693698"/>
+              <a:gd name="connsiteY71" fmla="*/ 3300412 h 6858000"/>
+              <a:gd name="connsiteX72" fmla="*/ 4690339 w 4693698"/>
+              <a:gd name="connsiteY72" fmla="*/ 3360737 h 6858000"/>
+              <a:gd name="connsiteX73" fmla="*/ 4693698 w 4693698"/>
+              <a:gd name="connsiteY73" fmla="*/ 3427412 h 6858000"/>
+              <a:gd name="connsiteX74" fmla="*/ 4690339 w 4693698"/>
+              <a:gd name="connsiteY74" fmla="*/ 3497262 h 6858000"/>
+              <a:gd name="connsiteX75" fmla="*/ 4681941 w 4693698"/>
+              <a:gd name="connsiteY75" fmla="*/ 3557587 h 6858000"/>
+              <a:gd name="connsiteX76" fmla="*/ 4670184 w 4693698"/>
+              <a:gd name="connsiteY76" fmla="*/ 3609975 h 6858000"/>
+              <a:gd name="connsiteX77" fmla="*/ 4655067 w 4693698"/>
+              <a:gd name="connsiteY77" fmla="*/ 3656012 h 6858000"/>
+              <a:gd name="connsiteX78" fmla="*/ 4638271 w 4693698"/>
+              <a:gd name="connsiteY78" fmla="*/ 3697287 h 6858000"/>
+              <a:gd name="connsiteX79" fmla="*/ 4618116 w 4693698"/>
+              <a:gd name="connsiteY79" fmla="*/ 3736975 h 6858000"/>
+              <a:gd name="connsiteX80" fmla="*/ 4577806 w 4693698"/>
+              <a:gd name="connsiteY80" fmla="*/ 3811587 h 6858000"/>
+              <a:gd name="connsiteX81" fmla="*/ 4559330 w 4693698"/>
+              <a:gd name="connsiteY81" fmla="*/ 3848100 h 6858000"/>
+              <a:gd name="connsiteX82" fmla="*/ 4540854 w 4693698"/>
+              <a:gd name="connsiteY82" fmla="*/ 3890962 h 6858000"/>
+              <a:gd name="connsiteX83" fmla="*/ 4525739 w 4693698"/>
+              <a:gd name="connsiteY83" fmla="*/ 3935412 h 6858000"/>
+              <a:gd name="connsiteX84" fmla="*/ 4515661 w 4693698"/>
+              <a:gd name="connsiteY84" fmla="*/ 3987800 h 6858000"/>
+              <a:gd name="connsiteX85" fmla="*/ 4505583 w 4693698"/>
+              <a:gd name="connsiteY85" fmla="*/ 4048125 h 6858000"/>
+              <a:gd name="connsiteX86" fmla="*/ 4503903 w 4693698"/>
+              <a:gd name="connsiteY86" fmla="*/ 4116387 h 6858000"/>
+              <a:gd name="connsiteX87" fmla="*/ 4505583 w 4693698"/>
+              <a:gd name="connsiteY87" fmla="*/ 4186237 h 6858000"/>
+              <a:gd name="connsiteX88" fmla="*/ 4515661 w 4693698"/>
+              <a:gd name="connsiteY88" fmla="*/ 4244975 h 6858000"/>
+              <a:gd name="connsiteX89" fmla="*/ 4525739 w 4693698"/>
+              <a:gd name="connsiteY89" fmla="*/ 4297362 h 6858000"/>
+              <a:gd name="connsiteX90" fmla="*/ 4540854 w 4693698"/>
+              <a:gd name="connsiteY90" fmla="*/ 4343400 h 6858000"/>
+              <a:gd name="connsiteX91" fmla="*/ 4559330 w 4693698"/>
+              <a:gd name="connsiteY91" fmla="*/ 4386262 h 6858000"/>
+              <a:gd name="connsiteX92" fmla="*/ 4577806 w 4693698"/>
+              <a:gd name="connsiteY92" fmla="*/ 4424362 h 6858000"/>
+              <a:gd name="connsiteX93" fmla="*/ 4618116 w 4693698"/>
+              <a:gd name="connsiteY93" fmla="*/ 4498975 h 6858000"/>
+              <a:gd name="connsiteX94" fmla="*/ 4638271 w 4693698"/>
+              <a:gd name="connsiteY94" fmla="*/ 4537075 h 6858000"/>
+              <a:gd name="connsiteX95" fmla="*/ 4655067 w 4693698"/>
+              <a:gd name="connsiteY95" fmla="*/ 4579937 h 6858000"/>
+              <a:gd name="connsiteX96" fmla="*/ 4670184 w 4693698"/>
+              <a:gd name="connsiteY96" fmla="*/ 4625975 h 6858000"/>
+              <a:gd name="connsiteX97" fmla="*/ 4681941 w 4693698"/>
+              <a:gd name="connsiteY97" fmla="*/ 4678362 h 6858000"/>
+              <a:gd name="connsiteX98" fmla="*/ 4690339 w 4693698"/>
+              <a:gd name="connsiteY98" fmla="*/ 4738687 h 6858000"/>
+              <a:gd name="connsiteX99" fmla="*/ 4693698 w 4693698"/>
+              <a:gd name="connsiteY99" fmla="*/ 4806950 h 6858000"/>
+              <a:gd name="connsiteX100" fmla="*/ 4690339 w 4693698"/>
+              <a:gd name="connsiteY100" fmla="*/ 4875212 h 6858000"/>
+              <a:gd name="connsiteX101" fmla="*/ 4681941 w 4693698"/>
+              <a:gd name="connsiteY101" fmla="*/ 4935537 h 6858000"/>
+              <a:gd name="connsiteX102" fmla="*/ 4670184 w 4693698"/>
+              <a:gd name="connsiteY102" fmla="*/ 4987925 h 6858000"/>
+              <a:gd name="connsiteX103" fmla="*/ 4655067 w 4693698"/>
+              <a:gd name="connsiteY103" fmla="*/ 5033962 h 6858000"/>
+              <a:gd name="connsiteX104" fmla="*/ 4638271 w 4693698"/>
+              <a:gd name="connsiteY104" fmla="*/ 5075237 h 6858000"/>
+              <a:gd name="connsiteX105" fmla="*/ 4618116 w 4693698"/>
+              <a:gd name="connsiteY105" fmla="*/ 5114925 h 6858000"/>
+              <a:gd name="connsiteX106" fmla="*/ 4597961 w 4693698"/>
+              <a:gd name="connsiteY106" fmla="*/ 5149850 h 6858000"/>
+              <a:gd name="connsiteX107" fmla="*/ 4577806 w 4693698"/>
+              <a:gd name="connsiteY107" fmla="*/ 5186362 h 6858000"/>
+              <a:gd name="connsiteX108" fmla="*/ 4559330 w 4693698"/>
+              <a:gd name="connsiteY108" fmla="*/ 5226050 h 6858000"/>
+              <a:gd name="connsiteX109" fmla="*/ 4540854 w 4693698"/>
+              <a:gd name="connsiteY109" fmla="*/ 5268912 h 6858000"/>
+              <a:gd name="connsiteX110" fmla="*/ 4525739 w 4693698"/>
+              <a:gd name="connsiteY110" fmla="*/ 5313362 h 6858000"/>
+              <a:gd name="connsiteX111" fmla="*/ 4515661 w 4693698"/>
+              <a:gd name="connsiteY111" fmla="*/ 5365750 h 6858000"/>
+              <a:gd name="connsiteX112" fmla="*/ 4505583 w 4693698"/>
+              <a:gd name="connsiteY112" fmla="*/ 5426075 h 6858000"/>
+              <a:gd name="connsiteX113" fmla="*/ 4503903 w 4693698"/>
+              <a:gd name="connsiteY113" fmla="*/ 5494337 h 6858000"/>
+              <a:gd name="connsiteX114" fmla="*/ 4505583 w 4693698"/>
+              <a:gd name="connsiteY114" fmla="*/ 5562600 h 6858000"/>
+              <a:gd name="connsiteX115" fmla="*/ 4515661 w 4693698"/>
+              <a:gd name="connsiteY115" fmla="*/ 5622925 h 6858000"/>
+              <a:gd name="connsiteX116" fmla="*/ 4525739 w 4693698"/>
+              <a:gd name="connsiteY116" fmla="*/ 5675312 h 6858000"/>
+              <a:gd name="connsiteX117" fmla="*/ 4540854 w 4693698"/>
+              <a:gd name="connsiteY117" fmla="*/ 5721350 h 6858000"/>
+              <a:gd name="connsiteX118" fmla="*/ 4559330 w 4693698"/>
+              <a:gd name="connsiteY118" fmla="*/ 5762625 h 6858000"/>
+              <a:gd name="connsiteX119" fmla="*/ 4577806 w 4693698"/>
+              <a:gd name="connsiteY119" fmla="*/ 5802312 h 6858000"/>
+              <a:gd name="connsiteX120" fmla="*/ 4597961 w 4693698"/>
+              <a:gd name="connsiteY120" fmla="*/ 5840412 h 6858000"/>
+              <a:gd name="connsiteX121" fmla="*/ 4618116 w 4693698"/>
+              <a:gd name="connsiteY121" fmla="*/ 5876925 h 6858000"/>
+              <a:gd name="connsiteX122" fmla="*/ 4638271 w 4693698"/>
+              <a:gd name="connsiteY122" fmla="*/ 5915025 h 6858000"/>
+              <a:gd name="connsiteX123" fmla="*/ 4655067 w 4693698"/>
+              <a:gd name="connsiteY123" fmla="*/ 5956300 h 6858000"/>
+              <a:gd name="connsiteX124" fmla="*/ 4670184 w 4693698"/>
+              <a:gd name="connsiteY124" fmla="*/ 6003925 h 6858000"/>
+              <a:gd name="connsiteX125" fmla="*/ 4681941 w 4693698"/>
+              <a:gd name="connsiteY125" fmla="*/ 6056312 h 6858000"/>
+              <a:gd name="connsiteX126" fmla="*/ 4690339 w 4693698"/>
+              <a:gd name="connsiteY126" fmla="*/ 6113462 h 6858000"/>
+              <a:gd name="connsiteX127" fmla="*/ 4693698 w 4693698"/>
+              <a:gd name="connsiteY127" fmla="*/ 6183312 h 6858000"/>
+              <a:gd name="connsiteX128" fmla="*/ 4690339 w 4693698"/>
+              <a:gd name="connsiteY128" fmla="*/ 6251575 h 6858000"/>
+              <a:gd name="connsiteX129" fmla="*/ 4681941 w 4693698"/>
+              <a:gd name="connsiteY129" fmla="*/ 6311900 h 6858000"/>
+              <a:gd name="connsiteX130" fmla="*/ 4670184 w 4693698"/>
+              <a:gd name="connsiteY130" fmla="*/ 6361112 h 6858000"/>
+              <a:gd name="connsiteX131" fmla="*/ 4655067 w 4693698"/>
+              <a:gd name="connsiteY131" fmla="*/ 6407150 h 6858000"/>
+              <a:gd name="connsiteX132" fmla="*/ 4638271 w 4693698"/>
+              <a:gd name="connsiteY132" fmla="*/ 6448425 h 6858000"/>
+              <a:gd name="connsiteX133" fmla="*/ 4619796 w 4693698"/>
+              <a:gd name="connsiteY133" fmla="*/ 6488112 h 6858000"/>
+              <a:gd name="connsiteX134" fmla="*/ 4601320 w 4693698"/>
+              <a:gd name="connsiteY134" fmla="*/ 6523037 h 6858000"/>
+              <a:gd name="connsiteX135" fmla="*/ 4581165 w 4693698"/>
+              <a:gd name="connsiteY135" fmla="*/ 6561137 h 6858000"/>
+              <a:gd name="connsiteX136" fmla="*/ 4561010 w 4693698"/>
+              <a:gd name="connsiteY136" fmla="*/ 6597650 h 6858000"/>
+              <a:gd name="connsiteX137" fmla="*/ 4544214 w 4693698"/>
+              <a:gd name="connsiteY137" fmla="*/ 6640512 h 6858000"/>
+              <a:gd name="connsiteX138" fmla="*/ 4527418 w 4693698"/>
+              <a:gd name="connsiteY138" fmla="*/ 6683375 h 6858000"/>
+              <a:gd name="connsiteX139" fmla="*/ 4517340 w 4693698"/>
+              <a:gd name="connsiteY139" fmla="*/ 6735762 h 6858000"/>
+              <a:gd name="connsiteX140" fmla="*/ 4508943 w 4693698"/>
+              <a:gd name="connsiteY140" fmla="*/ 6791325 h 6858000"/>
+              <a:gd name="connsiteX141" fmla="*/ 4503903 w 4693698"/>
+              <a:gd name="connsiteY141" fmla="*/ 6858000 h 6858000"/>
+              <a:gd name="connsiteX142" fmla="*/ 1582057 w 4693698"/>
+              <a:gd name="connsiteY142" fmla="*/ 6858000 h 6858000"/>
+              <a:gd name="connsiteX143" fmla="*/ 420914 w 4693698"/>
+              <a:gd name="connsiteY143" fmla="*/ 6858000 h 6858000"/>
+              <a:gd name="connsiteX144" fmla="*/ 0 w 4693698"/>
+              <a:gd name="connsiteY144" fmla="*/ 6858000 h 6858000"/>
+            </a:gdLst>
+            <a:ahLst/>
+            <a:cxnLst>
+              <a:cxn ang="0">
+                <a:pos x="connsiteX0" y="connsiteY0"/>
+              </a:cxn>
+              <a:cxn ang="0">
+                <a:pos x="connsiteX1" y="connsiteY1"/>
+              </a:cxn>
+              <a:cxn ang="0">
+                <a:pos x="connsiteX2" y="connsiteY2"/>
+              </a:cxn>
+              <a:cxn ang="0">
+                <a:pos x="connsiteX3" y="connsiteY3"/>
+              </a:cxn>
+              <a:cxn ang="0">
+                <a:pos x="connsiteX4" y="connsiteY4"/>
+              </a:cxn>
+              <a:cxn ang="0">
+                <a:pos x="connsiteX5" y="connsiteY5"/>
+              </a:cxn>
+              <a:cxn ang="0">
+                <a:pos x="connsiteX6" y="connsiteY6"/>
+              </a:cxn>
+              <a:cxn ang="0">
+                <a:pos x="connsiteX7" y="connsiteY7"/>
+              </a:cxn>
+              <a:cxn ang="0">
+                <a:pos x="connsiteX8" y="connsiteY8"/>
+              </a:cxn>
+              <a:cxn ang="0">
+                <a:pos x="connsiteX9" y="connsiteY9"/>
+              </a:cxn>
+              <a:cxn ang="0">
+                <a:pos x="connsiteX10" y="connsiteY10"/>
+              </a:cxn>
+              <a:cxn ang="0">
+                <a:pos x="connsiteX11" y="connsiteY11"/>
+              </a:cxn>
+              <a:cxn ang="0">
+                <a:pos x="connsiteX12" y="connsiteY12"/>
+              </a:cxn>
+              <a:cxn ang="0">
+                <a:pos x="connsiteX13" y="connsiteY13"/>
+              </a:cxn>
+              <a:cxn ang="0">
+                <a:pos x="connsiteX14" y="connsiteY14"/>
+              </a:cxn>
+              <a:cxn ang="0">
+                <a:pos x="connsiteX15" y="connsiteY15"/>
+              </a:cxn>
+              <a:cxn ang="0">
+                <a:pos x="connsiteX16" y="connsiteY16"/>
+              </a:cxn>
+              <a:cxn ang="0">
+                <a:pos x="connsiteX17" y="connsiteY17"/>
+              </a:cxn>
+              <a:cxn ang="0">
+                <a:pos x="connsiteX18" y="connsiteY18"/>
+              </a:cxn>
+              <a:cxn ang="0">
+                <a:pos x="connsiteX19" y="connsiteY19"/>
+              </a:cxn>
+              <a:cxn ang="0">
+                <a:pos x="connsiteX20" y="connsiteY20"/>
+              </a:cxn>
+              <a:cxn ang="0">
+                <a:pos x="connsiteX21" y="connsiteY21"/>
+              </a:cxn>
+              <a:cxn ang="0">
+                <a:pos x="connsiteX22" y="connsiteY22"/>
+              </a:cxn>
+              <a:cxn ang="0">
+                <a:pos x="connsiteX23" y="connsiteY23"/>
+              </a:cxn>
+              <a:cxn ang="0">
+                <a:pos x="connsiteX24" y="connsiteY24"/>
+              </a:cxn>
+              <a:cxn ang="0">
+                <a:pos x="connsiteX25" y="connsiteY25"/>
+              </a:cxn>
+              <a:cxn ang="0">
+                <a:pos x="connsiteX26" y="connsiteY26"/>
+              </a:cxn>
+              <a:cxn ang="0">
+                <a:pos x="connsiteX27" y="connsiteY27"/>
+              </a:cxn>
+              <a:cxn ang="0">
+                <a:pos x="connsiteX28" y="connsiteY28"/>
+              </a:cxn>
+              <a:cxn ang="0">
+                <a:pos x="connsiteX29" y="connsiteY29"/>
+              </a:cxn>
+              <a:cxn ang="0">
+                <a:pos x="connsiteX30" y="connsiteY30"/>
+              </a:cxn>
+              <a:cxn ang="0">
+                <a:pos x="connsiteX31" y="connsiteY31"/>
+              </a:cxn>
+              <a:cxn ang="0">
+                <a:pos x="connsiteX32" y="connsiteY32"/>
+              </a:cxn>
+              <a:cxn ang="0">
+                <a:pos x="connsiteX33" y="connsiteY33"/>
+              </a:cxn>
+              <a:cxn ang="0">
+                <a:pos x="connsiteX34" y="connsiteY34"/>
+              </a:cxn>
+              <a:cxn ang="0">
+                <a:pos x="connsiteX35" y="connsiteY35"/>
+              </a:cxn>
+              <a:cxn ang="0">
+                <a:pos x="connsiteX36" y="connsiteY36"/>
+              </a:cxn>
+              <a:cxn ang="0">
+                <a:pos x="connsiteX37" y="connsiteY37"/>
+              </a:cxn>
+              <a:cxn ang="0">
+                <a:pos x="connsiteX38" y="connsiteY38"/>
+              </a:cxn>
+              <a:cxn ang="0">
+                <a:pos x="connsiteX39" y="connsiteY39"/>
+              </a:cxn>
+              <a:cxn ang="0">
+                <a:pos x="connsiteX40" y="connsiteY40"/>
+              </a:cxn>
+              <a:cxn ang="0">
+                <a:pos x="connsiteX41" y="connsiteY41"/>
+              </a:cxn>
+              <a:cxn ang="0">
+                <a:pos x="connsiteX42" y="connsiteY42"/>
+              </a:cxn>
+              <a:cxn ang="0">
+                <a:pos x="connsiteX43" y="connsiteY43"/>
+              </a:cxn>
+              <a:cxn ang="0">
+                <a:pos x="connsiteX44" y="connsiteY44"/>
+              </a:cxn>
+              <a:cxn ang="0">
+                <a:pos x="connsiteX45" y="connsiteY45"/>
+              </a:cxn>
+              <a:cxn ang="0">
+                <a:pos x="connsiteX46" y="connsiteY46"/>
+              </a:cxn>
+              <a:cxn ang="0">
+                <a:pos x="connsiteX47" y="connsiteY47"/>
+              </a:cxn>
+              <a:cxn ang="0">
+                <a:pos x="connsiteX48" y="connsiteY48"/>
+              </a:cxn>
+              <a:cxn ang="0">
+                <a:pos x="connsiteX49" y="connsiteY49"/>
+              </a:cxn>
+              <a:cxn ang="0">
+                <a:pos x="connsiteX50" y="connsiteY50"/>
+              </a:cxn>
+              <a:cxn ang="0">
+                <a:pos x="connsiteX51" y="connsiteY51"/>
+              </a:cxn>
+              <a:cxn ang="0">
+                <a:pos x="connsiteX52" y="connsiteY52"/>
+              </a:cxn>
+              <a:cxn ang="0">
+                <a:pos x="connsiteX53" y="connsiteY53"/>
+              </a:cxn>
+              <a:cxn ang="0">
+                <a:pos x="connsiteX54" y="connsiteY54"/>
+              </a:cxn>
+              <a:cxn ang="0">
+                <a:pos x="connsiteX55" y="connsiteY55"/>
+              </a:cxn>
+              <a:cxn ang="0">
+                <a:pos x="connsiteX56" y="connsiteY56"/>
+              </a:cxn>
+              <a:cxn ang="0">
+                <a:pos x="connsiteX57" y="connsiteY57"/>
+              </a:cxn>
+              <a:cxn ang="0">
+                <a:pos x="connsiteX58" y="connsiteY58"/>
+              </a:cxn>
+              <a:cxn ang="0">
+                <a:pos x="connsiteX59" y="connsiteY59"/>
+              </a:cxn>
+              <a:cxn ang="0">
+                <a:pos x="connsiteX60" y="connsiteY60"/>
+              </a:cxn>
+              <a:cxn ang="0">
+                <a:pos x="connsiteX61" y="connsiteY61"/>
+              </a:cxn>
+              <a:cxn ang="0">
+                <a:pos x="connsiteX62" y="connsiteY62"/>
+              </a:cxn>
+              <a:cxn ang="0">
+                <a:pos x="connsiteX63" y="connsiteY63"/>
+              </a:cxn>
+              <a:cxn ang="0">
+                <a:pos x="connsiteX64" y="connsiteY64"/>
+              </a:cxn>
+              <a:cxn ang="0">
+                <a:pos x="connsiteX65" y="connsiteY65"/>
+              </a:cxn>
+              <a:cxn ang="0">
+                <a:pos x="connsiteX66" y="connsiteY66"/>
+              </a:cxn>
+              <a:cxn ang="0">
+                <a:pos x="connsiteX67" y="connsiteY67"/>
+              </a:cxn>
+              <a:cxn ang="0">
+                <a:pos x="connsiteX68" y="connsiteY68"/>
+              </a:cxn>
+              <a:cxn ang="0">
+                <a:pos x="connsiteX69" y="connsiteY69"/>
+              </a:cxn>
+              <a:cxn ang="0">
+                <a:pos x="connsiteX70" y="connsiteY70"/>
+              </a:cxn>
+              <a:cxn ang="0">
+                <a:pos x="connsiteX71" y="connsiteY71"/>
+              </a:cxn>
+              <a:cxn ang="0">
+                <a:pos x="connsiteX72" y="connsiteY72"/>
+              </a:cxn>
+              <a:cxn ang="0">
+                <a:pos x="connsiteX73" y="connsiteY73"/>
+              </a:cxn>
+              <a:cxn ang="0">
+                <a:pos x="connsiteX74" y="connsiteY74"/>
+              </a:cxn>
+              <a:cxn ang="0">
+                <a:pos x="connsiteX75" y="connsiteY75"/>
+              </a:cxn>
+              <a:cxn ang="0">
+                <a:pos x="connsiteX76" y="connsiteY76"/>
+              </a:cxn>
+              <a:cxn ang="0">
+                <a:pos x="connsiteX77" y="connsiteY77"/>
+              </a:cxn>
+              <a:cxn ang="0">
+                <a:pos x="connsiteX78" y="connsiteY78"/>
+              </a:cxn>
+              <a:cxn ang="0">
+                <a:pos x="connsiteX79" y="connsiteY79"/>
+              </a:cxn>
+              <a:cxn ang="0">
+                <a:pos x="connsiteX80" y="connsiteY80"/>
+              </a:cxn>
+              <a:cxn ang="0">
+                <a:pos x="connsiteX81" y="connsiteY81"/>
+              </a:cxn>
+              <a:cxn ang="0">
+                <a:pos x="connsiteX82" y="connsiteY82"/>
+              </a:cxn>
+              <a:cxn ang="0">
+                <a:pos x="connsiteX83" y="connsiteY83"/>
+              </a:cxn>
+              <a:cxn ang="0">
+                <a:pos x="connsiteX84" y="connsiteY84"/>
+              </a:cxn>
+              <a:cxn ang="0">
+                <a:pos x="connsiteX85" y="connsiteY85"/>
+              </a:cxn>
+              <a:cxn ang="0">
+                <a:pos x="connsiteX86" y="connsiteY86"/>
+              </a:cxn>
+              <a:cxn ang="0">
+                <a:pos x="connsiteX87" y="connsiteY87"/>
+              </a:cxn>
+              <a:cxn ang="0">
+                <a:pos x="connsiteX88" y="connsiteY88"/>
+              </a:cxn>
+              <a:cxn ang="0">
+                <a:pos x="connsiteX89" y="connsiteY89"/>
+              </a:cxn>
+              <a:cxn ang="0">
+                <a:pos x="connsiteX90" y="connsiteY90"/>
+              </a:cxn>
+              <a:cxn ang="0">
+                <a:pos x="connsiteX91" y="connsiteY91"/>
+              </a:cxn>
+              <a:cxn ang="0">
+                <a:pos x="connsiteX92" y="connsiteY92"/>
+              </a:cxn>
+              <a:cxn ang="0">
+                <a:pos x="connsiteX93" y="connsiteY93"/>
+              </a:cxn>
+              <a:cxn ang="0">
+                <a:pos x="connsiteX94" y="connsiteY94"/>
+              </a:cxn>
+              <a:cxn ang="0">
+                <a:pos x="connsiteX95" y="connsiteY95"/>
+              </a:cxn>
+              <a:cxn ang="0">
+                <a:pos x="connsiteX96" y="connsiteY96"/>
+              </a:cxn>
+              <a:cxn ang="0">
+                <a:pos x="connsiteX97" y="connsiteY97"/>
+              </a:cxn>
+              <a:cxn ang="0">
+                <a:pos x="connsiteX98" y="connsiteY98"/>
+              </a:cxn>
+              <a:cxn ang="0">
+                <a:pos x="connsiteX99" y="connsiteY99"/>
+              </a:cxn>
+              <a:cxn ang="0">
+                <a:pos x="connsiteX100" y="connsiteY100"/>
+              </a:cxn>
+              <a:cxn ang="0">
+                <a:pos x="connsiteX101" y="connsiteY101"/>
+              </a:cxn>
+              <a:cxn ang="0">
+                <a:pos x="connsiteX102" y="connsiteY102"/>
+              </a:cxn>
+              <a:cxn ang="0">
+                <a:pos x="connsiteX103" y="connsiteY103"/>
+              </a:cxn>
+              <a:cxn ang="0">
+                <a:pos x="connsiteX104" y="connsiteY104"/>
+              </a:cxn>
+              <a:cxn ang="0">
+                <a:pos x="connsiteX105" y="connsiteY105"/>
+              </a:cxn>
+              <a:cxn ang="0">
+                <a:pos x="connsiteX106" y="connsiteY106"/>
+              </a:cxn>
+              <a:cxn ang="0">
+                <a:pos x="connsiteX107" y="connsiteY107"/>
+              </a:cxn>
+              <a:cxn ang="0">
+                <a:pos x="connsiteX108" y="connsiteY108"/>
+              </a:cxn>
+              <a:cxn ang="0">
+                <a:pos x="connsiteX109" y="connsiteY109"/>
+              </a:cxn>
+              <a:cxn ang="0">
+                <a:pos x="connsiteX110" y="connsiteY110"/>
+              </a:cxn>
+              <a:cxn ang="0">
+                <a:pos x="connsiteX111" y="connsiteY111"/>
+              </a:cxn>
+              <a:cxn ang="0">
+                <a:pos x="connsiteX112" y="connsiteY112"/>
+              </a:cxn>
+              <a:cxn ang="0">
+                <a:pos x="connsiteX113" y="connsiteY113"/>
+              </a:cxn>
+              <a:cxn ang="0">
+                <a:pos x="connsiteX114" y="connsiteY114"/>
+              </a:cxn>
+              <a:cxn ang="0">
+                <a:pos x="connsiteX115" y="connsiteY115"/>
+              </a:cxn>
+              <a:cxn ang="0">
+                <a:pos x="connsiteX116" y="connsiteY116"/>
+              </a:cxn>
+              <a:cxn ang="0">
+                <a:pos x="connsiteX117" y="connsiteY117"/>
+              </a:cxn>
+              <a:cxn ang="0">
+                <a:pos x="connsiteX118" y="connsiteY118"/>
+              </a:cxn>
+              <a:cxn ang="0">
+                <a:pos x="connsiteX119" y="connsiteY119"/>
+              </a:cxn>
+              <a:cxn ang="0">
+                <a:pos x="connsiteX120" y="connsiteY120"/>
+              </a:cxn>
+              <a:cxn ang="0">
+                <a:pos x="connsiteX121" y="connsiteY121"/>
+              </a:cxn>
+              <a:cxn ang="0">
+                <a:pos x="connsiteX122" y="connsiteY122"/>
+              </a:cxn>
+              <a:cxn ang="0">
+                <a:pos x="connsiteX123" y="connsiteY123"/>
+              </a:cxn>
+              <a:cxn ang="0">
+                <a:pos x="connsiteX124" y="connsiteY124"/>
+              </a:cxn>
+              <a:cxn ang="0">
+                <a:pos x="connsiteX125" y="connsiteY125"/>
+              </a:cxn>
+              <a:cxn ang="0">
+                <a:pos x="connsiteX126" y="connsiteY126"/>
+              </a:cxn>
+              <a:cxn ang="0">
+                <a:pos x="connsiteX127" y="connsiteY127"/>
+              </a:cxn>
+              <a:cxn ang="0">
+                <a:pos x="connsiteX128" y="connsiteY128"/>
+              </a:cxn>
+              <a:cxn ang="0">
+                <a:pos x="connsiteX129" y="connsiteY129"/>
+              </a:cxn>
+              <a:cxn ang="0">
+                <a:pos x="connsiteX130" y="connsiteY130"/>
+              </a:cxn>
+              <a:cxn ang="0">
+                <a:pos x="connsiteX131" y="connsiteY131"/>
+              </a:cxn>
+              <a:cxn ang="0">
+                <a:pos x="connsiteX132" y="connsiteY132"/>
+              </a:cxn>
+              <a:cxn ang="0">
+                <a:pos x="connsiteX133" y="connsiteY133"/>
+              </a:cxn>
+              <a:cxn ang="0">
+                <a:pos x="connsiteX134" y="connsiteY134"/>
+              </a:cxn>
+              <a:cxn ang="0">
+                <a:pos x="connsiteX135" y="connsiteY135"/>
+              </a:cxn>
+              <a:cxn ang="0">
+                <a:pos x="connsiteX136" y="connsiteY136"/>
+              </a:cxn>
+              <a:cxn ang="0">
+                <a:pos x="connsiteX137" y="connsiteY137"/>
+              </a:cxn>
+              <a:cxn ang="0">
+                <a:pos x="connsiteX138" y="connsiteY138"/>
+              </a:cxn>
+              <a:cxn ang="0">
+                <a:pos x="connsiteX139" y="connsiteY139"/>
+              </a:cxn>
+              <a:cxn ang="0">
+                <a:pos x="connsiteX140" y="connsiteY140"/>
+              </a:cxn>
+              <a:cxn ang="0">
+                <a:pos x="connsiteX141" y="connsiteY141"/>
+              </a:cxn>
+              <a:cxn ang="0">
+                <a:pos x="connsiteX142" y="connsiteY142"/>
+              </a:cxn>
+              <a:cxn ang="0">
+                <a:pos x="connsiteX143" y="connsiteY143"/>
+              </a:cxn>
+              <a:cxn ang="0">
+                <a:pos x="connsiteX144" y="connsiteY144"/>
+              </a:cxn>
+            </a:cxnLst>
+            <a:rect l="l" t="t" r="r" b="b"/>
+            <a:pathLst>
+              <a:path w="4693698" h="6858000">
+                <a:moveTo>
+                  <a:pt x="0" y="0"/>
+                </a:moveTo>
+                <a:lnTo>
+                  <a:pt x="420914" y="0"/>
+                </a:lnTo>
+                <a:lnTo>
+                  <a:pt x="1582057" y="0"/>
+                </a:lnTo>
+                <a:lnTo>
+                  <a:pt x="4503903" y="0"/>
+                </a:lnTo>
+                <a:lnTo>
+                  <a:pt x="4508943" y="66675"/>
+                </a:lnTo>
+                <a:lnTo>
+                  <a:pt x="4517340" y="122237"/>
+                </a:lnTo>
+                <a:lnTo>
+                  <a:pt x="4527418" y="174625"/>
+                </a:lnTo>
+                <a:lnTo>
+                  <a:pt x="4544214" y="217487"/>
+                </a:lnTo>
+                <a:lnTo>
+                  <a:pt x="4561010" y="260350"/>
+                </a:lnTo>
+                <a:lnTo>
+                  <a:pt x="4581165" y="296862"/>
+                </a:lnTo>
+                <a:lnTo>
+                  <a:pt x="4601320" y="334962"/>
+                </a:lnTo>
+                <a:lnTo>
+                  <a:pt x="4619796" y="369887"/>
+                </a:lnTo>
+                <a:lnTo>
+                  <a:pt x="4638271" y="409575"/>
+                </a:lnTo>
+                <a:lnTo>
+                  <a:pt x="4655067" y="450850"/>
+                </a:lnTo>
+                <a:lnTo>
+                  <a:pt x="4670184" y="496887"/>
+                </a:lnTo>
+                <a:lnTo>
+                  <a:pt x="4681941" y="546100"/>
+                </a:lnTo>
+                <a:lnTo>
+                  <a:pt x="4690339" y="606425"/>
+                </a:lnTo>
+                <a:lnTo>
+                  <a:pt x="4693698" y="673100"/>
+                </a:lnTo>
+                <a:lnTo>
+                  <a:pt x="4690339" y="744537"/>
+                </a:lnTo>
+                <a:lnTo>
+                  <a:pt x="4681941" y="801687"/>
+                </a:lnTo>
+                <a:lnTo>
+                  <a:pt x="4670184" y="854075"/>
+                </a:lnTo>
+                <a:lnTo>
+                  <a:pt x="4655067" y="901700"/>
+                </a:lnTo>
+                <a:lnTo>
+                  <a:pt x="4638271" y="942975"/>
+                </a:lnTo>
+                <a:lnTo>
+                  <a:pt x="4618116" y="981075"/>
+                </a:lnTo>
+                <a:lnTo>
+                  <a:pt x="4597961" y="1017587"/>
+                </a:lnTo>
+                <a:lnTo>
+                  <a:pt x="4577806" y="1055687"/>
+                </a:lnTo>
+                <a:lnTo>
+                  <a:pt x="4559330" y="1095375"/>
+                </a:lnTo>
+                <a:lnTo>
+                  <a:pt x="4540854" y="1136650"/>
+                </a:lnTo>
+                <a:lnTo>
+                  <a:pt x="4525739" y="1182687"/>
+                </a:lnTo>
+                <a:lnTo>
+                  <a:pt x="4515661" y="1235075"/>
+                </a:lnTo>
+                <a:lnTo>
+                  <a:pt x="4505583" y="1295400"/>
+                </a:lnTo>
+                <a:lnTo>
+                  <a:pt x="4503903" y="1363662"/>
+                </a:lnTo>
+                <a:lnTo>
+                  <a:pt x="4505583" y="1431925"/>
+                </a:lnTo>
+                <a:lnTo>
+                  <a:pt x="4515661" y="1492250"/>
+                </a:lnTo>
+                <a:lnTo>
+                  <a:pt x="4525739" y="1544637"/>
+                </a:lnTo>
+                <a:lnTo>
+                  <a:pt x="4540854" y="1589087"/>
+                </a:lnTo>
+                <a:lnTo>
+                  <a:pt x="4559330" y="1631950"/>
+                </a:lnTo>
+                <a:lnTo>
+                  <a:pt x="4577806" y="1671637"/>
+                </a:lnTo>
+                <a:lnTo>
+                  <a:pt x="4597961" y="1708150"/>
+                </a:lnTo>
+                <a:lnTo>
+                  <a:pt x="4618116" y="1743075"/>
+                </a:lnTo>
+                <a:lnTo>
+                  <a:pt x="4638271" y="1782762"/>
+                </a:lnTo>
+                <a:lnTo>
+                  <a:pt x="4655067" y="1824037"/>
+                </a:lnTo>
+                <a:lnTo>
+                  <a:pt x="4670184" y="1870075"/>
+                </a:lnTo>
+                <a:lnTo>
+                  <a:pt x="4681941" y="1922462"/>
+                </a:lnTo>
+                <a:lnTo>
+                  <a:pt x="4690339" y="1982787"/>
+                </a:lnTo>
+                <a:lnTo>
+                  <a:pt x="4693698" y="2051050"/>
+                </a:lnTo>
+                <a:lnTo>
+                  <a:pt x="4690339" y="2119312"/>
+                </a:lnTo>
+                <a:lnTo>
+                  <a:pt x="4681941" y="2179637"/>
+                </a:lnTo>
+                <a:lnTo>
+                  <a:pt x="4670184" y="2232025"/>
+                </a:lnTo>
+                <a:lnTo>
+                  <a:pt x="4655067" y="2278062"/>
+                </a:lnTo>
+                <a:lnTo>
+                  <a:pt x="4638271" y="2319337"/>
+                </a:lnTo>
+                <a:lnTo>
+                  <a:pt x="4618116" y="2359025"/>
+                </a:lnTo>
+                <a:lnTo>
+                  <a:pt x="4597961" y="2395537"/>
+                </a:lnTo>
+                <a:lnTo>
+                  <a:pt x="4577806" y="2433637"/>
+                </a:lnTo>
+                <a:lnTo>
+                  <a:pt x="4559330" y="2471737"/>
+                </a:lnTo>
+                <a:lnTo>
+                  <a:pt x="4540854" y="2513012"/>
+                </a:lnTo>
+                <a:lnTo>
+                  <a:pt x="4525739" y="2560637"/>
+                </a:lnTo>
+                <a:lnTo>
+                  <a:pt x="4515661" y="2613025"/>
+                </a:lnTo>
+                <a:lnTo>
+                  <a:pt x="4505583" y="2671762"/>
+                </a:lnTo>
+                <a:lnTo>
+                  <a:pt x="4503903" y="2741612"/>
+                </a:lnTo>
+                <a:lnTo>
+                  <a:pt x="4505583" y="2809875"/>
+                </a:lnTo>
+                <a:lnTo>
+                  <a:pt x="4515661" y="2868612"/>
+                </a:lnTo>
+                <a:lnTo>
+                  <a:pt x="4525739" y="2922587"/>
+                </a:lnTo>
+                <a:lnTo>
+                  <a:pt x="4540854" y="2967037"/>
+                </a:lnTo>
+                <a:lnTo>
+                  <a:pt x="4559330" y="3009900"/>
+                </a:lnTo>
+                <a:lnTo>
+                  <a:pt x="4577806" y="3046412"/>
+                </a:lnTo>
+                <a:lnTo>
+                  <a:pt x="4597961" y="3084512"/>
+                </a:lnTo>
+                <a:lnTo>
+                  <a:pt x="4618116" y="3121025"/>
+                </a:lnTo>
+                <a:lnTo>
+                  <a:pt x="4638271" y="3160712"/>
+                </a:lnTo>
+                <a:lnTo>
+                  <a:pt x="4655067" y="3201987"/>
+                </a:lnTo>
+                <a:lnTo>
+                  <a:pt x="4670184" y="3248025"/>
+                </a:lnTo>
+                <a:lnTo>
+                  <a:pt x="4681941" y="3300412"/>
+                </a:lnTo>
+                <a:lnTo>
+                  <a:pt x="4690339" y="3360737"/>
+                </a:lnTo>
+                <a:lnTo>
+                  <a:pt x="4693698" y="3427412"/>
+                </a:lnTo>
+                <a:lnTo>
+                  <a:pt x="4690339" y="3497262"/>
+                </a:lnTo>
+                <a:lnTo>
+                  <a:pt x="4681941" y="3557587"/>
+                </a:lnTo>
+                <a:lnTo>
+                  <a:pt x="4670184" y="3609975"/>
+                </a:lnTo>
+                <a:lnTo>
+                  <a:pt x="4655067" y="3656012"/>
+                </a:lnTo>
+                <a:lnTo>
+                  <a:pt x="4638271" y="3697287"/>
+                </a:lnTo>
+                <a:lnTo>
+                  <a:pt x="4618116" y="3736975"/>
+                </a:lnTo>
+                <a:lnTo>
+                  <a:pt x="4577806" y="3811587"/>
+                </a:lnTo>
+                <a:lnTo>
+                  <a:pt x="4559330" y="3848100"/>
+                </a:lnTo>
+                <a:lnTo>
+                  <a:pt x="4540854" y="3890962"/>
+                </a:lnTo>
+                <a:lnTo>
+                  <a:pt x="4525739" y="3935412"/>
+                </a:lnTo>
+                <a:lnTo>
+                  <a:pt x="4515661" y="3987800"/>
+                </a:lnTo>
+                <a:lnTo>
+                  <a:pt x="4505583" y="4048125"/>
+                </a:lnTo>
+                <a:lnTo>
+                  <a:pt x="4503903" y="4116387"/>
+                </a:lnTo>
+                <a:lnTo>
+                  <a:pt x="4505583" y="4186237"/>
+                </a:lnTo>
+                <a:lnTo>
+                  <a:pt x="4515661" y="4244975"/>
+                </a:lnTo>
+                <a:lnTo>
+                  <a:pt x="4525739" y="4297362"/>
+                </a:lnTo>
+                <a:lnTo>
+                  <a:pt x="4540854" y="4343400"/>
+                </a:lnTo>
+                <a:lnTo>
+                  <a:pt x="4559330" y="4386262"/>
+                </a:lnTo>
+                <a:lnTo>
+                  <a:pt x="4577806" y="4424362"/>
+                </a:lnTo>
+                <a:lnTo>
+                  <a:pt x="4618116" y="4498975"/>
+                </a:lnTo>
+                <a:lnTo>
+                  <a:pt x="4638271" y="4537075"/>
+                </a:lnTo>
+                <a:lnTo>
+                  <a:pt x="4655067" y="4579937"/>
+                </a:lnTo>
+                <a:lnTo>
+                  <a:pt x="4670184" y="4625975"/>
+                </a:lnTo>
+                <a:lnTo>
+                  <a:pt x="4681941" y="4678362"/>
+                </a:lnTo>
+                <a:lnTo>
+                  <a:pt x="4690339" y="4738687"/>
+                </a:lnTo>
+                <a:lnTo>
+                  <a:pt x="4693698" y="4806950"/>
+                </a:lnTo>
+                <a:lnTo>
+                  <a:pt x="4690339" y="4875212"/>
+                </a:lnTo>
+                <a:lnTo>
+                  <a:pt x="4681941" y="4935537"/>
+                </a:lnTo>
+                <a:lnTo>
+                  <a:pt x="4670184" y="4987925"/>
+                </a:lnTo>
+                <a:lnTo>
+                  <a:pt x="4655067" y="5033962"/>
+                </a:lnTo>
+                <a:lnTo>
+                  <a:pt x="4638271" y="5075237"/>
+                </a:lnTo>
+                <a:lnTo>
+                  <a:pt x="4618116" y="5114925"/>
+                </a:lnTo>
+                <a:lnTo>
+                  <a:pt x="4597961" y="5149850"/>
+                </a:lnTo>
+                <a:lnTo>
+                  <a:pt x="4577806" y="5186362"/>
+                </a:lnTo>
+                <a:lnTo>
+                  <a:pt x="4559330" y="5226050"/>
+                </a:lnTo>
+                <a:lnTo>
+                  <a:pt x="4540854" y="5268912"/>
+                </a:lnTo>
+                <a:lnTo>
+                  <a:pt x="4525739" y="5313362"/>
+                </a:lnTo>
+                <a:lnTo>
+                  <a:pt x="4515661" y="5365750"/>
+                </a:lnTo>
+                <a:lnTo>
+                  <a:pt x="4505583" y="5426075"/>
+                </a:lnTo>
+                <a:lnTo>
+                  <a:pt x="4503903" y="5494337"/>
+                </a:lnTo>
+                <a:lnTo>
+                  <a:pt x="4505583" y="5562600"/>
+                </a:lnTo>
+                <a:lnTo>
+                  <a:pt x="4515661" y="5622925"/>
+                </a:lnTo>
+                <a:lnTo>
+                  <a:pt x="4525739" y="5675312"/>
+                </a:lnTo>
+                <a:lnTo>
+                  <a:pt x="4540854" y="5721350"/>
+                </a:lnTo>
+                <a:lnTo>
+                  <a:pt x="4559330" y="5762625"/>
+                </a:lnTo>
+                <a:lnTo>
+                  <a:pt x="4577806" y="5802312"/>
+                </a:lnTo>
+                <a:lnTo>
+                  <a:pt x="4597961" y="5840412"/>
+                </a:lnTo>
+                <a:lnTo>
+                  <a:pt x="4618116" y="5876925"/>
+                </a:lnTo>
+                <a:lnTo>
+                  <a:pt x="4638271" y="5915025"/>
+                </a:lnTo>
+                <a:lnTo>
+                  <a:pt x="4655067" y="5956300"/>
+                </a:lnTo>
+                <a:lnTo>
+                  <a:pt x="4670184" y="6003925"/>
+                </a:lnTo>
+                <a:lnTo>
+                  <a:pt x="4681941" y="6056312"/>
+                </a:lnTo>
+                <a:lnTo>
+                  <a:pt x="4690339" y="6113462"/>
+                </a:lnTo>
+                <a:lnTo>
+                  <a:pt x="4693698" y="6183312"/>
+                </a:lnTo>
+                <a:lnTo>
+                  <a:pt x="4690339" y="6251575"/>
+                </a:lnTo>
+                <a:lnTo>
+                  <a:pt x="4681941" y="6311900"/>
+                </a:lnTo>
+                <a:lnTo>
+                  <a:pt x="4670184" y="6361112"/>
+                </a:lnTo>
+                <a:lnTo>
+                  <a:pt x="4655067" y="6407150"/>
+                </a:lnTo>
+                <a:lnTo>
+                  <a:pt x="4638271" y="6448425"/>
+                </a:lnTo>
+                <a:lnTo>
+                  <a:pt x="4619796" y="6488112"/>
+                </a:lnTo>
+                <a:lnTo>
+                  <a:pt x="4601320" y="6523037"/>
+                </a:lnTo>
+                <a:lnTo>
+                  <a:pt x="4581165" y="6561137"/>
+                </a:lnTo>
+                <a:lnTo>
+                  <a:pt x="4561010" y="6597650"/>
+                </a:lnTo>
+                <a:lnTo>
+                  <a:pt x="4544214" y="6640512"/>
+                </a:lnTo>
+                <a:lnTo>
+                  <a:pt x="4527418" y="6683375"/>
+                </a:lnTo>
+                <a:lnTo>
+                  <a:pt x="4517340" y="6735762"/>
+                </a:lnTo>
+                <a:lnTo>
+                  <a:pt x="4508943" y="6791325"/>
+                </a:lnTo>
+                <a:lnTo>
+                  <a:pt x="4503903" y="6858000"/>
+                </a:lnTo>
+                <a:lnTo>
+                  <a:pt x="1582057" y="6858000"/>
+                </a:lnTo>
+                <a:lnTo>
+                  <a:pt x="420914" y="6858000"/>
+                </a:lnTo>
+                <a:lnTo>
+                  <a:pt x="0" y="6858000"/>
+                </a:lnTo>
+                <a:close/>
+              </a:path>
+            </a:pathLst>
+          </a:custGeom>
+          <a:solidFill>
+            <a:schemeClr val="tx1"/>
+          </a:solidFill>
+          <a:ln w="0">
+            <a:noFill/>
+            <a:prstDash val="solid"/>
+            <a:round/>
+            <a:headEnd/>
+            <a:tailEnd/>
+          </a:ln>
+        </p:spPr>
+        <p:txBody>
+          <a:bodyPr wrap="square">
+            <a:noAutofit/>
+          </a:bodyPr>
+          <a:lstStyle/>
+          <a:p>
+            <a:endParaRPr lang="en-US" dirty="0"/>
+          </a:p>
+        </p:txBody>
+      </p:sp>
+      <p:sp>
+        <p:nvSpPr>
+          <p:cNvPr id="21" name="Freeform: Shape 20">
+            <a:extLst>
+              <a:ext uri="{FF2B5EF4-FFF2-40B4-BE49-F238E27FC236}">
+                <a16:creationId xmlns:a16="http://schemas.microsoft.com/office/drawing/2014/main" id="{4B9FAFB2-BEB5-4848-8018-BCAD99E2E1AA}"/>
+              </a:ext>
+              <a:ext uri="{C183D7F6-B498-43B3-948B-1728B52AA6E4}">
+                <adec:decorative xmlns:adec="http://schemas.microsoft.com/office/drawing/2017/decorative" val="1"/>
+              </a:ext>
+            </a:extLst>
+          </p:cNvPr>
+          <p:cNvSpPr>
+            <a:spLocks noGrp="1" noRot="1" noChangeAspect="1" noMove="1" noResize="1" noEditPoints="1" noAdjustHandles="1" noChangeArrowheads="1" noChangeShapeType="1" noTextEdit="1"/>
+          </p:cNvSpPr>
+          <p:nvPr>
+            <p:extLst>
+              <p:ext uri="{386F3935-93C4-4BCD-93E2-E3B085C9AB24}">
+                <p16:designElem xmlns:p16="http://schemas.microsoft.com/office/powerpoint/2015/main" val="1"/>
+              </p:ext>
+            </p:extLst>
+          </p:nvPr>
+        </p:nvSpPr>
+        <p:spPr>
+          <a:xfrm flipH="1">
+            <a:off x="0" y="0"/>
+            <a:ext cx="4838076" cy="6858000"/>
+          </a:xfrm>
+          <a:custGeom>
+            <a:avLst/>
+            <a:gdLst>
+              <a:gd name="connsiteX0" fmla="*/ 4838076 w 4838076"/>
+              <a:gd name="connsiteY0" fmla="*/ 0 h 6858000"/>
+              <a:gd name="connsiteX1" fmla="*/ 4417162 w 4838076"/>
+              <a:gd name="connsiteY1" fmla="*/ 0 h 6858000"/>
+              <a:gd name="connsiteX2" fmla="*/ 3459219 w 4838076"/>
+              <a:gd name="connsiteY2" fmla="*/ 0 h 6858000"/>
+              <a:gd name="connsiteX3" fmla="*/ 334174 w 4838076"/>
+              <a:gd name="connsiteY3" fmla="*/ 0 h 6858000"/>
+              <a:gd name="connsiteX4" fmla="*/ 334173 w 4838076"/>
+              <a:gd name="connsiteY4" fmla="*/ 0 h 6858000"/>
+              <a:gd name="connsiteX5" fmla="*/ 189795 w 4838076"/>
+              <a:gd name="connsiteY5" fmla="*/ 0 h 6858000"/>
+              <a:gd name="connsiteX6" fmla="*/ 184756 w 4838076"/>
+              <a:gd name="connsiteY6" fmla="*/ 66675 h 6858000"/>
+              <a:gd name="connsiteX7" fmla="*/ 176358 w 4838076"/>
+              <a:gd name="connsiteY7" fmla="*/ 122237 h 6858000"/>
+              <a:gd name="connsiteX8" fmla="*/ 166281 w 4838076"/>
+              <a:gd name="connsiteY8" fmla="*/ 174625 h 6858000"/>
+              <a:gd name="connsiteX9" fmla="*/ 149485 w 4838076"/>
+              <a:gd name="connsiteY9" fmla="*/ 217487 h 6858000"/>
+              <a:gd name="connsiteX10" fmla="*/ 132689 w 4838076"/>
+              <a:gd name="connsiteY10" fmla="*/ 260350 h 6858000"/>
+              <a:gd name="connsiteX11" fmla="*/ 112534 w 4838076"/>
+              <a:gd name="connsiteY11" fmla="*/ 296862 h 6858000"/>
+              <a:gd name="connsiteX12" fmla="*/ 92379 w 4838076"/>
+              <a:gd name="connsiteY12" fmla="*/ 334962 h 6858000"/>
+              <a:gd name="connsiteX13" fmla="*/ 73903 w 4838076"/>
+              <a:gd name="connsiteY13" fmla="*/ 369887 h 6858000"/>
+              <a:gd name="connsiteX14" fmla="*/ 55427 w 4838076"/>
+              <a:gd name="connsiteY14" fmla="*/ 409575 h 6858000"/>
+              <a:gd name="connsiteX15" fmla="*/ 38632 w 4838076"/>
+              <a:gd name="connsiteY15" fmla="*/ 450850 h 6858000"/>
+              <a:gd name="connsiteX16" fmla="*/ 23515 w 4838076"/>
+              <a:gd name="connsiteY16" fmla="*/ 496887 h 6858000"/>
+              <a:gd name="connsiteX17" fmla="*/ 11758 w 4838076"/>
+              <a:gd name="connsiteY17" fmla="*/ 546100 h 6858000"/>
+              <a:gd name="connsiteX18" fmla="*/ 3359 w 4838076"/>
+              <a:gd name="connsiteY18" fmla="*/ 606425 h 6858000"/>
+              <a:gd name="connsiteX19" fmla="*/ 0 w 4838076"/>
+              <a:gd name="connsiteY19" fmla="*/ 673100 h 6858000"/>
+              <a:gd name="connsiteX20" fmla="*/ 3359 w 4838076"/>
+              <a:gd name="connsiteY20" fmla="*/ 744537 h 6858000"/>
+              <a:gd name="connsiteX21" fmla="*/ 11758 w 4838076"/>
+              <a:gd name="connsiteY21" fmla="*/ 801687 h 6858000"/>
+              <a:gd name="connsiteX22" fmla="*/ 23515 w 4838076"/>
+              <a:gd name="connsiteY22" fmla="*/ 854075 h 6858000"/>
+              <a:gd name="connsiteX23" fmla="*/ 38632 w 4838076"/>
+              <a:gd name="connsiteY23" fmla="*/ 901700 h 6858000"/>
+              <a:gd name="connsiteX24" fmla="*/ 55427 w 4838076"/>
+              <a:gd name="connsiteY24" fmla="*/ 942975 h 6858000"/>
+              <a:gd name="connsiteX25" fmla="*/ 75583 w 4838076"/>
+              <a:gd name="connsiteY25" fmla="*/ 981075 h 6858000"/>
+              <a:gd name="connsiteX26" fmla="*/ 95738 w 4838076"/>
+              <a:gd name="connsiteY26" fmla="*/ 1017587 h 6858000"/>
+              <a:gd name="connsiteX27" fmla="*/ 115893 w 4838076"/>
+              <a:gd name="connsiteY27" fmla="*/ 1055687 h 6858000"/>
+              <a:gd name="connsiteX28" fmla="*/ 134368 w 4838076"/>
+              <a:gd name="connsiteY28" fmla="*/ 1095375 h 6858000"/>
+              <a:gd name="connsiteX29" fmla="*/ 152844 w 4838076"/>
+              <a:gd name="connsiteY29" fmla="*/ 1136650 h 6858000"/>
+              <a:gd name="connsiteX30" fmla="*/ 167960 w 4838076"/>
+              <a:gd name="connsiteY30" fmla="*/ 1182687 h 6858000"/>
+              <a:gd name="connsiteX31" fmla="*/ 178038 w 4838076"/>
+              <a:gd name="connsiteY31" fmla="*/ 1235075 h 6858000"/>
+              <a:gd name="connsiteX32" fmla="*/ 188115 w 4838076"/>
+              <a:gd name="connsiteY32" fmla="*/ 1295400 h 6858000"/>
+              <a:gd name="connsiteX33" fmla="*/ 189795 w 4838076"/>
+              <a:gd name="connsiteY33" fmla="*/ 1363662 h 6858000"/>
+              <a:gd name="connsiteX34" fmla="*/ 188115 w 4838076"/>
+              <a:gd name="connsiteY34" fmla="*/ 1431925 h 6858000"/>
+              <a:gd name="connsiteX35" fmla="*/ 178038 w 4838076"/>
+              <a:gd name="connsiteY35" fmla="*/ 1492250 h 6858000"/>
+              <a:gd name="connsiteX36" fmla="*/ 167960 w 4838076"/>
+              <a:gd name="connsiteY36" fmla="*/ 1544637 h 6858000"/>
+              <a:gd name="connsiteX37" fmla="*/ 152844 w 4838076"/>
+              <a:gd name="connsiteY37" fmla="*/ 1589087 h 6858000"/>
+              <a:gd name="connsiteX38" fmla="*/ 134368 w 4838076"/>
+              <a:gd name="connsiteY38" fmla="*/ 1631950 h 6858000"/>
+              <a:gd name="connsiteX39" fmla="*/ 115893 w 4838076"/>
+              <a:gd name="connsiteY39" fmla="*/ 1671637 h 6858000"/>
+              <a:gd name="connsiteX40" fmla="*/ 95738 w 4838076"/>
+              <a:gd name="connsiteY40" fmla="*/ 1708150 h 6858000"/>
+              <a:gd name="connsiteX41" fmla="*/ 75583 w 4838076"/>
+              <a:gd name="connsiteY41" fmla="*/ 1743075 h 6858000"/>
+              <a:gd name="connsiteX42" fmla="*/ 55427 w 4838076"/>
+              <a:gd name="connsiteY42" fmla="*/ 1782762 h 6858000"/>
+              <a:gd name="connsiteX43" fmla="*/ 38632 w 4838076"/>
+              <a:gd name="connsiteY43" fmla="*/ 1824037 h 6858000"/>
+              <a:gd name="connsiteX44" fmla="*/ 23515 w 4838076"/>
+              <a:gd name="connsiteY44" fmla="*/ 1870075 h 6858000"/>
+              <a:gd name="connsiteX45" fmla="*/ 11758 w 4838076"/>
+              <a:gd name="connsiteY45" fmla="*/ 1922462 h 6858000"/>
+              <a:gd name="connsiteX46" fmla="*/ 3359 w 4838076"/>
+              <a:gd name="connsiteY46" fmla="*/ 1982787 h 6858000"/>
+              <a:gd name="connsiteX47" fmla="*/ 0 w 4838076"/>
+              <a:gd name="connsiteY47" fmla="*/ 2051050 h 6858000"/>
+              <a:gd name="connsiteX48" fmla="*/ 3359 w 4838076"/>
+              <a:gd name="connsiteY48" fmla="*/ 2119312 h 6858000"/>
+              <a:gd name="connsiteX49" fmla="*/ 11758 w 4838076"/>
+              <a:gd name="connsiteY49" fmla="*/ 2179637 h 6858000"/>
+              <a:gd name="connsiteX50" fmla="*/ 23515 w 4838076"/>
+              <a:gd name="connsiteY50" fmla="*/ 2232025 h 6858000"/>
+              <a:gd name="connsiteX51" fmla="*/ 38632 w 4838076"/>
+              <a:gd name="connsiteY51" fmla="*/ 2278062 h 6858000"/>
+              <a:gd name="connsiteX52" fmla="*/ 55427 w 4838076"/>
+              <a:gd name="connsiteY52" fmla="*/ 2319337 h 6858000"/>
+              <a:gd name="connsiteX53" fmla="*/ 75583 w 4838076"/>
+              <a:gd name="connsiteY53" fmla="*/ 2359025 h 6858000"/>
+              <a:gd name="connsiteX54" fmla="*/ 95738 w 4838076"/>
+              <a:gd name="connsiteY54" fmla="*/ 2395537 h 6858000"/>
+              <a:gd name="connsiteX55" fmla="*/ 115893 w 4838076"/>
+              <a:gd name="connsiteY55" fmla="*/ 2433637 h 6858000"/>
+              <a:gd name="connsiteX56" fmla="*/ 134368 w 4838076"/>
+              <a:gd name="connsiteY56" fmla="*/ 2471737 h 6858000"/>
+              <a:gd name="connsiteX57" fmla="*/ 152844 w 4838076"/>
+              <a:gd name="connsiteY57" fmla="*/ 2513012 h 6858000"/>
+              <a:gd name="connsiteX58" fmla="*/ 167960 w 4838076"/>
+              <a:gd name="connsiteY58" fmla="*/ 2560637 h 6858000"/>
+              <a:gd name="connsiteX59" fmla="*/ 178038 w 4838076"/>
+              <a:gd name="connsiteY59" fmla="*/ 2613025 h 6858000"/>
+              <a:gd name="connsiteX60" fmla="*/ 188115 w 4838076"/>
+              <a:gd name="connsiteY60" fmla="*/ 2671762 h 6858000"/>
+              <a:gd name="connsiteX61" fmla="*/ 189795 w 4838076"/>
+              <a:gd name="connsiteY61" fmla="*/ 2741612 h 6858000"/>
+              <a:gd name="connsiteX62" fmla="*/ 188115 w 4838076"/>
+              <a:gd name="connsiteY62" fmla="*/ 2809875 h 6858000"/>
+              <a:gd name="connsiteX63" fmla="*/ 178038 w 4838076"/>
+              <a:gd name="connsiteY63" fmla="*/ 2868612 h 6858000"/>
+              <a:gd name="connsiteX64" fmla="*/ 167960 w 4838076"/>
+              <a:gd name="connsiteY64" fmla="*/ 2922587 h 6858000"/>
+              <a:gd name="connsiteX65" fmla="*/ 152844 w 4838076"/>
+              <a:gd name="connsiteY65" fmla="*/ 2967037 h 6858000"/>
+              <a:gd name="connsiteX66" fmla="*/ 134368 w 4838076"/>
+              <a:gd name="connsiteY66" fmla="*/ 3009900 h 6858000"/>
+              <a:gd name="connsiteX67" fmla="*/ 115893 w 4838076"/>
+              <a:gd name="connsiteY67" fmla="*/ 3046412 h 6858000"/>
+              <a:gd name="connsiteX68" fmla="*/ 95738 w 4838076"/>
+              <a:gd name="connsiteY68" fmla="*/ 3084512 h 6858000"/>
+              <a:gd name="connsiteX69" fmla="*/ 75583 w 4838076"/>
+              <a:gd name="connsiteY69" fmla="*/ 3121025 h 6858000"/>
+              <a:gd name="connsiteX70" fmla="*/ 55427 w 4838076"/>
+              <a:gd name="connsiteY70" fmla="*/ 3160712 h 6858000"/>
+              <a:gd name="connsiteX71" fmla="*/ 38632 w 4838076"/>
+              <a:gd name="connsiteY71" fmla="*/ 3201987 h 6858000"/>
+              <a:gd name="connsiteX72" fmla="*/ 23515 w 4838076"/>
+              <a:gd name="connsiteY72" fmla="*/ 3248025 h 6858000"/>
+              <a:gd name="connsiteX73" fmla="*/ 11758 w 4838076"/>
+              <a:gd name="connsiteY73" fmla="*/ 3300412 h 6858000"/>
+              <a:gd name="connsiteX74" fmla="*/ 3359 w 4838076"/>
+              <a:gd name="connsiteY74" fmla="*/ 3360737 h 6858000"/>
+              <a:gd name="connsiteX75" fmla="*/ 0 w 4838076"/>
+              <a:gd name="connsiteY75" fmla="*/ 3427412 h 6858000"/>
+              <a:gd name="connsiteX76" fmla="*/ 3359 w 4838076"/>
+              <a:gd name="connsiteY76" fmla="*/ 3497262 h 6858000"/>
+              <a:gd name="connsiteX77" fmla="*/ 11758 w 4838076"/>
+              <a:gd name="connsiteY77" fmla="*/ 3557587 h 6858000"/>
+              <a:gd name="connsiteX78" fmla="*/ 23515 w 4838076"/>
+              <a:gd name="connsiteY78" fmla="*/ 3609975 h 6858000"/>
+              <a:gd name="connsiteX79" fmla="*/ 38632 w 4838076"/>
+              <a:gd name="connsiteY79" fmla="*/ 3656012 h 6858000"/>
+              <a:gd name="connsiteX80" fmla="*/ 55427 w 4838076"/>
+              <a:gd name="connsiteY80" fmla="*/ 3697287 h 6858000"/>
+              <a:gd name="connsiteX81" fmla="*/ 75583 w 4838076"/>
+              <a:gd name="connsiteY81" fmla="*/ 3736975 h 6858000"/>
+              <a:gd name="connsiteX82" fmla="*/ 115893 w 4838076"/>
+              <a:gd name="connsiteY82" fmla="*/ 3811587 h 6858000"/>
+              <a:gd name="connsiteX83" fmla="*/ 134368 w 4838076"/>
+              <a:gd name="connsiteY83" fmla="*/ 3848100 h 6858000"/>
+              <a:gd name="connsiteX84" fmla="*/ 152844 w 4838076"/>
+              <a:gd name="connsiteY84" fmla="*/ 3890962 h 6858000"/>
+              <a:gd name="connsiteX85" fmla="*/ 167960 w 4838076"/>
+              <a:gd name="connsiteY85" fmla="*/ 3935412 h 6858000"/>
+              <a:gd name="connsiteX86" fmla="*/ 178038 w 4838076"/>
+              <a:gd name="connsiteY86" fmla="*/ 3987800 h 6858000"/>
+              <a:gd name="connsiteX87" fmla="*/ 188115 w 4838076"/>
+              <a:gd name="connsiteY87" fmla="*/ 4048125 h 6858000"/>
+              <a:gd name="connsiteX88" fmla="*/ 189795 w 4838076"/>
+              <a:gd name="connsiteY88" fmla="*/ 4116387 h 6858000"/>
+              <a:gd name="connsiteX89" fmla="*/ 188115 w 4838076"/>
+              <a:gd name="connsiteY89" fmla="*/ 4186237 h 6858000"/>
+              <a:gd name="connsiteX90" fmla="*/ 178038 w 4838076"/>
+              <a:gd name="connsiteY90" fmla="*/ 4244975 h 6858000"/>
+              <a:gd name="connsiteX91" fmla="*/ 167960 w 4838076"/>
+              <a:gd name="connsiteY91" fmla="*/ 4297362 h 6858000"/>
+              <a:gd name="connsiteX92" fmla="*/ 152844 w 4838076"/>
+              <a:gd name="connsiteY92" fmla="*/ 4343400 h 6858000"/>
+              <a:gd name="connsiteX93" fmla="*/ 134368 w 4838076"/>
+              <a:gd name="connsiteY93" fmla="*/ 4386262 h 6858000"/>
+              <a:gd name="connsiteX94" fmla="*/ 115893 w 4838076"/>
+              <a:gd name="connsiteY94" fmla="*/ 4424362 h 6858000"/>
+              <a:gd name="connsiteX95" fmla="*/ 75583 w 4838076"/>
+              <a:gd name="connsiteY95" fmla="*/ 4498975 h 6858000"/>
+              <a:gd name="connsiteX96" fmla="*/ 55427 w 4838076"/>
+              <a:gd name="connsiteY96" fmla="*/ 4537075 h 6858000"/>
+              <a:gd name="connsiteX97" fmla="*/ 38632 w 4838076"/>
+              <a:gd name="connsiteY97" fmla="*/ 4579937 h 6858000"/>
+              <a:gd name="connsiteX98" fmla="*/ 23515 w 4838076"/>
+              <a:gd name="connsiteY98" fmla="*/ 4625975 h 6858000"/>
+              <a:gd name="connsiteX99" fmla="*/ 11758 w 4838076"/>
+              <a:gd name="connsiteY99" fmla="*/ 4678362 h 6858000"/>
+              <a:gd name="connsiteX100" fmla="*/ 3359 w 4838076"/>
+              <a:gd name="connsiteY100" fmla="*/ 4738687 h 6858000"/>
+              <a:gd name="connsiteX101" fmla="*/ 0 w 4838076"/>
+              <a:gd name="connsiteY101" fmla="*/ 4806950 h 6858000"/>
+              <a:gd name="connsiteX102" fmla="*/ 3359 w 4838076"/>
+              <a:gd name="connsiteY102" fmla="*/ 4875212 h 6858000"/>
+              <a:gd name="connsiteX103" fmla="*/ 11758 w 4838076"/>
+              <a:gd name="connsiteY103" fmla="*/ 4935537 h 6858000"/>
+              <a:gd name="connsiteX104" fmla="*/ 23515 w 4838076"/>
+              <a:gd name="connsiteY104" fmla="*/ 4987925 h 6858000"/>
+              <a:gd name="connsiteX105" fmla="*/ 38632 w 4838076"/>
+              <a:gd name="connsiteY105" fmla="*/ 5033962 h 6858000"/>
+              <a:gd name="connsiteX106" fmla="*/ 55427 w 4838076"/>
+              <a:gd name="connsiteY106" fmla="*/ 5075237 h 6858000"/>
+              <a:gd name="connsiteX107" fmla="*/ 75583 w 4838076"/>
+              <a:gd name="connsiteY107" fmla="*/ 5114925 h 6858000"/>
+              <a:gd name="connsiteX108" fmla="*/ 95738 w 4838076"/>
+              <a:gd name="connsiteY108" fmla="*/ 5149850 h 6858000"/>
+              <a:gd name="connsiteX109" fmla="*/ 115893 w 4838076"/>
+              <a:gd name="connsiteY109" fmla="*/ 5186362 h 6858000"/>
+              <a:gd name="connsiteX110" fmla="*/ 134368 w 4838076"/>
+              <a:gd name="connsiteY110" fmla="*/ 5226050 h 6858000"/>
+              <a:gd name="connsiteX111" fmla="*/ 152844 w 4838076"/>
+              <a:gd name="connsiteY111" fmla="*/ 5268912 h 6858000"/>
+              <a:gd name="connsiteX112" fmla="*/ 167960 w 4838076"/>
+              <a:gd name="connsiteY112" fmla="*/ 5313362 h 6858000"/>
+              <a:gd name="connsiteX113" fmla="*/ 178038 w 4838076"/>
+              <a:gd name="connsiteY113" fmla="*/ 5365750 h 6858000"/>
+              <a:gd name="connsiteX114" fmla="*/ 188115 w 4838076"/>
+              <a:gd name="connsiteY114" fmla="*/ 5426075 h 6858000"/>
+              <a:gd name="connsiteX115" fmla="*/ 189795 w 4838076"/>
+              <a:gd name="connsiteY115" fmla="*/ 5494337 h 6858000"/>
+              <a:gd name="connsiteX116" fmla="*/ 188115 w 4838076"/>
+              <a:gd name="connsiteY116" fmla="*/ 5562600 h 6858000"/>
+              <a:gd name="connsiteX117" fmla="*/ 178038 w 4838076"/>
+              <a:gd name="connsiteY117" fmla="*/ 5622925 h 6858000"/>
+              <a:gd name="connsiteX118" fmla="*/ 167960 w 4838076"/>
+              <a:gd name="connsiteY118" fmla="*/ 5675312 h 6858000"/>
+              <a:gd name="connsiteX119" fmla="*/ 152844 w 4838076"/>
+              <a:gd name="connsiteY119" fmla="*/ 5721350 h 6858000"/>
+              <a:gd name="connsiteX120" fmla="*/ 134368 w 4838076"/>
+              <a:gd name="connsiteY120" fmla="*/ 5762625 h 6858000"/>
+              <a:gd name="connsiteX121" fmla="*/ 115893 w 4838076"/>
+              <a:gd name="connsiteY121" fmla="*/ 5802312 h 6858000"/>
+              <a:gd name="connsiteX122" fmla="*/ 95738 w 4838076"/>
+              <a:gd name="connsiteY122" fmla="*/ 5840412 h 6858000"/>
+              <a:gd name="connsiteX123" fmla="*/ 75583 w 4838076"/>
+              <a:gd name="connsiteY123" fmla="*/ 5876925 h 6858000"/>
+              <a:gd name="connsiteX124" fmla="*/ 55427 w 4838076"/>
+              <a:gd name="connsiteY124" fmla="*/ 5915025 h 6858000"/>
+              <a:gd name="connsiteX125" fmla="*/ 38632 w 4838076"/>
+              <a:gd name="connsiteY125" fmla="*/ 5956300 h 6858000"/>
+              <a:gd name="connsiteX126" fmla="*/ 23515 w 4838076"/>
+              <a:gd name="connsiteY126" fmla="*/ 6003925 h 6858000"/>
+              <a:gd name="connsiteX127" fmla="*/ 11758 w 4838076"/>
+              <a:gd name="connsiteY127" fmla="*/ 6056312 h 6858000"/>
+              <a:gd name="connsiteX128" fmla="*/ 3359 w 4838076"/>
+              <a:gd name="connsiteY128" fmla="*/ 6113462 h 6858000"/>
+              <a:gd name="connsiteX129" fmla="*/ 0 w 4838076"/>
+              <a:gd name="connsiteY129" fmla="*/ 6183312 h 6858000"/>
+              <a:gd name="connsiteX130" fmla="*/ 3359 w 4838076"/>
+              <a:gd name="connsiteY130" fmla="*/ 6251575 h 6858000"/>
+              <a:gd name="connsiteX131" fmla="*/ 11758 w 4838076"/>
+              <a:gd name="connsiteY131" fmla="*/ 6311900 h 6858000"/>
+              <a:gd name="connsiteX132" fmla="*/ 23515 w 4838076"/>
+              <a:gd name="connsiteY132" fmla="*/ 6361112 h 6858000"/>
+              <a:gd name="connsiteX133" fmla="*/ 38632 w 4838076"/>
+              <a:gd name="connsiteY133" fmla="*/ 6407150 h 6858000"/>
+              <a:gd name="connsiteX134" fmla="*/ 55427 w 4838076"/>
+              <a:gd name="connsiteY134" fmla="*/ 6448425 h 6858000"/>
+              <a:gd name="connsiteX135" fmla="*/ 73903 w 4838076"/>
+              <a:gd name="connsiteY135" fmla="*/ 6488112 h 6858000"/>
+              <a:gd name="connsiteX136" fmla="*/ 92379 w 4838076"/>
+              <a:gd name="connsiteY136" fmla="*/ 6523037 h 6858000"/>
+              <a:gd name="connsiteX137" fmla="*/ 112534 w 4838076"/>
+              <a:gd name="connsiteY137" fmla="*/ 6561137 h 6858000"/>
+              <a:gd name="connsiteX138" fmla="*/ 132689 w 4838076"/>
+              <a:gd name="connsiteY138" fmla="*/ 6597650 h 6858000"/>
+              <a:gd name="connsiteX139" fmla="*/ 149485 w 4838076"/>
+              <a:gd name="connsiteY139" fmla="*/ 6640512 h 6858000"/>
+              <a:gd name="connsiteX140" fmla="*/ 166281 w 4838076"/>
+              <a:gd name="connsiteY140" fmla="*/ 6683375 h 6858000"/>
+              <a:gd name="connsiteX141" fmla="*/ 176358 w 4838076"/>
+              <a:gd name="connsiteY141" fmla="*/ 6735762 h 6858000"/>
+              <a:gd name="connsiteX142" fmla="*/ 184756 w 4838076"/>
+              <a:gd name="connsiteY142" fmla="*/ 6791325 h 6858000"/>
+              <a:gd name="connsiteX143" fmla="*/ 189795 w 4838076"/>
+              <a:gd name="connsiteY143" fmla="*/ 6858000 h 6858000"/>
+              <a:gd name="connsiteX144" fmla="*/ 334173 w 4838076"/>
+              <a:gd name="connsiteY144" fmla="*/ 6858000 h 6858000"/>
+              <a:gd name="connsiteX145" fmla="*/ 334174 w 4838076"/>
+              <a:gd name="connsiteY145" fmla="*/ 6858000 h 6858000"/>
+              <a:gd name="connsiteX146" fmla="*/ 3459219 w 4838076"/>
+              <a:gd name="connsiteY146" fmla="*/ 6858000 h 6858000"/>
+              <a:gd name="connsiteX147" fmla="*/ 4417162 w 4838076"/>
+              <a:gd name="connsiteY147" fmla="*/ 6858000 h 6858000"/>
+              <a:gd name="connsiteX148" fmla="*/ 4838076 w 4838076"/>
+              <a:gd name="connsiteY148" fmla="*/ 6858000 h 6858000"/>
+            </a:gdLst>
+            <a:ahLst/>
+            <a:cxnLst>
+              <a:cxn ang="0">
+                <a:pos x="connsiteX0" y="connsiteY0"/>
+              </a:cxn>
+              <a:cxn ang="0">
+                <a:pos x="connsiteX1" y="connsiteY1"/>
+              </a:cxn>
+              <a:cxn ang="0">
+                <a:pos x="connsiteX2" y="connsiteY2"/>
+              </a:cxn>
+              <a:cxn ang="0">
+                <a:pos x="connsiteX3" y="connsiteY3"/>
+              </a:cxn>
+              <a:cxn ang="0">
+                <a:pos x="connsiteX4" y="connsiteY4"/>
+              </a:cxn>
+              <a:cxn ang="0">
+                <a:pos x="connsiteX5" y="connsiteY5"/>
+              </a:cxn>
+              <a:cxn ang="0">
+                <a:pos x="connsiteX6" y="connsiteY6"/>
+              </a:cxn>
+              <a:cxn ang="0">
+                <a:pos x="connsiteX7" y="connsiteY7"/>
+              </a:cxn>
+              <a:cxn ang="0">
+                <a:pos x="connsiteX8" y="connsiteY8"/>
+              </a:cxn>
+              <a:cxn ang="0">
+                <a:pos x="connsiteX9" y="connsiteY9"/>
+              </a:cxn>
+              <a:cxn ang="0">
+                <a:pos x="connsiteX10" y="connsiteY10"/>
+              </a:cxn>
+              <a:cxn ang="0">
+                <a:pos x="connsiteX11" y="connsiteY11"/>
+              </a:cxn>
+              <a:cxn ang="0">
+                <a:pos x="connsiteX12" y="connsiteY12"/>
+              </a:cxn>
+              <a:cxn ang="0">
+                <a:pos x="connsiteX13" y="connsiteY13"/>
+              </a:cxn>
+              <a:cxn ang="0">
+                <a:pos x="connsiteX14" y="connsiteY14"/>
+              </a:cxn>
+              <a:cxn ang="0">
+                <a:pos x="connsiteX15" y="connsiteY15"/>
+              </a:cxn>
+              <a:cxn ang="0">
+                <a:pos x="connsiteX16" y="connsiteY16"/>
+              </a:cxn>
+              <a:cxn ang="0">
+                <a:pos x="connsiteX17" y="connsiteY17"/>
+              </a:cxn>
+              <a:cxn ang="0">
+                <a:pos x="connsiteX18" y="connsiteY18"/>
+              </a:cxn>
+              <a:cxn ang="0">
+                <a:pos x="connsiteX19" y="connsiteY19"/>
+              </a:cxn>
+              <a:cxn ang="0">
+                <a:pos x="connsiteX20" y="connsiteY20"/>
+              </a:cxn>
+              <a:cxn ang="0">
+                <a:pos x="connsiteX21" y="connsiteY21"/>
+              </a:cxn>
+              <a:cxn ang="0">
+                <a:pos x="connsiteX22" y="connsiteY22"/>
+              </a:cxn>
+              <a:cxn ang="0">
+                <a:pos x="connsiteX23" y="connsiteY23"/>
+              </a:cxn>
+              <a:cxn ang="0">
+                <a:pos x="connsiteX24" y="connsiteY24"/>
+              </a:cxn>
+              <a:cxn ang="0">
+                <a:pos x="connsiteX25" y="connsiteY25"/>
+              </a:cxn>
+              <a:cxn ang="0">
+                <a:pos x="connsiteX26" y="connsiteY26"/>
+              </a:cxn>
+              <a:cxn ang="0">
+                <a:pos x="connsiteX27" y="connsiteY27"/>
+              </a:cxn>
+              <a:cxn ang="0">
+                <a:pos x="connsiteX28" y="connsiteY28"/>
+              </a:cxn>
+              <a:cxn ang="0">
+                <a:pos x="connsiteX29" y="connsiteY29"/>
+              </a:cxn>
+              <a:cxn ang="0">
+                <a:pos x="connsiteX30" y="connsiteY30"/>
+              </a:cxn>
+              <a:cxn ang="0">
+                <a:pos x="connsiteX31" y="connsiteY31"/>
+              </a:cxn>
+              <a:cxn ang="0">
+                <a:pos x="connsiteX32" y="connsiteY32"/>
+              </a:cxn>
+              <a:cxn ang="0">
+                <a:pos x="connsiteX33" y="connsiteY33"/>
+              </a:cxn>
+              <a:cxn ang="0">
+                <a:pos x="connsiteX34" y="connsiteY34"/>
+              </a:cxn>
+              <a:cxn ang="0">
+                <a:pos x="connsiteX35" y="connsiteY35"/>
+              </a:cxn>
+              <a:cxn ang="0">
+                <a:pos x="connsiteX36" y="connsiteY36"/>
+              </a:cxn>
+              <a:cxn ang="0">
+                <a:pos x="connsiteX37" y="connsiteY37"/>
+              </a:cxn>
+              <a:cxn ang="0">
+                <a:pos x="connsiteX38" y="connsiteY38"/>
+              </a:cxn>
+              <a:cxn ang="0">
+                <a:pos x="connsiteX39" y="connsiteY39"/>
+              </a:cxn>
+              <a:cxn ang="0">
+                <a:pos x="connsiteX40" y="connsiteY40"/>
+              </a:cxn>
+              <a:cxn ang="0">
+                <a:pos x="connsiteX41" y="connsiteY41"/>
+              </a:cxn>
+              <a:cxn ang="0">
+                <a:pos x="connsiteX42" y="connsiteY42"/>
+              </a:cxn>
+              <a:cxn ang="0">
+                <a:pos x="connsiteX43" y="connsiteY43"/>
+              </a:cxn>
+              <a:cxn ang="0">
+                <a:pos x="connsiteX44" y="connsiteY44"/>
+              </a:cxn>
+              <a:cxn ang="0">
+                <a:pos x="connsiteX45" y="connsiteY45"/>
+              </a:cxn>
+              <a:cxn ang="0">
+                <a:pos x="connsiteX46" y="connsiteY46"/>
+              </a:cxn>
+              <a:cxn ang="0">
+                <a:pos x="connsiteX47" y="connsiteY47"/>
+              </a:cxn>
+              <a:cxn ang="0">
+                <a:pos x="connsiteX48" y="connsiteY48"/>
+              </a:cxn>
+              <a:cxn ang="0">
+                <a:pos x="connsiteX49" y="connsiteY49"/>
+              </a:cxn>
+              <a:cxn ang="0">
+                <a:pos x="connsiteX50" y="connsiteY50"/>
+              </a:cxn>
+              <a:cxn ang="0">
+                <a:pos x="connsiteX51" y="connsiteY51"/>
+              </a:cxn>
+              <a:cxn ang="0">
+                <a:pos x="connsiteX52" y="connsiteY52"/>
+              </a:cxn>
+              <a:cxn ang="0">
+                <a:pos x="connsiteX53" y="connsiteY53"/>
+              </a:cxn>
+              <a:cxn ang="0">
+                <a:pos x="connsiteX54" y="connsiteY54"/>
+              </a:cxn>
+              <a:cxn ang="0">
+                <a:pos x="connsiteX55" y="connsiteY55"/>
+              </a:cxn>
+              <a:cxn ang="0">
+                <a:pos x="connsiteX56" y="connsiteY56"/>
+              </a:cxn>
+              <a:cxn ang="0">
+                <a:pos x="connsiteX57" y="connsiteY57"/>
+              </a:cxn>
+              <a:cxn ang="0">
+                <a:pos x="connsiteX58" y="connsiteY58"/>
+              </a:cxn>
+              <a:cxn ang="0">
+                <a:pos x="connsiteX59" y="connsiteY59"/>
+              </a:cxn>
+              <a:cxn ang="0">
+                <a:pos x="connsiteX60" y="connsiteY60"/>
+              </a:cxn>
+              <a:cxn ang="0">
+                <a:pos x="connsiteX61" y="connsiteY61"/>
+              </a:cxn>
+              <a:cxn ang="0">
+                <a:pos x="connsiteX62" y="connsiteY62"/>
+              </a:cxn>
+              <a:cxn ang="0">
+                <a:pos x="connsiteX63" y="connsiteY63"/>
+              </a:cxn>
+              <a:cxn ang="0">
+                <a:pos x="connsiteX64" y="connsiteY64"/>
+              </a:cxn>
+              <a:cxn ang="0">
+                <a:pos x="connsiteX65" y="connsiteY65"/>
+              </a:cxn>
+              <a:cxn ang="0">
+                <a:pos x="connsiteX66" y="connsiteY66"/>
+              </a:cxn>
+              <a:cxn ang="0">
+                <a:pos x="connsiteX67" y="connsiteY67"/>
+              </a:cxn>
+              <a:cxn ang="0">
+                <a:pos x="connsiteX68" y="connsiteY68"/>
+              </a:cxn>
+              <a:cxn ang="0">
+                <a:pos x="connsiteX69" y="connsiteY69"/>
+              </a:cxn>
+              <a:cxn ang="0">
+                <a:pos x="connsiteX70" y="connsiteY70"/>
+              </a:cxn>
+              <a:cxn ang="0">
+                <a:pos x="connsiteX71" y="connsiteY71"/>
+              </a:cxn>
+              <a:cxn ang="0">
+                <a:pos x="connsiteX72" y="connsiteY72"/>
+              </a:cxn>
+              <a:cxn ang="0">
+                <a:pos x="connsiteX73" y="connsiteY73"/>
+              </a:cxn>
+              <a:cxn ang="0">
+                <a:pos x="connsiteX74" y="connsiteY74"/>
+              </a:cxn>
+              <a:cxn ang="0">
+                <a:pos x="connsiteX75" y="connsiteY75"/>
+              </a:cxn>
+              <a:cxn ang="0">
+                <a:pos x="connsiteX76" y="connsiteY76"/>
+              </a:cxn>
+              <a:cxn ang="0">
+                <a:pos x="connsiteX77" y="connsiteY77"/>
+              </a:cxn>
+              <a:cxn ang="0">
+                <a:pos x="connsiteX78" y="connsiteY78"/>
+              </a:cxn>
+              <a:cxn ang="0">
+                <a:pos x="connsiteX79" y="connsiteY79"/>
+              </a:cxn>
+              <a:cxn ang="0">
+                <a:pos x="connsiteX80" y="connsiteY80"/>
+              </a:cxn>
+              <a:cxn ang="0">
+                <a:pos x="connsiteX81" y="connsiteY81"/>
+              </a:cxn>
+              <a:cxn ang="0">
+                <a:pos x="connsiteX82" y="connsiteY82"/>
+              </a:cxn>
+              <a:cxn ang="0">
+                <a:pos x="connsiteX83" y="connsiteY83"/>
+              </a:cxn>
+              <a:cxn ang="0">
+                <a:pos x="connsiteX84" y="connsiteY84"/>
+              </a:cxn>
+              <a:cxn ang="0">
+                <a:pos x="connsiteX85" y="connsiteY85"/>
+              </a:cxn>
+              <a:cxn ang="0">
+                <a:pos x="connsiteX86" y="connsiteY86"/>
+              </a:cxn>
+              <a:cxn ang="0">
+                <a:pos x="connsiteX87" y="connsiteY87"/>
+              </a:cxn>
+              <a:cxn ang="0">
+                <a:pos x="connsiteX88" y="connsiteY88"/>
+              </a:cxn>
+              <a:cxn ang="0">
+                <a:pos x="connsiteX89" y="connsiteY89"/>
+              </a:cxn>
+              <a:cxn ang="0">
+                <a:pos x="connsiteX90" y="connsiteY90"/>
+              </a:cxn>
+              <a:cxn ang="0">
+                <a:pos x="connsiteX91" y="connsiteY91"/>
+              </a:cxn>
+              <a:cxn ang="0">
+                <a:pos x="connsiteX92" y="connsiteY92"/>
+              </a:cxn>
+              <a:cxn ang="0">
+                <a:pos x="connsiteX93" y="connsiteY93"/>
+              </a:cxn>
+              <a:cxn ang="0">
+                <a:pos x="connsiteX94" y="connsiteY94"/>
+              </a:cxn>
+              <a:cxn ang="0">
+                <a:pos x="connsiteX95" y="connsiteY95"/>
+              </a:cxn>
+              <a:cxn ang="0">
+                <a:pos x="connsiteX96" y="connsiteY96"/>
+              </a:cxn>
+              <a:cxn ang="0">
+                <a:pos x="connsiteX97" y="connsiteY97"/>
+              </a:cxn>
+              <a:cxn ang="0">
+                <a:pos x="connsiteX98" y="connsiteY98"/>
+              </a:cxn>
+              <a:cxn ang="0">
+                <a:pos x="connsiteX99" y="connsiteY99"/>
+              </a:cxn>
+              <a:cxn ang="0">
+                <a:pos x="connsiteX100" y="connsiteY100"/>
+              </a:cxn>
+              <a:cxn ang="0">
+                <a:pos x="connsiteX101" y="connsiteY101"/>
+              </a:cxn>
+              <a:cxn ang="0">
+                <a:pos x="connsiteX102" y="connsiteY102"/>
+              </a:cxn>
+              <a:cxn ang="0">
+                <a:pos x="connsiteX103" y="connsiteY103"/>
+              </a:cxn>
+              <a:cxn ang="0">
+                <a:pos x="connsiteX104" y="connsiteY104"/>
+              </a:cxn>
+              <a:cxn ang="0">
+                <a:pos x="connsiteX105" y="connsiteY105"/>
+              </a:cxn>
+              <a:cxn ang="0">
+                <a:pos x="connsiteX106" y="connsiteY106"/>
+              </a:cxn>
+              <a:cxn ang="0">
+                <a:pos x="connsiteX107" y="connsiteY107"/>
+              </a:cxn>
+              <a:cxn ang="0">
+                <a:pos x="connsiteX108" y="connsiteY108"/>
+              </a:cxn>
+              <a:cxn ang="0">
+                <a:pos x="connsiteX109" y="connsiteY109"/>
+              </a:cxn>
+              <a:cxn ang="0">
+                <a:pos x="connsiteX110" y="connsiteY110"/>
+              </a:cxn>
+              <a:cxn ang="0">
+                <a:pos x="connsiteX111" y="connsiteY111"/>
+              </a:cxn>
+              <a:cxn ang="0">
+                <a:pos x="connsiteX112" y="connsiteY112"/>
+              </a:cxn>
+              <a:cxn ang="0">
+                <a:pos x="connsiteX113" y="connsiteY113"/>
+              </a:cxn>
+              <a:cxn ang="0">
+                <a:pos x="connsiteX114" y="connsiteY114"/>
+              </a:cxn>
+              <a:cxn ang="0">
+                <a:pos x="connsiteX115" y="connsiteY115"/>
+              </a:cxn>
+              <a:cxn ang="0">
+                <a:pos x="connsiteX116" y="connsiteY116"/>
+              </a:cxn>
+              <a:cxn ang="0">
+                <a:pos x="connsiteX117" y="connsiteY117"/>
+              </a:cxn>
+              <a:cxn ang="0">
+                <a:pos x="connsiteX118" y="connsiteY118"/>
+              </a:cxn>
+              <a:cxn ang="0">
+                <a:pos x="connsiteX119" y="connsiteY119"/>
+              </a:cxn>
+              <a:cxn ang="0">
+                <a:pos x="connsiteX120" y="connsiteY120"/>
+              </a:cxn>
+              <a:cxn ang="0">
+                <a:pos x="connsiteX121" y="connsiteY121"/>
+              </a:cxn>
+              <a:cxn ang="0">
+                <a:pos x="connsiteX122" y="connsiteY122"/>
+              </a:cxn>
+              <a:cxn ang="0">
+                <a:pos x="connsiteX123" y="connsiteY123"/>
+              </a:cxn>
+              <a:cxn ang="0">
+                <a:pos x="connsiteX124" y="connsiteY124"/>
+              </a:cxn>
+              <a:cxn ang="0">
+                <a:pos x="connsiteX125" y="connsiteY125"/>
+              </a:cxn>
+              <a:cxn ang="0">
+                <a:pos x="connsiteX126" y="connsiteY126"/>
+              </a:cxn>
+              <a:cxn ang="0">
+                <a:pos x="connsiteX127" y="connsiteY127"/>
+              </a:cxn>
+              <a:cxn ang="0">
+                <a:pos x="connsiteX128" y="connsiteY128"/>
+              </a:cxn>
+              <a:cxn ang="0">
+                <a:pos x="connsiteX129" y="connsiteY129"/>
+              </a:cxn>
+              <a:cxn ang="0">
+                <a:pos x="connsiteX130" y="connsiteY130"/>
+              </a:cxn>
+              <a:cxn ang="0">
+                <a:pos x="connsiteX131" y="connsiteY131"/>
+              </a:cxn>
+              <a:cxn ang="0">
+                <a:pos x="connsiteX132" y="connsiteY132"/>
+              </a:cxn>
+              <a:cxn ang="0">
+                <a:pos x="connsiteX133" y="connsiteY133"/>
+              </a:cxn>
+              <a:cxn ang="0">
+                <a:pos x="connsiteX134" y="connsiteY134"/>
+              </a:cxn>
+              <a:cxn ang="0">
+                <a:pos x="connsiteX135" y="connsiteY135"/>
+              </a:cxn>
+              <a:cxn ang="0">
+                <a:pos x="connsiteX136" y="connsiteY136"/>
+              </a:cxn>
+              <a:cxn ang="0">
+                <a:pos x="connsiteX137" y="connsiteY137"/>
+              </a:cxn>
+              <a:cxn ang="0">
+                <a:pos x="connsiteX138" y="connsiteY138"/>
+              </a:cxn>
+              <a:cxn ang="0">
+                <a:pos x="connsiteX139" y="connsiteY139"/>
+              </a:cxn>
+              <a:cxn ang="0">
+                <a:pos x="connsiteX140" y="connsiteY140"/>
+              </a:cxn>
+              <a:cxn ang="0">
+                <a:pos x="connsiteX141" y="connsiteY141"/>
+              </a:cxn>
+              <a:cxn ang="0">
+                <a:pos x="connsiteX142" y="connsiteY142"/>
+              </a:cxn>
+              <a:cxn ang="0">
+                <a:pos x="connsiteX143" y="connsiteY143"/>
+              </a:cxn>
+              <a:cxn ang="0">
+                <a:pos x="connsiteX144" y="connsiteY144"/>
+              </a:cxn>
+              <a:cxn ang="0">
+                <a:pos x="connsiteX145" y="connsiteY145"/>
+              </a:cxn>
+              <a:cxn ang="0">
+                <a:pos x="connsiteX146" y="connsiteY146"/>
+              </a:cxn>
+              <a:cxn ang="0">
+                <a:pos x="connsiteX147" y="connsiteY147"/>
+              </a:cxn>
+              <a:cxn ang="0">
+                <a:pos x="connsiteX148" y="connsiteY148"/>
+              </a:cxn>
+            </a:cxnLst>
+            <a:rect l="l" t="t" r="r" b="b"/>
+            <a:pathLst>
+              <a:path w="4838076" h="6858000">
+                <a:moveTo>
+                  <a:pt x="4838076" y="0"/>
+                </a:moveTo>
+                <a:lnTo>
+                  <a:pt x="4417162" y="0"/>
+                </a:lnTo>
+                <a:lnTo>
+                  <a:pt x="3459219" y="0"/>
+                </a:lnTo>
+                <a:lnTo>
+                  <a:pt x="334174" y="0"/>
+                </a:lnTo>
+                <a:lnTo>
+                  <a:pt x="334173" y="0"/>
+                </a:lnTo>
+                <a:lnTo>
+                  <a:pt x="189795" y="0"/>
+                </a:lnTo>
+                <a:lnTo>
+                  <a:pt x="184756" y="66675"/>
+                </a:lnTo>
+                <a:lnTo>
+                  <a:pt x="176358" y="122237"/>
+                </a:lnTo>
+                <a:lnTo>
+                  <a:pt x="166281" y="174625"/>
+                </a:lnTo>
+                <a:lnTo>
+                  <a:pt x="149485" y="217487"/>
+                </a:lnTo>
+                <a:lnTo>
+                  <a:pt x="132689" y="260350"/>
+                </a:lnTo>
+                <a:lnTo>
+                  <a:pt x="112534" y="296862"/>
+                </a:lnTo>
+                <a:lnTo>
+                  <a:pt x="92379" y="334962"/>
+                </a:lnTo>
+                <a:lnTo>
+                  <a:pt x="73903" y="369887"/>
+                </a:lnTo>
+                <a:lnTo>
+                  <a:pt x="55427" y="409575"/>
+                </a:lnTo>
+                <a:lnTo>
+                  <a:pt x="38632" y="450850"/>
+                </a:lnTo>
+                <a:lnTo>
+                  <a:pt x="23515" y="496887"/>
+                </a:lnTo>
+                <a:lnTo>
+                  <a:pt x="11758" y="546100"/>
+                </a:lnTo>
+                <a:lnTo>
+                  <a:pt x="3359" y="606425"/>
+                </a:lnTo>
+                <a:lnTo>
+                  <a:pt x="0" y="673100"/>
+                </a:lnTo>
+                <a:lnTo>
+                  <a:pt x="3359" y="744537"/>
+                </a:lnTo>
+                <a:lnTo>
+                  <a:pt x="11758" y="801687"/>
+                </a:lnTo>
+                <a:lnTo>
+                  <a:pt x="23515" y="854075"/>
+                </a:lnTo>
+                <a:lnTo>
+                  <a:pt x="38632" y="901700"/>
+                </a:lnTo>
+                <a:lnTo>
+                  <a:pt x="55427" y="942975"/>
+                </a:lnTo>
+                <a:lnTo>
+                  <a:pt x="75583" y="981075"/>
+                </a:lnTo>
+                <a:lnTo>
+                  <a:pt x="95738" y="1017587"/>
+                </a:lnTo>
+                <a:lnTo>
+                  <a:pt x="115893" y="1055687"/>
+                </a:lnTo>
+                <a:lnTo>
+                  <a:pt x="134368" y="1095375"/>
+                </a:lnTo>
+                <a:lnTo>
+                  <a:pt x="152844" y="1136650"/>
+                </a:lnTo>
+                <a:lnTo>
+                  <a:pt x="167960" y="1182687"/>
+                </a:lnTo>
+                <a:lnTo>
+                  <a:pt x="178038" y="1235075"/>
+                </a:lnTo>
+                <a:lnTo>
+                  <a:pt x="188115" y="1295400"/>
+                </a:lnTo>
+                <a:lnTo>
+                  <a:pt x="189795" y="1363662"/>
+                </a:lnTo>
+                <a:lnTo>
+                  <a:pt x="188115" y="1431925"/>
+                </a:lnTo>
+                <a:lnTo>
+                  <a:pt x="178038" y="1492250"/>
+                </a:lnTo>
+                <a:lnTo>
+                  <a:pt x="167960" y="1544637"/>
+                </a:lnTo>
+                <a:lnTo>
+                  <a:pt x="152844" y="1589087"/>
+                </a:lnTo>
+                <a:lnTo>
+                  <a:pt x="134368" y="1631950"/>
+                </a:lnTo>
+                <a:lnTo>
+                  <a:pt x="115893" y="1671637"/>
+                </a:lnTo>
+                <a:lnTo>
+                  <a:pt x="95738" y="1708150"/>
+                </a:lnTo>
+                <a:lnTo>
+                  <a:pt x="75583" y="1743075"/>
+                </a:lnTo>
+                <a:lnTo>
+                  <a:pt x="55427" y="1782762"/>
+                </a:lnTo>
+                <a:lnTo>
+                  <a:pt x="38632" y="1824037"/>
+                </a:lnTo>
+                <a:lnTo>
+                  <a:pt x="23515" y="1870075"/>
+                </a:lnTo>
+                <a:lnTo>
+                  <a:pt x="11758" y="1922462"/>
+                </a:lnTo>
+                <a:lnTo>
+                  <a:pt x="3359" y="1982787"/>
+                </a:lnTo>
+                <a:lnTo>
+                  <a:pt x="0" y="2051050"/>
+                </a:lnTo>
+                <a:lnTo>
+                  <a:pt x="3359" y="2119312"/>
+                </a:lnTo>
+                <a:lnTo>
+                  <a:pt x="11758" y="2179637"/>
+                </a:lnTo>
+                <a:lnTo>
+                  <a:pt x="23515" y="2232025"/>
+                </a:lnTo>
+                <a:lnTo>
+                  <a:pt x="38632" y="2278062"/>
+                </a:lnTo>
+                <a:lnTo>
+                  <a:pt x="55427" y="2319337"/>
+                </a:lnTo>
+                <a:lnTo>
+                  <a:pt x="75583" y="2359025"/>
+                </a:lnTo>
+                <a:lnTo>
+                  <a:pt x="95738" y="2395537"/>
+                </a:lnTo>
+                <a:lnTo>
+                  <a:pt x="115893" y="2433637"/>
+                </a:lnTo>
+                <a:lnTo>
+                  <a:pt x="134368" y="2471737"/>
+                </a:lnTo>
+                <a:lnTo>
+                  <a:pt x="152844" y="2513012"/>
+                </a:lnTo>
+                <a:lnTo>
+                  <a:pt x="167960" y="2560637"/>
+                </a:lnTo>
+                <a:lnTo>
+                  <a:pt x="178038" y="2613025"/>
+                </a:lnTo>
+                <a:lnTo>
+                  <a:pt x="188115" y="2671762"/>
+                </a:lnTo>
+                <a:lnTo>
+                  <a:pt x="189795" y="2741612"/>
+                </a:lnTo>
+                <a:lnTo>
+                  <a:pt x="188115" y="2809875"/>
+                </a:lnTo>
+                <a:lnTo>
+                  <a:pt x="178038" y="2868612"/>
+                </a:lnTo>
+                <a:lnTo>
+                  <a:pt x="167960" y="2922587"/>
+                </a:lnTo>
+                <a:lnTo>
+                  <a:pt x="152844" y="2967037"/>
+                </a:lnTo>
+                <a:lnTo>
+                  <a:pt x="134368" y="3009900"/>
+                </a:lnTo>
+                <a:lnTo>
+                  <a:pt x="115893" y="3046412"/>
+                </a:lnTo>
+                <a:lnTo>
+                  <a:pt x="95738" y="3084512"/>
+                </a:lnTo>
+                <a:lnTo>
+                  <a:pt x="75583" y="3121025"/>
+                </a:lnTo>
+                <a:lnTo>
+                  <a:pt x="55427" y="3160712"/>
+                </a:lnTo>
+                <a:lnTo>
+                  <a:pt x="38632" y="3201987"/>
+                </a:lnTo>
+                <a:lnTo>
+                  <a:pt x="23515" y="3248025"/>
+                </a:lnTo>
+                <a:lnTo>
+                  <a:pt x="11758" y="3300412"/>
+                </a:lnTo>
+                <a:lnTo>
+                  <a:pt x="3359" y="3360737"/>
+                </a:lnTo>
+                <a:lnTo>
+                  <a:pt x="0" y="3427412"/>
+                </a:lnTo>
+                <a:lnTo>
+                  <a:pt x="3359" y="3497262"/>
+                </a:lnTo>
+                <a:lnTo>
+                  <a:pt x="11758" y="3557587"/>
+                </a:lnTo>
+                <a:lnTo>
+                  <a:pt x="23515" y="3609975"/>
+                </a:lnTo>
+                <a:lnTo>
+                  <a:pt x="38632" y="3656012"/>
+                </a:lnTo>
+                <a:lnTo>
+                  <a:pt x="55427" y="3697287"/>
+                </a:lnTo>
+                <a:lnTo>
+                  <a:pt x="75583" y="3736975"/>
+                </a:lnTo>
+                <a:lnTo>
+                  <a:pt x="115893" y="3811587"/>
+                </a:lnTo>
+                <a:lnTo>
+                  <a:pt x="134368" y="3848100"/>
+                </a:lnTo>
+                <a:lnTo>
+                  <a:pt x="152844" y="3890962"/>
+                </a:lnTo>
+                <a:lnTo>
+                  <a:pt x="167960" y="3935412"/>
+                </a:lnTo>
+                <a:lnTo>
+                  <a:pt x="178038" y="3987800"/>
+                </a:lnTo>
+                <a:lnTo>
+                  <a:pt x="188115" y="4048125"/>
+                </a:lnTo>
+                <a:lnTo>
+                  <a:pt x="189795" y="4116387"/>
+                </a:lnTo>
+                <a:lnTo>
+                  <a:pt x="188115" y="4186237"/>
+                </a:lnTo>
+                <a:lnTo>
+                  <a:pt x="178038" y="4244975"/>
+                </a:lnTo>
+                <a:lnTo>
+                  <a:pt x="167960" y="4297362"/>
+                </a:lnTo>
+                <a:lnTo>
+                  <a:pt x="152844" y="4343400"/>
+                </a:lnTo>
+                <a:lnTo>
+                  <a:pt x="134368" y="4386262"/>
+                </a:lnTo>
+                <a:lnTo>
+                  <a:pt x="115893" y="4424362"/>
+                </a:lnTo>
+                <a:lnTo>
+                  <a:pt x="75583" y="4498975"/>
+                </a:lnTo>
+                <a:lnTo>
+                  <a:pt x="55427" y="4537075"/>
+                </a:lnTo>
+                <a:lnTo>
+                  <a:pt x="38632" y="4579937"/>
+                </a:lnTo>
+                <a:lnTo>
+                  <a:pt x="23515" y="4625975"/>
+                </a:lnTo>
+                <a:lnTo>
+                  <a:pt x="11758" y="4678362"/>
+                </a:lnTo>
+                <a:lnTo>
+                  <a:pt x="3359" y="4738687"/>
+                </a:lnTo>
+                <a:lnTo>
+                  <a:pt x="0" y="4806950"/>
+                </a:lnTo>
+                <a:lnTo>
+                  <a:pt x="3359" y="4875212"/>
+                </a:lnTo>
+                <a:lnTo>
+                  <a:pt x="11758" y="4935537"/>
+                </a:lnTo>
+                <a:lnTo>
+                  <a:pt x="23515" y="4987925"/>
+                </a:lnTo>
+                <a:lnTo>
+                  <a:pt x="38632" y="5033962"/>
+                </a:lnTo>
+                <a:lnTo>
+                  <a:pt x="55427" y="5075237"/>
+                </a:lnTo>
+                <a:lnTo>
+                  <a:pt x="75583" y="5114925"/>
+                </a:lnTo>
+                <a:lnTo>
+                  <a:pt x="95738" y="5149850"/>
+                </a:lnTo>
+                <a:lnTo>
+                  <a:pt x="115893" y="5186362"/>
+                </a:lnTo>
+                <a:lnTo>
+                  <a:pt x="134368" y="5226050"/>
+                </a:lnTo>
+                <a:lnTo>
+                  <a:pt x="152844" y="5268912"/>
+                </a:lnTo>
+                <a:lnTo>
+                  <a:pt x="167960" y="5313362"/>
+                </a:lnTo>
+                <a:lnTo>
+                  <a:pt x="178038" y="5365750"/>
+                </a:lnTo>
+                <a:lnTo>
+                  <a:pt x="188115" y="5426075"/>
+                </a:lnTo>
+                <a:lnTo>
+                  <a:pt x="189795" y="5494337"/>
+                </a:lnTo>
+                <a:lnTo>
+                  <a:pt x="188115" y="5562600"/>
+                </a:lnTo>
+                <a:lnTo>
+                  <a:pt x="178038" y="5622925"/>
+                </a:lnTo>
+                <a:lnTo>
+                  <a:pt x="167960" y="5675312"/>
+                </a:lnTo>
+                <a:lnTo>
+                  <a:pt x="152844" y="5721350"/>
+                </a:lnTo>
+                <a:lnTo>
+                  <a:pt x="134368" y="5762625"/>
+                </a:lnTo>
+                <a:lnTo>
+                  <a:pt x="115893" y="5802312"/>
+                </a:lnTo>
+                <a:lnTo>
+                  <a:pt x="95738" y="5840412"/>
+                </a:lnTo>
+                <a:lnTo>
+                  <a:pt x="75583" y="5876925"/>
+                </a:lnTo>
+                <a:lnTo>
+                  <a:pt x="55427" y="5915025"/>
+                </a:lnTo>
+                <a:lnTo>
+                  <a:pt x="38632" y="5956300"/>
+                </a:lnTo>
+                <a:lnTo>
+                  <a:pt x="23515" y="6003925"/>
+                </a:lnTo>
+                <a:lnTo>
+                  <a:pt x="11758" y="6056312"/>
+                </a:lnTo>
+                <a:lnTo>
+                  <a:pt x="3359" y="6113462"/>
+                </a:lnTo>
+                <a:lnTo>
+                  <a:pt x="0" y="6183312"/>
+                </a:lnTo>
+                <a:lnTo>
+                  <a:pt x="3359" y="6251575"/>
+                </a:lnTo>
+                <a:lnTo>
+                  <a:pt x="11758" y="6311900"/>
+                </a:lnTo>
+                <a:lnTo>
+                  <a:pt x="23515" y="6361112"/>
+                </a:lnTo>
+                <a:lnTo>
+                  <a:pt x="38632" y="6407150"/>
+                </a:lnTo>
+                <a:lnTo>
+                  <a:pt x="55427" y="6448425"/>
+                </a:lnTo>
+                <a:lnTo>
+                  <a:pt x="73903" y="6488112"/>
+                </a:lnTo>
+                <a:lnTo>
+                  <a:pt x="92379" y="6523037"/>
+                </a:lnTo>
+                <a:lnTo>
+                  <a:pt x="112534" y="6561137"/>
+                </a:lnTo>
+                <a:lnTo>
+                  <a:pt x="132689" y="6597650"/>
+                </a:lnTo>
+                <a:lnTo>
+                  <a:pt x="149485" y="6640512"/>
+                </a:lnTo>
+                <a:lnTo>
+                  <a:pt x="166281" y="6683375"/>
+                </a:lnTo>
+                <a:lnTo>
+                  <a:pt x="176358" y="6735762"/>
+                </a:lnTo>
+                <a:lnTo>
+                  <a:pt x="184756" y="6791325"/>
+                </a:lnTo>
+                <a:lnTo>
+                  <a:pt x="189795" y="6858000"/>
+                </a:lnTo>
+                <a:lnTo>
+                  <a:pt x="334173" y="6858000"/>
+                </a:lnTo>
+                <a:lnTo>
+                  <a:pt x="334174" y="6858000"/>
+                </a:lnTo>
+                <a:lnTo>
+                  <a:pt x="3459219" y="6858000"/>
+                </a:lnTo>
+                <a:lnTo>
+                  <a:pt x="4417162" y="6858000"/>
+                </a:lnTo>
+                <a:lnTo>
+                  <a:pt x="4838076" y="6858000"/>
+                </a:lnTo>
+                <a:close/>
+              </a:path>
+            </a:pathLst>
+          </a:custGeom>
+          <a:solidFill>
+            <a:schemeClr val="accent1">
+              <a:lumMod val="50000"/>
+              <a:alpha val="25000"/>
+            </a:schemeClr>
+          </a:solidFill>
+          <a:ln>
+            <a:noFill/>
+          </a:ln>
+        </p:spPr>
+        <p:style>
+          <a:lnRef idx="2">
+            <a:schemeClr val="accent1">
+              <a:shade val="50000"/>
+            </a:schemeClr>
+          </a:lnRef>
+          <a:fillRef idx="1">
+            <a:schemeClr val="accent1"/>
+          </a:fillRef>
+          <a:effectRef idx="0">
+            <a:schemeClr val="accent1"/>
+          </a:effectRef>
+          <a:fontRef idx="minor">
+            <a:schemeClr val="lt1"/>
+          </a:fontRef>
+        </p:style>
+        <p:txBody>
+          <a:bodyPr wrap="square" rtlCol="0" anchor="ctr">
+            <a:noAutofit/>
+          </a:bodyPr>
+          <a:lstStyle/>
+          <a:p>
+            <a:pPr algn="ctr"/>
+            <a:endParaRPr lang="en-US" dirty="0"/>
+          </a:p>
+        </p:txBody>
+      </p:sp>
+      <p:sp>
+        <p:nvSpPr>
+          <p:cNvPr id="2" name="제목 1">
+            <a:extLst>
+              <a:ext uri="{FF2B5EF4-FFF2-40B4-BE49-F238E27FC236}">
+                <a16:creationId xmlns:a16="http://schemas.microsoft.com/office/drawing/2014/main" id="{0DF44C5E-B589-4043-AE60-575F60EF0DA9}"/>
+              </a:ext>
+            </a:extLst>
+          </p:cNvPr>
+          <p:cNvSpPr>
+            <a:spLocks noGrp="1"/>
+          </p:cNvSpPr>
+          <p:nvPr>
+            <p:ph type="title"/>
+          </p:nvPr>
+        </p:nvSpPr>
+        <p:spPr>
+          <a:xfrm>
+            <a:off x="765051" y="662400"/>
+            <a:ext cx="3384000" cy="1492132"/>
+          </a:xfrm>
+        </p:spPr>
+        <p:txBody>
+          <a:bodyPr vert="horz" lIns="91440" tIns="45720" rIns="91440" bIns="45720" rtlCol="0" anchor="t">
+            <a:normAutofit/>
+          </a:bodyPr>
+          <a:lstStyle/>
+          <a:p>
+            <a:r>
+              <a:rPr kumimoji="1" lang="en-US" altLang="ko-Kore-KR" sz="3600" b="1" kern="1200" dirty="0">
+                <a:solidFill>
+                  <a:schemeClr val="bg1"/>
+                </a:solidFill>
+                <a:latin typeface="+mj-lt"/>
+                <a:ea typeface="+mj-ea"/>
+                <a:cs typeface="+mj-cs"/>
+              </a:rPr>
+              <a:t>Oracle APEX 101</a:t>
+            </a:r>
+          </a:p>
+          <a:p>
+            <a:r>
+              <a:rPr kumimoji="1" lang="en-US" altLang="ko-Kore-KR" sz="3600" b="1" kern="1200" dirty="0">
+                <a:solidFill>
+                  <a:schemeClr val="bg1"/>
+                </a:solidFill>
+                <a:latin typeface="+mj-lt"/>
+                <a:ea typeface="+mj-ea"/>
+                <a:cs typeface="+mj-cs"/>
+              </a:rPr>
+              <a:t>- </a:t>
+            </a:r>
+            <a:r>
+              <a:rPr kumimoji="1" lang="en-US" altLang="en-US" sz="3600" b="1" kern="1200" dirty="0" err="1">
+                <a:solidFill>
+                  <a:schemeClr val="bg1"/>
+                </a:solidFill>
+                <a:latin typeface="+mj-lt"/>
+                <a:ea typeface="+mj-ea"/>
+                <a:cs typeface="+mj-cs"/>
+              </a:rPr>
+              <a:t>기본</a:t>
+            </a:r>
+            <a:r>
+              <a:rPr kumimoji="1" lang="en-US" altLang="en-US" sz="3600" b="1" kern="1200" dirty="0">
+                <a:solidFill>
+                  <a:schemeClr val="bg1"/>
+                </a:solidFill>
+                <a:latin typeface="+mj-lt"/>
+                <a:ea typeface="+mj-ea"/>
+                <a:cs typeface="+mj-cs"/>
+              </a:rPr>
+              <a:t> </a:t>
+            </a:r>
+            <a:r>
+              <a:rPr kumimoji="1" lang="en-US" altLang="en-US" sz="3600" b="1" kern="1200" dirty="0" err="1">
+                <a:solidFill>
+                  <a:schemeClr val="bg1"/>
+                </a:solidFill>
+                <a:latin typeface="+mj-lt"/>
+                <a:ea typeface="+mj-ea"/>
+                <a:cs typeface="+mj-cs"/>
+              </a:rPr>
+              <a:t>입문편</a:t>
+            </a:r>
+            <a:endParaRPr kumimoji="1" lang="en-US" altLang="ko-Kore-KR" sz="3600" b="1" kern="1200" dirty="0">
+              <a:solidFill>
+                <a:schemeClr val="bg1"/>
+              </a:solidFill>
+              <a:latin typeface="+mj-lt"/>
+              <a:ea typeface="+mj-ea"/>
+              <a:cs typeface="+mj-cs"/>
+            </a:endParaRPr>
+          </a:p>
+        </p:txBody>
+      </p:sp>
+      <p:sp>
+        <p:nvSpPr>
+          <p:cNvPr id="8" name="직사각형 7">
+            <a:extLst>
+              <a:ext uri="{FF2B5EF4-FFF2-40B4-BE49-F238E27FC236}">
+                <a16:creationId xmlns:a16="http://schemas.microsoft.com/office/drawing/2014/main" id="{178768E9-3E0C-AC46-85A8-39909E0993B5}"/>
+              </a:ext>
+            </a:extLst>
+          </p:cNvPr>
+          <p:cNvSpPr/>
+          <p:nvPr/>
+        </p:nvSpPr>
+        <p:spPr>
+          <a:xfrm>
+            <a:off x="765051" y="2286000"/>
+            <a:ext cx="3384000" cy="3844800"/>
+          </a:xfrm>
+        </p:spPr>
+        <p:style>
+          <a:lnRef idx="2">
+            <a:schemeClr val="accent1">
+              <a:shade val="50000"/>
+            </a:schemeClr>
+          </a:lnRef>
+          <a:fillRef idx="1">
+            <a:schemeClr val="accent1"/>
+          </a:fillRef>
+          <a:effectRef idx="0">
+            <a:schemeClr val="accent1"/>
+          </a:effectRef>
+          <a:fontRef idx="minor">
+            <a:schemeClr val="lt1"/>
+          </a:fontRef>
+        </p:style>
+        <p:txBody>
+          <a:bodyPr vert="horz" lIns="91440" tIns="45720" rIns="91440" bIns="45720" rtlCol="0">
+            <a:normAutofit/>
+          </a:bodyPr>
+          <a:lstStyle/>
+          <a:p>
+            <a:pPr>
+              <a:lnSpc>
+                <a:spcPct val="90000"/>
+              </a:lnSpc>
+              <a:spcAft>
+                <a:spcPts val="600"/>
+              </a:spcAft>
+            </a:pPr>
+            <a:endParaRPr lang="ko-KR" altLang="en-US" b="1" dirty="0"/>
+          </a:p>
+        </p:txBody>
+      </p:sp>
+      <p:sp>
+        <p:nvSpPr>
+          <p:cNvPr id="7" name="직사각형 6">
+            <a:extLst>
+              <a:ext uri="{FF2B5EF4-FFF2-40B4-BE49-F238E27FC236}">
+                <a16:creationId xmlns:a16="http://schemas.microsoft.com/office/drawing/2014/main" id="{804D1351-2F12-B34F-80A7-08F1FE5D7619}"/>
+              </a:ext>
+            </a:extLst>
+          </p:cNvPr>
+          <p:cNvSpPr/>
+          <p:nvPr/>
+        </p:nvSpPr>
+        <p:spPr>
+          <a:xfrm>
+            <a:off x="10744546" y="-24385"/>
+            <a:ext cx="1447454" cy="1484555"/>
+          </a:xfrm>
+          <a:prstGeom prst="rect">
+            <a:avLst/>
+          </a:prstGeom>
+        </p:spPr>
+        <p:style>
+          <a:lnRef idx="2">
+            <a:schemeClr val="accent1">
+              <a:shade val="50000"/>
+            </a:schemeClr>
+          </a:lnRef>
+          <a:fillRef idx="1">
+            <a:schemeClr val="accent1"/>
+          </a:fillRef>
+          <a:effectRef idx="0">
+            <a:schemeClr val="accent1"/>
+          </a:effectRef>
+          <a:fontRef idx="minor">
+            <a:schemeClr val="lt1"/>
+          </a:fontRef>
+        </p:style>
+        <p:txBody>
+          <a:bodyPr rtlCol="0" anchor="ctr"/>
+          <a:lstStyle/>
+          <a:p>
+            <a:pPr algn="ctr"/>
+            <a:endParaRPr kumimoji="1" lang="ko-Kore-KR" altLang="en-US"/>
+          </a:p>
+        </p:txBody>
+      </p:sp>
+      <p:sp>
+        <p:nvSpPr>
+          <p:cNvPr id="12" name="직사각형 11">
+            <a:extLst>
+              <a:ext uri="{FF2B5EF4-FFF2-40B4-BE49-F238E27FC236}">
+                <a16:creationId xmlns:a16="http://schemas.microsoft.com/office/drawing/2014/main" id="{CEEF1D57-E521-E641-A429-B7D5CF128F4A}"/>
+              </a:ext>
+            </a:extLst>
+          </p:cNvPr>
+          <p:cNvSpPr/>
+          <p:nvPr/>
+        </p:nvSpPr>
+        <p:spPr>
+          <a:xfrm>
+            <a:off x="14517" y="5423888"/>
+            <a:ext cx="4134534" cy="1415772"/>
+          </a:xfrm>
+          <a:prstGeom prst="rect">
+            <a:avLst/>
+          </a:prstGeom>
+        </p:spPr>
+        <p:txBody>
+          <a:bodyPr wrap="square">
+            <a:spAutoFit/>
+          </a:bodyPr>
+          <a:lstStyle/>
+          <a:p>
+            <a:pPr>
+              <a:spcAft>
+                <a:spcPts val="600"/>
+              </a:spcAft>
+            </a:pPr>
+            <a:endParaRPr kumimoji="1" lang="en-US" altLang="ko-KR" sz="2800" b="1" dirty="0">
+              <a:solidFill>
+                <a:schemeClr val="bg1"/>
+              </a:solidFill>
+            </a:endParaRPr>
+          </a:p>
+          <a:p>
+            <a:pPr>
+              <a:spcAft>
+                <a:spcPts val="600"/>
+              </a:spcAft>
+            </a:pPr>
+            <a:r>
+              <a:rPr kumimoji="1" lang="en-US" altLang="ko-KR" sz="2400" b="1" dirty="0">
+                <a:solidFill>
+                  <a:schemeClr val="bg1"/>
+                </a:solidFill>
+              </a:rPr>
+              <a:t>- APEX: 20.2</a:t>
+            </a:r>
+          </a:p>
+          <a:p>
+            <a:pPr>
+              <a:spcAft>
+                <a:spcPts val="600"/>
+              </a:spcAft>
+            </a:pPr>
+            <a:r>
+              <a:rPr kumimoji="1" lang="en-US" altLang="ko-KR" sz="2400" b="1" dirty="0">
+                <a:solidFill>
+                  <a:schemeClr val="bg1"/>
+                </a:solidFill>
+              </a:rPr>
+              <a:t>- 2021-07</a:t>
+            </a:r>
+            <a:endParaRPr kumimoji="1" lang="ko-KR" altLang="en-US" sz="2400" b="1" dirty="0">
+              <a:solidFill>
+                <a:schemeClr val="bg1"/>
+              </a:solidFill>
+            </a:endParaRPr>
+          </a:p>
+        </p:txBody>
+      </p:sp>
+      <p:pic>
+        <p:nvPicPr>
+          <p:cNvPr id="6" name="그림 5">
+            <a:extLst>
+              <a:ext uri="{FF2B5EF4-FFF2-40B4-BE49-F238E27FC236}">
+                <a16:creationId xmlns:a16="http://schemas.microsoft.com/office/drawing/2014/main" id="{C47B4F0A-62D8-C94E-BB85-FAFFB06177B5}"/>
+              </a:ext>
+            </a:extLst>
+          </p:cNvPr>
+          <p:cNvPicPr>
+            <a:picLocks noChangeAspect="1"/>
+          </p:cNvPicPr>
+          <p:nvPr/>
+        </p:nvPicPr>
+        <p:blipFill>
+          <a:blip r:embed="rId3"/>
+          <a:stretch>
+            <a:fillRect/>
+          </a:stretch>
+        </p:blipFill>
+        <p:spPr>
+          <a:xfrm>
+            <a:off x="10731830" y="0"/>
+            <a:ext cx="1460170" cy="1460170"/>
+          </a:xfrm>
+          <a:prstGeom prst="rect">
+            <a:avLst/>
+          </a:prstGeom>
+        </p:spPr>
+      </p:pic>
+      <p:sp>
+        <p:nvSpPr>
+          <p:cNvPr id="9" name="직사각형 8">
+            <a:extLst>
+              <a:ext uri="{FF2B5EF4-FFF2-40B4-BE49-F238E27FC236}">
+                <a16:creationId xmlns:a16="http://schemas.microsoft.com/office/drawing/2014/main" id="{BF98C704-CCEC-BE4B-93DC-DD2B4678ADB6}"/>
+              </a:ext>
+            </a:extLst>
+          </p:cNvPr>
+          <p:cNvSpPr/>
+          <p:nvPr/>
+        </p:nvSpPr>
+        <p:spPr>
+          <a:xfrm>
+            <a:off x="6005662" y="-24385"/>
+            <a:ext cx="4736105" cy="707886"/>
+          </a:xfrm>
+          <a:prstGeom prst="rect">
+            <a:avLst/>
+          </a:prstGeom>
+        </p:spPr>
+        <p:txBody>
+          <a:bodyPr wrap="none">
+            <a:spAutoFit/>
+          </a:bodyPr>
+          <a:lstStyle/>
+          <a:p>
+            <a:r>
+              <a:rPr lang="ko-Kore-KR" altLang="en-US" sz="4000" dirty="0"/>
+              <a:t>https://bit.ly/3eOiReL</a:t>
+            </a:r>
+          </a:p>
+        </p:txBody>
+      </p:sp>
+      <p:pic>
+        <p:nvPicPr>
+          <p:cNvPr id="20" name="내용 개체 틀 10" descr="텍스트, 검은색이(가) 표시된 사진&#10;&#10;자동 생성된 설명">
+            <a:extLst>
+              <a:ext uri="{FF2B5EF4-FFF2-40B4-BE49-F238E27FC236}">
+                <a16:creationId xmlns:a16="http://schemas.microsoft.com/office/drawing/2014/main" id="{A61D64CB-662C-8B45-8511-4EA4D6B4ED6B}"/>
+              </a:ext>
+            </a:extLst>
+          </p:cNvPr>
+          <p:cNvPicPr>
+            <a:picLocks noChangeAspect="1"/>
+          </p:cNvPicPr>
+          <p:nvPr/>
+        </p:nvPicPr>
+        <p:blipFill>
+          <a:blip r:embed="rId4"/>
+          <a:stretch>
+            <a:fillRect/>
+          </a:stretch>
+        </p:blipFill>
+        <p:spPr>
+          <a:xfrm>
+            <a:off x="4918582" y="1828801"/>
+            <a:ext cx="6952721" cy="4467122"/>
+          </a:xfrm>
+          <a:prstGeom prst="rect">
+            <a:avLst/>
+          </a:prstGeom>
+        </p:spPr>
+      </p:pic>
+      <p:sp>
+        <p:nvSpPr>
+          <p:cNvPr id="25" name="직사각형 24">
+            <a:extLst>
+              <a:ext uri="{FF2B5EF4-FFF2-40B4-BE49-F238E27FC236}">
+                <a16:creationId xmlns:a16="http://schemas.microsoft.com/office/drawing/2014/main" id="{8A3512A9-9EED-2A41-A14C-B67E5220EC99}"/>
+              </a:ext>
+            </a:extLst>
+          </p:cNvPr>
+          <p:cNvSpPr/>
+          <p:nvPr/>
+        </p:nvSpPr>
+        <p:spPr>
+          <a:xfrm>
+            <a:off x="152400" y="2487168"/>
+            <a:ext cx="4459432" cy="1278421"/>
+          </a:xfrm>
+          <a:prstGeom prst="rect">
+            <a:avLst/>
+          </a:prstGeom>
+          <a:noFill/>
+          <a:ln>
+            <a:noFill/>
+          </a:ln>
+        </p:spPr>
+        <p:style>
+          <a:lnRef idx="2">
+            <a:schemeClr val="accent1">
+              <a:shade val="50000"/>
+            </a:schemeClr>
+          </a:lnRef>
+          <a:fillRef idx="1">
+            <a:schemeClr val="accent1"/>
+          </a:fillRef>
+          <a:effectRef idx="0">
+            <a:schemeClr val="accent1"/>
+          </a:effectRef>
+          <a:fontRef idx="minor">
+            <a:schemeClr val="lt1"/>
+          </a:fontRef>
+        </p:style>
+        <p:txBody>
+          <a:bodyPr rtlCol="0" anchor="ctr"/>
+          <a:lstStyle/>
+          <a:p>
+            <a:pPr>
+              <a:spcAft>
+                <a:spcPts val="600"/>
+              </a:spcAft>
+            </a:pPr>
+            <a:r>
+              <a:rPr kumimoji="1" lang="en-US" altLang="ko-Kore-KR" sz="2400" b="1" dirty="0">
+                <a:solidFill>
+                  <a:srgbClr val="FFC000"/>
+                </a:solidFill>
+              </a:rPr>
+              <a:t>M02</a:t>
+            </a:r>
+            <a:r>
+              <a:rPr kumimoji="1" lang="en-US" altLang="ko-KR" sz="2400" b="1" dirty="0">
+                <a:solidFill>
+                  <a:srgbClr val="FFC000"/>
+                </a:solidFill>
+              </a:rPr>
+              <a:t>-02</a:t>
+            </a:r>
+            <a:r>
+              <a:rPr kumimoji="1" lang="en-US" altLang="ko-Kore-KR" sz="2400" b="1" dirty="0">
+                <a:solidFill>
+                  <a:srgbClr val="FFC000"/>
+                </a:solidFill>
+              </a:rPr>
+              <a:t>. </a:t>
+            </a:r>
+            <a:r>
+              <a:rPr kumimoji="1" lang="ko-KR" altLang="en-US" sz="2400" b="1" dirty="0">
+                <a:solidFill>
+                  <a:srgbClr val="FFC000"/>
+                </a:solidFill>
+              </a:rPr>
+              <a:t>직원 정보 관리 테이블 생성</a:t>
+            </a:r>
+          </a:p>
+        </p:txBody>
+      </p:sp>
+    </p:spTree>
+    <p:extLst>
+      <p:ext uri="{BB962C8B-B14F-4D97-AF65-F5344CB8AC3E}">
+        <p14:creationId xmlns:p14="http://schemas.microsoft.com/office/powerpoint/2010/main" val="4263096573"/>
+      </p:ext>
+    </p:extLst>
+  </p:cSld>
+  <p:clrMapOvr>
+    <a:masterClrMapping/>
+  </p:clrMapOvr>
+</p:sld>
+</file>
+
+<file path=ppt/slides/slide3.xml><?xml version="1.0" encoding="utf-8"?>
+<p:sld xmlns:a="http://schemas.openxmlformats.org/drawingml/2006/main" xmlns:r="http://schemas.openxmlformats.org/officeDocument/2006/relationships" xmlns:p="http://schemas.openxmlformats.org/presentationml/2006/main">
+  <p:cSld>
+    <p:spTree>
+      <p:nvGrpSpPr>
+        <p:cNvPr id="1" name=""/>
+        <p:cNvGrpSpPr/>
+        <p:nvPr/>
+      </p:nvGrpSpPr>
+      <p:grpSpPr>
+        <a:xfrm>
+          <a:off x="0" y="0"/>
+          <a:ext cx="0" cy="0"/>
+          <a:chOff x="0" y="0"/>
+          <a:chExt cx="0" cy="0"/>
+        </a:xfrm>
+      </p:grpSpPr>
+      <p:sp>
+        <p:nvSpPr>
+          <p:cNvPr id="5" name="직사각형 4">
+            <a:extLst>
+              <a:ext uri="{FF2B5EF4-FFF2-40B4-BE49-F238E27FC236}">
+                <a16:creationId xmlns:a16="http://schemas.microsoft.com/office/drawing/2014/main" id="{939FE6F8-80B7-6345-9349-0F9A890CB8BC}"/>
+              </a:ext>
+            </a:extLst>
+          </p:cNvPr>
+          <p:cNvSpPr/>
+          <p:nvPr/>
+        </p:nvSpPr>
+        <p:spPr>
+          <a:xfrm>
+            <a:off x="3069" y="18356"/>
+            <a:ext cx="3372655" cy="523220"/>
+          </a:xfrm>
+          <a:prstGeom prst="rect">
+            <a:avLst/>
+          </a:prstGeom>
+        </p:spPr>
+        <p:txBody>
+          <a:bodyPr wrap="none">
+            <a:spAutoFit/>
+          </a:bodyPr>
+          <a:lstStyle/>
+          <a:p>
+            <a:r>
+              <a:rPr lang="ko-Kore-KR" altLang="en-US" sz="2800" dirty="0"/>
+              <a:t>https://bit.ly/3eOiReL</a:t>
+            </a:r>
+          </a:p>
+        </p:txBody>
+      </p:sp>
+      <p:pic>
+        <p:nvPicPr>
+          <p:cNvPr id="7" name="그림 6" descr="텍스트이(가) 표시된 사진&#10;&#10;자동 생성된 설명">
+            <a:extLst>
+              <a:ext uri="{FF2B5EF4-FFF2-40B4-BE49-F238E27FC236}">
+                <a16:creationId xmlns:a16="http://schemas.microsoft.com/office/drawing/2014/main" id="{68F54C05-872F-4446-A421-CAEB901BB938}"/>
+              </a:ext>
+            </a:extLst>
+          </p:cNvPr>
+          <p:cNvPicPr>
+            <a:picLocks noChangeAspect="1"/>
+          </p:cNvPicPr>
+          <p:nvPr/>
+        </p:nvPicPr>
+        <p:blipFill>
+          <a:blip r:embed="rId3"/>
+          <a:stretch>
+            <a:fillRect/>
+          </a:stretch>
+        </p:blipFill>
+        <p:spPr>
+          <a:xfrm>
+            <a:off x="0" y="559811"/>
+            <a:ext cx="12192000" cy="6298189"/>
+          </a:xfrm>
+          <a:prstGeom prst="rect">
+            <a:avLst/>
+          </a:prstGeom>
+        </p:spPr>
+      </p:pic>
+      <p:sp>
+        <p:nvSpPr>
+          <p:cNvPr id="8" name="직사각형 7">
+            <a:extLst>
+              <a:ext uri="{FF2B5EF4-FFF2-40B4-BE49-F238E27FC236}">
+                <a16:creationId xmlns:a16="http://schemas.microsoft.com/office/drawing/2014/main" id="{89EC6321-4956-6240-BB22-78AB9EA7E53D}"/>
+              </a:ext>
+            </a:extLst>
+          </p:cNvPr>
+          <p:cNvSpPr/>
+          <p:nvPr/>
+        </p:nvSpPr>
+        <p:spPr>
+          <a:xfrm>
+            <a:off x="3130475" y="4507454"/>
+            <a:ext cx="8477026" cy="2226833"/>
+          </a:xfrm>
+          <a:prstGeom prst="rect">
+            <a:avLst/>
+          </a:prstGeom>
+          <a:solidFill>
+            <a:schemeClr val="bg1"/>
+          </a:solidFill>
+          <a:ln>
+            <a:noFill/>
+          </a:ln>
+        </p:spPr>
+        <p:style>
+          <a:lnRef idx="2">
+            <a:schemeClr val="accent1">
+              <a:shade val="50000"/>
+            </a:schemeClr>
+          </a:lnRef>
+          <a:fillRef idx="1">
+            <a:schemeClr val="accent1"/>
+          </a:fillRef>
+          <a:effectRef idx="0">
+            <a:schemeClr val="accent1"/>
+          </a:effectRef>
+          <a:fontRef idx="minor">
+            <a:schemeClr val="lt1"/>
+          </a:fontRef>
+        </p:style>
+        <p:txBody>
+          <a:bodyPr rtlCol="0" anchor="ctr"/>
+          <a:lstStyle/>
+          <a:p>
+            <a:pPr algn="ctr"/>
+            <a:endParaRPr kumimoji="1" lang="ko-Kore-KR" altLang="en-US"/>
+          </a:p>
+        </p:txBody>
+      </p:sp>
+      <p:pic>
+        <p:nvPicPr>
+          <p:cNvPr id="10" name="그림 9" descr="텍스트, 스크린샷, 모니터이(가) 표시된 사진&#10;&#10;자동 생성된 설명">
+            <a:extLst>
+              <a:ext uri="{FF2B5EF4-FFF2-40B4-BE49-F238E27FC236}">
+                <a16:creationId xmlns:a16="http://schemas.microsoft.com/office/drawing/2014/main" id="{752622E1-CA36-924B-BBF1-36D6912868EC}"/>
+              </a:ext>
+            </a:extLst>
+          </p:cNvPr>
+          <p:cNvPicPr>
+            <a:picLocks noChangeAspect="1"/>
+          </p:cNvPicPr>
+          <p:nvPr/>
+        </p:nvPicPr>
+        <p:blipFill>
+          <a:blip r:embed="rId4"/>
+          <a:stretch>
+            <a:fillRect/>
+          </a:stretch>
+        </p:blipFill>
+        <p:spPr>
+          <a:xfrm>
+            <a:off x="3375724" y="4383741"/>
+            <a:ext cx="8735210" cy="1977596"/>
+          </a:xfrm>
+          <a:prstGeom prst="rect">
+            <a:avLst/>
+          </a:prstGeom>
+        </p:spPr>
+      </p:pic>
+    </p:spTree>
+    <p:extLst>
+      <p:ext uri="{BB962C8B-B14F-4D97-AF65-F5344CB8AC3E}">
+        <p14:creationId xmlns:p14="http://schemas.microsoft.com/office/powerpoint/2010/main" val="4216700887"/>
+      </p:ext>
+    </p:extLst>
+  </p:cSld>
+  <p:clrMapOvr>
+    <a:masterClrMapping/>
+  </p:clrMapOvr>
+</p:sld>
+</file>
+
+<file path=ppt/slides/slide4.xml><?xml version="1.0" encoding="utf-8"?>
+<p:sld xmlns:a="http://schemas.openxmlformats.org/drawingml/2006/main" xmlns:r="http://schemas.openxmlformats.org/officeDocument/2006/relationships" xmlns:p="http://schemas.openxmlformats.org/presentationml/2006/main">
+  <p:cSld>
+    <p:spTree>
+      <p:nvGrpSpPr>
+        <p:cNvPr id="1" name=""/>
+        <p:cNvGrpSpPr/>
+        <p:nvPr/>
+      </p:nvGrpSpPr>
+      <p:grpSpPr>
+        <a:xfrm>
+          <a:off x="0" y="0"/>
+          <a:ext cx="0" cy="0"/>
+          <a:chOff x="0" y="0"/>
+          <a:chExt cx="0" cy="0"/>
+        </a:xfrm>
+      </p:grpSpPr>
+      <p:sp>
+        <p:nvSpPr>
+          <p:cNvPr id="2" name="제목 1">
+            <a:extLst>
+              <a:ext uri="{FF2B5EF4-FFF2-40B4-BE49-F238E27FC236}">
+                <a16:creationId xmlns:a16="http://schemas.microsoft.com/office/drawing/2014/main" id="{32C8C2F3-6173-C547-84CE-2BE87FF309C6}"/>
+              </a:ext>
+            </a:extLst>
+          </p:cNvPr>
+          <p:cNvSpPr>
+            <a:spLocks noGrp="1"/>
+          </p:cNvSpPr>
+          <p:nvPr>
+            <p:ph type="title"/>
+          </p:nvPr>
+        </p:nvSpPr>
+        <p:spPr/>
+        <p:txBody>
+          <a:bodyPr/>
+          <a:lstStyle/>
+          <a:p>
+            <a:endParaRPr kumimoji="1" lang="ko-Kore-KR" altLang="en-US"/>
+          </a:p>
+        </p:txBody>
+      </p:sp>
+      <p:pic>
+        <p:nvPicPr>
+          <p:cNvPr id="5" name="내용 개체 틀 4" descr="텍스트이(가) 표시된 사진&#10;&#10;자동 생성된 설명">
+            <a:extLst>
+              <a:ext uri="{FF2B5EF4-FFF2-40B4-BE49-F238E27FC236}">
+                <a16:creationId xmlns:a16="http://schemas.microsoft.com/office/drawing/2014/main" id="{76E5A01C-0C0A-B848-804B-FC48A238726E}"/>
+              </a:ext>
+            </a:extLst>
+          </p:cNvPr>
+          <p:cNvPicPr>
+            <a:picLocks noGrp="1" noChangeAspect="1"/>
+          </p:cNvPicPr>
+          <p:nvPr>
+            <p:ph idx="1"/>
+          </p:nvPr>
+        </p:nvPicPr>
+        <p:blipFill rotWithShape="1">
+          <a:blip r:embed="rId3"/>
+          <a:srcRect b="18433"/>
+          <a:stretch/>
+        </p:blipFill>
+        <p:spPr>
+          <a:xfrm>
+            <a:off x="-1" y="711200"/>
+            <a:ext cx="6467677" cy="5138057"/>
+          </a:xfrm>
+        </p:spPr>
+      </p:pic>
+      <p:pic>
+        <p:nvPicPr>
+          <p:cNvPr id="7" name="그림 6" descr="텍스트이(가) 표시된 사진&#10;&#10;자동 생성된 설명">
+            <a:extLst>
+              <a:ext uri="{FF2B5EF4-FFF2-40B4-BE49-F238E27FC236}">
+                <a16:creationId xmlns:a16="http://schemas.microsoft.com/office/drawing/2014/main" id="{9682CD87-8232-E74A-914F-CAF952733D05}"/>
+              </a:ext>
+            </a:extLst>
+          </p:cNvPr>
+          <p:cNvPicPr>
+            <a:picLocks noChangeAspect="1"/>
+          </p:cNvPicPr>
+          <p:nvPr/>
+        </p:nvPicPr>
+        <p:blipFill rotWithShape="1">
+          <a:blip r:embed="rId4"/>
+          <a:srcRect t="16931"/>
+          <a:stretch/>
+        </p:blipFill>
+        <p:spPr>
+          <a:xfrm>
+            <a:off x="6511218" y="711200"/>
+            <a:ext cx="5690310" cy="5696857"/>
+          </a:xfrm>
+          <a:prstGeom prst="rect">
+            <a:avLst/>
+          </a:prstGeom>
+        </p:spPr>
+      </p:pic>
+    </p:spTree>
+    <p:extLst>
+      <p:ext uri="{BB962C8B-B14F-4D97-AF65-F5344CB8AC3E}">
+        <p14:creationId xmlns:p14="http://schemas.microsoft.com/office/powerpoint/2010/main" val="193473414"/>
+      </p:ext>
+    </p:extLst>
+  </p:cSld>
+  <p:clrMapOvr>
+    <a:masterClrMapping/>
+  </p:clrMapOvr>
+</p:sld>
+</file>
+
+<file path=ppt/slides/slide5.xml><?xml version="1.0" encoding="utf-8"?>
+<p:sld xmlns:a="http://schemas.openxmlformats.org/drawingml/2006/main" xmlns:r="http://schemas.openxmlformats.org/officeDocument/2006/relationships" xmlns:p="http://schemas.openxmlformats.org/presentationml/2006/main">
+  <p:cSld>
+    <p:spTree>
+      <p:nvGrpSpPr>
+        <p:cNvPr id="1" name=""/>
+        <p:cNvGrpSpPr/>
+        <p:nvPr/>
+      </p:nvGrpSpPr>
+      <p:grpSpPr>
+        <a:xfrm>
+          <a:off x="0" y="0"/>
+          <a:ext cx="0" cy="0"/>
+          <a:chOff x="0" y="0"/>
+          <a:chExt cx="0" cy="0"/>
+        </a:xfrm>
+      </p:grpSpPr>
+      <p:pic>
+        <p:nvPicPr>
+          <p:cNvPr id="5" name="그림 4">
+            <a:extLst>
+              <a:ext uri="{FF2B5EF4-FFF2-40B4-BE49-F238E27FC236}">
+                <a16:creationId xmlns:a16="http://schemas.microsoft.com/office/drawing/2014/main" id="{593BD3B3-1483-6C49-92D8-C437FE584E74}"/>
+              </a:ext>
+            </a:extLst>
+          </p:cNvPr>
+          <p:cNvPicPr>
+            <a:picLocks noChangeAspect="1"/>
+          </p:cNvPicPr>
+          <p:nvPr/>
+        </p:nvPicPr>
+        <p:blipFill>
+          <a:blip r:embed="rId3"/>
+          <a:stretch>
+            <a:fillRect/>
+          </a:stretch>
+        </p:blipFill>
+        <p:spPr>
+          <a:xfrm>
+            <a:off x="1206591" y="0"/>
+            <a:ext cx="9778817" cy="6858000"/>
+          </a:xfrm>
+          <a:prstGeom prst="rect">
+            <a:avLst/>
+          </a:prstGeom>
+          <a:ln>
+            <a:solidFill>
+              <a:schemeClr val="tx1"/>
+            </a:solidFill>
+          </a:ln>
+        </p:spPr>
+      </p:pic>
+      <p:sp>
+        <p:nvSpPr>
+          <p:cNvPr id="6" name="TextBox 5">
+            <a:extLst>
+              <a:ext uri="{FF2B5EF4-FFF2-40B4-BE49-F238E27FC236}">
+                <a16:creationId xmlns:a16="http://schemas.microsoft.com/office/drawing/2014/main" id="{CC160F3F-4E98-FB4F-8845-B27BBB874974}"/>
+              </a:ext>
+            </a:extLst>
+          </p:cNvPr>
+          <p:cNvSpPr txBox="1"/>
+          <p:nvPr/>
+        </p:nvSpPr>
+        <p:spPr>
+          <a:xfrm>
+            <a:off x="72571" y="1436914"/>
+            <a:ext cx="184731" cy="646331"/>
+          </a:xfrm>
+          <a:prstGeom prst="rect">
+            <a:avLst/>
+          </a:prstGeom>
+          <a:noFill/>
+        </p:spPr>
+        <p:txBody>
+          <a:bodyPr wrap="none" rtlCol="0">
+            <a:spAutoFit/>
+          </a:bodyPr>
+          <a:lstStyle/>
+          <a:p>
+            <a:endParaRPr kumimoji="1" lang="en-US" altLang="ko-Kore-KR" dirty="0"/>
+          </a:p>
+          <a:p>
+            <a:endParaRPr kumimoji="1" lang="ko-Kore-KR" altLang="en-US" dirty="0"/>
+          </a:p>
+        </p:txBody>
+      </p:sp>
+    </p:spTree>
+    <p:extLst>
+      <p:ext uri="{BB962C8B-B14F-4D97-AF65-F5344CB8AC3E}">
+        <p14:creationId xmlns:p14="http://schemas.microsoft.com/office/powerpoint/2010/main" val="698671720"/>
+      </p:ext>
+    </p:extLst>
+  </p:cSld>
+  <p:clrMapOvr>
+    <a:masterClrMapping/>
+  </p:clrMapOvr>
+</p:sld>
+</file>
+
+<file path=ppt/slides/slide6.xml><?xml version="1.0" encoding="utf-8"?>
+<p:sld xmlns:a="http://schemas.openxmlformats.org/drawingml/2006/main" xmlns:r="http://schemas.openxmlformats.org/officeDocument/2006/relationships" xmlns:p="http://schemas.openxmlformats.org/presentationml/2006/main">
+  <p:cSld>
+    <p:spTree>
+      <p:nvGrpSpPr>
+        <p:cNvPr id="1" name=""/>
+        <p:cNvGrpSpPr/>
+        <p:nvPr/>
+      </p:nvGrpSpPr>
+      <p:grpSpPr>
+        <a:xfrm>
+          <a:off x="0" y="0"/>
+          <a:ext cx="0" cy="0"/>
+          <a:chOff x="0" y="0"/>
+          <a:chExt cx="0" cy="0"/>
+        </a:xfrm>
+      </p:grpSpPr>
+      <p:sp>
+        <p:nvSpPr>
+          <p:cNvPr id="2" name="제목 1">
+            <a:extLst>
+              <a:ext uri="{FF2B5EF4-FFF2-40B4-BE49-F238E27FC236}">
+                <a16:creationId xmlns:a16="http://schemas.microsoft.com/office/drawing/2014/main" id="{36D2040E-2C67-B440-93C9-195968AA653D}"/>
+              </a:ext>
+            </a:extLst>
+          </p:cNvPr>
+          <p:cNvSpPr>
+            <a:spLocks noGrp="1"/>
+          </p:cNvSpPr>
+          <p:nvPr>
+            <p:ph type="title"/>
+          </p:nvPr>
+        </p:nvSpPr>
+        <p:spPr/>
+        <p:txBody>
+          <a:bodyPr/>
+          <a:lstStyle/>
+          <a:p>
+            <a:endParaRPr kumimoji="1" lang="ko-Kore-KR" altLang="en-US"/>
+          </a:p>
+        </p:txBody>
+      </p:sp>
+      <p:pic>
+        <p:nvPicPr>
+          <p:cNvPr id="10" name="내용 개체 틀 4">
+            <a:extLst>
+              <a:ext uri="{FF2B5EF4-FFF2-40B4-BE49-F238E27FC236}">
+                <a16:creationId xmlns:a16="http://schemas.microsoft.com/office/drawing/2014/main" id="{7A65F431-AD9D-6C49-935A-3BD8EABCECB1}"/>
+              </a:ext>
+            </a:extLst>
+          </p:cNvPr>
+          <p:cNvPicPr>
+            <a:picLocks noChangeAspect="1"/>
+          </p:cNvPicPr>
+          <p:nvPr/>
+        </p:nvPicPr>
+        <p:blipFill>
+          <a:blip r:embed="rId2"/>
+          <a:stretch>
+            <a:fillRect/>
+          </a:stretch>
+        </p:blipFill>
+        <p:spPr>
+          <a:xfrm>
+            <a:off x="0" y="923486"/>
+            <a:ext cx="12192000" cy="4810822"/>
+          </a:xfrm>
+          <a:prstGeom prst="rect">
+            <a:avLst/>
+          </a:prstGeom>
+        </p:spPr>
+      </p:pic>
+      <p:sp>
+        <p:nvSpPr>
+          <p:cNvPr id="11" name="아래쪽 화살표[D] 10">
+            <a:extLst>
+              <a:ext uri="{FF2B5EF4-FFF2-40B4-BE49-F238E27FC236}">
+                <a16:creationId xmlns:a16="http://schemas.microsoft.com/office/drawing/2014/main" id="{413AD055-3EF8-2F4D-85BC-59057D288D41}"/>
+              </a:ext>
+            </a:extLst>
+          </p:cNvPr>
+          <p:cNvSpPr/>
+          <p:nvPr/>
+        </p:nvSpPr>
+        <p:spPr>
+          <a:xfrm>
+            <a:off x="5733143" y="653143"/>
+            <a:ext cx="914400" cy="1553028"/>
+          </a:xfrm>
+          <a:prstGeom prst="downArrow">
+            <a:avLst/>
+          </a:prstGeom>
+          <a:solidFill>
+            <a:schemeClr val="accent2"/>
+          </a:solidFill>
+        </p:spPr>
+        <p:style>
+          <a:lnRef idx="2">
+            <a:schemeClr val="accent1">
+              <a:shade val="50000"/>
+            </a:schemeClr>
+          </a:lnRef>
+          <a:fillRef idx="1">
+            <a:schemeClr val="accent1"/>
+          </a:fillRef>
+          <a:effectRef idx="0">
+            <a:schemeClr val="accent1"/>
+          </a:effectRef>
+          <a:fontRef idx="minor">
+            <a:schemeClr val="lt1"/>
+          </a:fontRef>
+        </p:style>
+        <p:txBody>
+          <a:bodyPr rtlCol="0" anchor="ctr"/>
+          <a:lstStyle/>
+          <a:p>
+            <a:pPr algn="ctr"/>
+            <a:endParaRPr kumimoji="1" lang="ko-Kore-KR" altLang="en-US"/>
+          </a:p>
+        </p:txBody>
+      </p:sp>
+    </p:spTree>
+    <p:extLst>
+      <p:ext uri="{BB962C8B-B14F-4D97-AF65-F5344CB8AC3E}">
+        <p14:creationId xmlns:p14="http://schemas.microsoft.com/office/powerpoint/2010/main" val="818182185"/>
       </p:ext>
     </p:extLst>
   </p:cSld>
@@ -6584,4 +10927,299 @@
     </a:ext>
   </a:extLst>
 </a:theme>
+</file>
+
+<file path=ppt/theme/theme2.xml><?xml version="1.0" encoding="utf-8"?>
+<a:theme xmlns:a="http://schemas.openxmlformats.org/drawingml/2006/main" name="Office 테마">
+  <a:themeElements>
+    <a:clrScheme name="Office">
+      <a:dk1>
+        <a:sysClr val="windowText" lastClr="000000"/>
+      </a:dk1>
+      <a:lt1>
+        <a:sysClr val="window" lastClr="FFFFFF"/>
+      </a:lt1>
+      <a:dk2>
+        <a:srgbClr val="44546A"/>
+      </a:dk2>
+      <a:lt2>
+        <a:srgbClr val="E7E6E6"/>
+      </a:lt2>
+      <a:accent1>
+        <a:srgbClr val="4472C4"/>
+      </a:accent1>
+      <a:accent2>
+        <a:srgbClr val="ED7D31"/>
+      </a:accent2>
+      <a:accent3>
+        <a:srgbClr val="A5A5A5"/>
+      </a:accent3>
+      <a:accent4>
+        <a:srgbClr val="FFC000"/>
+      </a:accent4>
+      <a:accent5>
+        <a:srgbClr val="5B9BD5"/>
+      </a:accent5>
+      <a:accent6>
+        <a:srgbClr val="70AD47"/>
+      </a:accent6>
+      <a:hlink>
+        <a:srgbClr val="0563C1"/>
+      </a:hlink>
+      <a:folHlink>
+        <a:srgbClr val="954F72"/>
+      </a:folHlink>
+    </a:clrScheme>
+    <a:fontScheme name="Office">
+      <a:majorFont>
+        <a:latin typeface="Calibri Light" panose="020F0302020204030204"/>
+        <a:ea typeface=""/>
+        <a:cs typeface=""/>
+        <a:font script="Jpan" typeface="游ゴシック Light"/>
+        <a:font script="Hang" typeface="맑은 고딕"/>
+        <a:font script="Hans" typeface="等线 Light"/>
+        <a:font script="Hant" typeface="新細明體"/>
+        <a:font script="Arab" typeface="Times New Roman"/>
+        <a:font script="Hebr" typeface="Times New Roman"/>
+        <a:font script="Thai" typeface="Angsana New"/>
+        <a:font script="Ethi" typeface="Nyala"/>
+        <a:font script="Beng" typeface="Vrinda"/>
+        <a:font script="Gujr" typeface="Shruti"/>
+        <a:font script="Khmr" typeface="MoolBoran"/>
+        <a:font script="Knda" typeface="Tunga"/>
+        <a:font script="Guru" typeface="Raavi"/>
+        <a:font script="Cans" typeface="Euphemia"/>
+        <a:font script="Cher" typeface="Plantagenet Cherokee"/>
+        <a:font script="Yiii" typeface="Microsoft Yi Baiti"/>
+        <a:font script="Tibt" typeface="Microsoft Himalaya"/>
+        <a:font script="Thaa" typeface="MV Boli"/>
+        <a:font script="Deva" typeface="Mangal"/>
+        <a:font script="Telu" typeface="Gautami"/>
+        <a:font script="Taml" typeface="Latha"/>
+        <a:font script="Syrc" typeface="Estrangelo Edessa"/>
+        <a:font script="Orya" typeface="Kalinga"/>
+        <a:font script="Mlym" typeface="Kartika"/>
+        <a:font script="Laoo" typeface="DokChampa"/>
+        <a:font script="Sinh" typeface="Iskoola Pota"/>
+        <a:font script="Mong" typeface="Mongolian Baiti"/>
+        <a:font script="Viet" typeface="Times New Roman"/>
+        <a:font script="Uigh" typeface="Microsoft Uighur"/>
+        <a:font script="Geor" typeface="Sylfaen"/>
+        <a:font script="Armn" typeface="Arial"/>
+        <a:font script="Bugi" typeface="Leelawadee UI"/>
+        <a:font script="Bopo" typeface="Microsoft JhengHei"/>
+        <a:font script="Java" typeface="Javanese Text"/>
+        <a:font script="Lisu" typeface="Segoe UI"/>
+        <a:font script="Mymr" typeface="Myanmar Text"/>
+        <a:font script="Nkoo" typeface="Ebrima"/>
+        <a:font script="Olck" typeface="Nirmala UI"/>
+        <a:font script="Osma" typeface="Ebrima"/>
+        <a:font script="Phag" typeface="Phagspa"/>
+        <a:font script="Syrn" typeface="Estrangelo Edessa"/>
+        <a:font script="Syrj" typeface="Estrangelo Edessa"/>
+        <a:font script="Syre" typeface="Estrangelo Edessa"/>
+        <a:font script="Sora" typeface="Nirmala UI"/>
+        <a:font script="Tale" typeface="Microsoft Tai Le"/>
+        <a:font script="Talu" typeface="Microsoft New Tai Lue"/>
+        <a:font script="Tfng" typeface="Ebrima"/>
+      </a:majorFont>
+      <a:minorFont>
+        <a:latin typeface="Calibri" panose="020F0502020204030204"/>
+        <a:ea typeface=""/>
+        <a:cs typeface=""/>
+        <a:font script="Jpan" typeface="游ゴシック"/>
+        <a:font script="Hang" typeface="맑은 고딕"/>
+        <a:font script="Hans" typeface="等线"/>
+        <a:font script="Hant" typeface="新細明體"/>
+        <a:font script="Arab" typeface="Arial"/>
+        <a:font script="Hebr" typeface="Arial"/>
+        <a:font script="Thai" typeface="Cordia New"/>
+        <a:font script="Ethi" typeface="Nyala"/>
+        <a:font script="Beng" typeface="Vrinda"/>
+        <a:font script="Gujr" typeface="Shruti"/>
+        <a:font script="Khmr" typeface="DaunPenh"/>
+        <a:font script="Knda" typeface="Tunga"/>
+        <a:font script="Guru" typeface="Raavi"/>
+        <a:font script="Cans" typeface="Euphemia"/>
+        <a:font script="Cher" typeface="Plantagenet Cherokee"/>
+        <a:font script="Yiii" typeface="Microsoft Yi Baiti"/>
+        <a:font script="Tibt" typeface="Microsoft Himalaya"/>
+        <a:font script="Thaa" typeface="MV Boli"/>
+        <a:font script="Deva" typeface="Mangal"/>
+        <a:font script="Telu" typeface="Gautami"/>
+        <a:font script="Taml" typeface="Latha"/>
+        <a:font script="Syrc" typeface="Estrangelo Edessa"/>
+        <a:font script="Orya" typeface="Kalinga"/>
+        <a:font script="Mlym" typeface="Kartika"/>
+        <a:font script="Laoo" typeface="DokChampa"/>
+        <a:font script="Sinh" typeface="Iskoola Pota"/>
+        <a:font script="Mong" typeface="Mongolian Baiti"/>
+        <a:font script="Viet" typeface="Arial"/>
+        <a:font script="Uigh" typeface="Microsoft Uighur"/>
+        <a:font script="Geor" typeface="Sylfaen"/>
+        <a:font script="Armn" typeface="Arial"/>
+        <a:font script="Bugi" typeface="Leelawadee UI"/>
+        <a:font script="Bopo" typeface="Microsoft JhengHei"/>
+        <a:font script="Java" typeface="Javanese Text"/>
+        <a:font script="Lisu" typeface="Segoe UI"/>
+        <a:font script="Mymr" typeface="Myanmar Text"/>
+        <a:font script="Nkoo" typeface="Ebrima"/>
+        <a:font script="Olck" typeface="Nirmala UI"/>
+        <a:font script="Osma" typeface="Ebrima"/>
+        <a:font script="Phag" typeface="Phagspa"/>
+        <a:font script="Syrn" typeface="Estrangelo Edessa"/>
+        <a:font script="Syrj" typeface="Estrangelo Edessa"/>
+        <a:font script="Syre" typeface="Estrangelo Edessa"/>
+        <a:font script="Sora" typeface="Nirmala UI"/>
+        <a:font script="Tale" typeface="Microsoft Tai Le"/>
+        <a:font script="Talu" typeface="Microsoft New Tai Lue"/>
+        <a:font script="Tfng" typeface="Ebrima"/>
+      </a:minorFont>
+    </a:fontScheme>
+    <a:fmtScheme name="Office">
+      <a:fillStyleLst>
+        <a:solidFill>
+          <a:schemeClr val="phClr"/>
+        </a:solidFill>
+        <a:gradFill rotWithShape="1">
+          <a:gsLst>
+            <a:gs pos="0">
+              <a:schemeClr val="phClr">
+                <a:lumMod val="110000"/>
+                <a:satMod val="105000"/>
+                <a:tint val="67000"/>
+              </a:schemeClr>
+            </a:gs>
+            <a:gs pos="50000">
+              <a:schemeClr val="phClr">
+                <a:lumMod val="105000"/>
+                <a:satMod val="103000"/>
+                <a:tint val="73000"/>
+              </a:schemeClr>
+            </a:gs>
+            <a:gs pos="100000">
+              <a:schemeClr val="phClr">
+                <a:lumMod val="105000"/>
+                <a:satMod val="109000"/>
+                <a:tint val="81000"/>
+              </a:schemeClr>
+            </a:gs>
+          </a:gsLst>
+          <a:lin ang="5400000" scaled="0"/>
+        </a:gradFill>
+        <a:gradFill rotWithShape="1">
+          <a:gsLst>
+            <a:gs pos="0">
+              <a:schemeClr val="phClr">
+                <a:satMod val="103000"/>
+                <a:lumMod val="102000"/>
+                <a:tint val="94000"/>
+              </a:schemeClr>
+            </a:gs>
+            <a:gs pos="50000">
+              <a:schemeClr val="phClr">
+                <a:satMod val="110000"/>
+                <a:lumMod val="100000"/>
+                <a:shade val="100000"/>
+              </a:schemeClr>
+            </a:gs>
+            <a:gs pos="100000">
+              <a:schemeClr val="phClr">
+                <a:lumMod val="99000"/>
+                <a:satMod val="120000"/>
+                <a:shade val="78000"/>
+              </a:schemeClr>
+            </a:gs>
+          </a:gsLst>
+          <a:lin ang="5400000" scaled="0"/>
+        </a:gradFill>
+      </a:fillStyleLst>
+      <a:lnStyleLst>
+        <a:ln w="6350" cap="flat" cmpd="sng" algn="ctr">
+          <a:solidFill>
+            <a:schemeClr val="phClr"/>
+          </a:solidFill>
+          <a:prstDash val="solid"/>
+          <a:miter lim="800000"/>
+        </a:ln>
+        <a:ln w="12700" cap="flat" cmpd="sng" algn="ctr">
+          <a:solidFill>
+            <a:schemeClr val="phClr"/>
+          </a:solidFill>
+          <a:prstDash val="solid"/>
+          <a:miter lim="800000"/>
+        </a:ln>
+        <a:ln w="19050" cap="flat" cmpd="sng" algn="ctr">
+          <a:solidFill>
+            <a:schemeClr val="phClr"/>
+          </a:solidFill>
+          <a:prstDash val="solid"/>
+          <a:miter lim="800000"/>
+        </a:ln>
+      </a:lnStyleLst>
+      <a:effectStyleLst>
+        <a:effectStyle>
+          <a:effectLst/>
+        </a:effectStyle>
+        <a:effectStyle>
+          <a:effectLst/>
+        </a:effectStyle>
+        <a:effectStyle>
+          <a:effectLst>
+            <a:outerShdw blurRad="57150" dist="19050" dir="5400000" algn="ctr" rotWithShape="0">
+              <a:srgbClr val="000000">
+                <a:alpha val="63000"/>
+              </a:srgbClr>
+            </a:outerShdw>
+          </a:effectLst>
+        </a:effectStyle>
+      </a:effectStyleLst>
+      <a:bgFillStyleLst>
+        <a:solidFill>
+          <a:schemeClr val="phClr"/>
+        </a:solidFill>
+        <a:solidFill>
+          <a:schemeClr val="phClr">
+            <a:tint val="95000"/>
+            <a:satMod val="170000"/>
+          </a:schemeClr>
+        </a:solidFill>
+        <a:gradFill rotWithShape="1">
+          <a:gsLst>
+            <a:gs pos="0">
+              <a:schemeClr val="phClr">
+                <a:tint val="93000"/>
+                <a:satMod val="150000"/>
+                <a:shade val="98000"/>
+                <a:lumMod val="102000"/>
+              </a:schemeClr>
+            </a:gs>
+            <a:gs pos="50000">
+              <a:schemeClr val="phClr">
+                <a:tint val="98000"/>
+                <a:satMod val="130000"/>
+                <a:shade val="90000"/>
+                <a:lumMod val="103000"/>
+              </a:schemeClr>
+            </a:gs>
+            <a:gs pos="100000">
+              <a:schemeClr val="phClr">
+                <a:shade val="63000"/>
+                <a:satMod val="120000"/>
+              </a:schemeClr>
+            </a:gs>
+          </a:gsLst>
+          <a:lin ang="5400000" scaled="0"/>
+        </a:gradFill>
+      </a:bgFillStyleLst>
+    </a:fmtScheme>
+  </a:themeElements>
+  <a:objectDefaults/>
+  <a:extraClrSchemeLst/>
+  <a:extLst>
+    <a:ext uri="{05A4C25C-085E-4340-85A3-A5531E510DB2}">
+      <thm15:themeFamily xmlns:thm15="http://schemas.microsoft.com/office/thememl/2012/main" name="Office Theme" id="{62F939B6-93AF-4DB8-9C6B-D6C7DFDC589F}" vid="{4A3C46E8-61CC-4603-A589-7422A47A8E4A}"/>
+    </a:ext>
+  </a:extLst>
+</a:theme>
 </file>